--- a/spring12/slidesS12/induction.pptx
+++ b/spring12/slidesS12/induction.pptx
@@ -5,54 +5,55 @@
     <p:sldMasterId id="2147483648" r:id="rId1"/>
   </p:sldMasterIdLst>
   <p:notesMasterIdLst>
-    <p:notesMasterId r:id="rId39"/>
+    <p:notesMasterId r:id="rId40"/>
   </p:notesMasterIdLst>
   <p:handoutMasterIdLst>
-    <p:handoutMasterId r:id="rId40"/>
+    <p:handoutMasterId r:id="rId41"/>
   </p:handoutMasterIdLst>
   <p:sldIdLst>
     <p:sldId id="311" r:id="rId2"/>
     <p:sldId id="312" r:id="rId3"/>
     <p:sldId id="375" r:id="rId4"/>
     <p:sldId id="384" r:id="rId5"/>
-    <p:sldId id="314" r:id="rId6"/>
-    <p:sldId id="315" r:id="rId7"/>
-    <p:sldId id="316" r:id="rId8"/>
-    <p:sldId id="317" r:id="rId9"/>
-    <p:sldId id="319" r:id="rId10"/>
-    <p:sldId id="320" r:id="rId11"/>
-    <p:sldId id="321" r:id="rId12"/>
-    <p:sldId id="323" r:id="rId13"/>
-    <p:sldId id="324" r:id="rId14"/>
-    <p:sldId id="325" r:id="rId15"/>
-    <p:sldId id="326" r:id="rId16"/>
-    <p:sldId id="327" r:id="rId17"/>
-    <p:sldId id="328" r:id="rId18"/>
-    <p:sldId id="329" r:id="rId19"/>
-    <p:sldId id="426" r:id="rId20"/>
-    <p:sldId id="331" r:id="rId21"/>
-    <p:sldId id="391" r:id="rId22"/>
-    <p:sldId id="392" r:id="rId23"/>
-    <p:sldId id="396" r:id="rId24"/>
-    <p:sldId id="343" r:id="rId25"/>
-    <p:sldId id="412" r:id="rId26"/>
-    <p:sldId id="413" r:id="rId27"/>
-    <p:sldId id="414" r:id="rId28"/>
-    <p:sldId id="415" r:id="rId29"/>
-    <p:sldId id="416" r:id="rId30"/>
-    <p:sldId id="417" r:id="rId31"/>
-    <p:sldId id="418" r:id="rId32"/>
-    <p:sldId id="419" r:id="rId33"/>
-    <p:sldId id="420" r:id="rId34"/>
-    <p:sldId id="421" r:id="rId35"/>
-    <p:sldId id="422" r:id="rId36"/>
-    <p:sldId id="423" r:id="rId37"/>
-    <p:sldId id="424" r:id="rId38"/>
+    <p:sldId id="427" r:id="rId6"/>
+    <p:sldId id="314" r:id="rId7"/>
+    <p:sldId id="315" r:id="rId8"/>
+    <p:sldId id="316" r:id="rId9"/>
+    <p:sldId id="317" r:id="rId10"/>
+    <p:sldId id="319" r:id="rId11"/>
+    <p:sldId id="320" r:id="rId12"/>
+    <p:sldId id="321" r:id="rId13"/>
+    <p:sldId id="323" r:id="rId14"/>
+    <p:sldId id="324" r:id="rId15"/>
+    <p:sldId id="325" r:id="rId16"/>
+    <p:sldId id="326" r:id="rId17"/>
+    <p:sldId id="327" r:id="rId18"/>
+    <p:sldId id="328" r:id="rId19"/>
+    <p:sldId id="329" r:id="rId20"/>
+    <p:sldId id="426" r:id="rId21"/>
+    <p:sldId id="331" r:id="rId22"/>
+    <p:sldId id="391" r:id="rId23"/>
+    <p:sldId id="392" r:id="rId24"/>
+    <p:sldId id="396" r:id="rId25"/>
+    <p:sldId id="343" r:id="rId26"/>
+    <p:sldId id="412" r:id="rId27"/>
+    <p:sldId id="413" r:id="rId28"/>
+    <p:sldId id="414" r:id="rId29"/>
+    <p:sldId id="415" r:id="rId30"/>
+    <p:sldId id="416" r:id="rId31"/>
+    <p:sldId id="417" r:id="rId32"/>
+    <p:sldId id="418" r:id="rId33"/>
+    <p:sldId id="419" r:id="rId34"/>
+    <p:sldId id="420" r:id="rId35"/>
+    <p:sldId id="421" r:id="rId36"/>
+    <p:sldId id="422" r:id="rId37"/>
+    <p:sldId id="423" r:id="rId38"/>
+    <p:sldId id="424" r:id="rId39"/>
   </p:sldIdLst>
   <p:sldSz cx="9144000" cy="6858000" type="screen4x3"/>
   <p:notesSz cx="7315200" cy="9601200"/>
   <p:custDataLst>
-    <p:tags r:id="rId42"/>
+    <p:tags r:id="rId43"/>
   </p:custDataLst>
   <p:defaultTextStyle>
     <a:defPPr>
@@ -235,7 +236,7 @@
             <a:fld id="{D875CB5D-1501-4E8C-8449-8F562B53033D}" type="datetimeFigureOut">
               <a:rPr lang="en-US" smtClean="0"/>
               <a:pPr/>
-              <a:t>2/21/12</a:t>
+              <a:t>2/22/12</a:t>
             </a:fld>
             <a:endParaRPr lang="en-US"/>
           </a:p>
@@ -402,7 +403,7 @@
             <a:fld id="{2E64E5CB-D4EF-403A-9BB6-139C52688DF7}" type="datetimeFigureOut">
               <a:rPr lang="en-US" smtClean="0"/>
               <a:pPr/>
-              <a:t>2/21/12</a:t>
+              <a:t>2/22/12</a:t>
             </a:fld>
             <a:endParaRPr lang="en-US"/>
           </a:p>
@@ -780,7 +781,7 @@
       </p:grpSpPr>
       <p:sp>
         <p:nvSpPr>
-          <p:cNvPr id="53250" name="Rectangle 7"/>
+          <p:cNvPr id="52226" name="Rectangle 7"/>
           <p:cNvSpPr>
             <a:spLocks noGrp="1" noChangeArrowheads="1"/>
           </p:cNvSpPr>
@@ -795,7 +796,7 @@
           <a:bodyPr/>
           <a:lstStyle/>
           <a:p>
-            <a:fld id="{13EDE2EA-B13B-415D-A09A-BFD22E2C9223}" type="slidenum">
+            <a:fld id="{E07B4C38-8048-42B9-B82D-2DD884AAABE8}" type="slidenum">
               <a:rPr lang="en-US"/>
               <a:pPr/>
               <a:t>10</a:t>
@@ -806,7 +807,7 @@
       </p:sp>
       <p:sp>
         <p:nvSpPr>
-          <p:cNvPr id="53251" name="Rectangle 2"/>
+          <p:cNvPr id="52227" name="Rectangle 2"/>
           <p:cNvSpPr>
             <a:spLocks noGrp="1" noRot="1" noChangeAspect="1" noChangeArrowheads="1" noTextEdit="1"/>
           </p:cNvSpPr>
@@ -820,7 +821,7 @@
       </p:sp>
       <p:sp>
         <p:nvSpPr>
-          <p:cNvPr id="53252" name="Rectangle 3"/>
+          <p:cNvPr id="52228" name="Rectangle 3"/>
           <p:cNvSpPr>
             <a:spLocks noGrp="1" noChangeArrowheads="1"/>
           </p:cNvSpPr>
@@ -868,7 +869,7 @@
       </p:grpSpPr>
       <p:sp>
         <p:nvSpPr>
-          <p:cNvPr id="54274" name="Rectangle 7"/>
+          <p:cNvPr id="53250" name="Rectangle 7"/>
           <p:cNvSpPr>
             <a:spLocks noGrp="1" noChangeArrowheads="1"/>
           </p:cNvSpPr>
@@ -883,7 +884,7 @@
           <a:bodyPr/>
           <a:lstStyle/>
           <a:p>
-            <a:fld id="{32AA0E2C-4A1B-4341-8C5D-3E98AA65AD84}" type="slidenum">
+            <a:fld id="{13EDE2EA-B13B-415D-A09A-BFD22E2C9223}" type="slidenum">
               <a:rPr lang="en-US"/>
               <a:pPr/>
               <a:t>11</a:t>
@@ -894,7 +895,7 @@
       </p:sp>
       <p:sp>
         <p:nvSpPr>
-          <p:cNvPr id="54275" name="Rectangle 2"/>
+          <p:cNvPr id="53251" name="Rectangle 2"/>
           <p:cNvSpPr>
             <a:spLocks noGrp="1" noRot="1" noChangeAspect="1" noChangeArrowheads="1" noTextEdit="1"/>
           </p:cNvSpPr>
@@ -908,7 +909,7 @@
       </p:sp>
       <p:sp>
         <p:nvSpPr>
-          <p:cNvPr id="54276" name="Rectangle 3"/>
+          <p:cNvPr id="53252" name="Rectangle 3"/>
           <p:cNvSpPr>
             <a:spLocks noGrp="1" noChangeArrowheads="1"/>
           </p:cNvSpPr>
@@ -956,7 +957,7 @@
       </p:grpSpPr>
       <p:sp>
         <p:nvSpPr>
-          <p:cNvPr id="56322" name="Rectangle 7"/>
+          <p:cNvPr id="54274" name="Rectangle 7"/>
           <p:cNvSpPr>
             <a:spLocks noGrp="1" noChangeArrowheads="1"/>
           </p:cNvSpPr>
@@ -971,7 +972,7 @@
           <a:bodyPr/>
           <a:lstStyle/>
           <a:p>
-            <a:fld id="{5625054A-0BCA-4E4D-9FFD-19BF51194E23}" type="slidenum">
+            <a:fld id="{32AA0E2C-4A1B-4341-8C5D-3E98AA65AD84}" type="slidenum">
               <a:rPr lang="en-US"/>
               <a:pPr/>
               <a:t>12</a:t>
@@ -982,7 +983,7 @@
       </p:sp>
       <p:sp>
         <p:nvSpPr>
-          <p:cNvPr id="56323" name="Rectangle 2"/>
+          <p:cNvPr id="54275" name="Rectangle 2"/>
           <p:cNvSpPr>
             <a:spLocks noGrp="1" noRot="1" noChangeAspect="1" noChangeArrowheads="1" noTextEdit="1"/>
           </p:cNvSpPr>
@@ -996,7 +997,7 @@
       </p:sp>
       <p:sp>
         <p:nvSpPr>
-          <p:cNvPr id="56324" name="Rectangle 3"/>
+          <p:cNvPr id="54276" name="Rectangle 3"/>
           <p:cNvSpPr>
             <a:spLocks noGrp="1" noChangeArrowheads="1"/>
           </p:cNvSpPr>
@@ -1044,7 +1045,7 @@
       </p:grpSpPr>
       <p:sp>
         <p:nvSpPr>
-          <p:cNvPr id="57346" name="Rectangle 7"/>
+          <p:cNvPr id="56322" name="Rectangle 7"/>
           <p:cNvSpPr>
             <a:spLocks noGrp="1" noChangeArrowheads="1"/>
           </p:cNvSpPr>
@@ -1059,7 +1060,7 @@
           <a:bodyPr/>
           <a:lstStyle/>
           <a:p>
-            <a:fld id="{9B10E75B-B754-4070-AE6C-D41E236DEC13}" type="slidenum">
+            <a:fld id="{5625054A-0BCA-4E4D-9FFD-19BF51194E23}" type="slidenum">
               <a:rPr lang="en-US"/>
               <a:pPr/>
               <a:t>13</a:t>
@@ -1070,7 +1071,7 @@
       </p:sp>
       <p:sp>
         <p:nvSpPr>
-          <p:cNvPr id="57347" name="Rectangle 2"/>
+          <p:cNvPr id="56323" name="Rectangle 2"/>
           <p:cNvSpPr>
             <a:spLocks noGrp="1" noRot="1" noChangeAspect="1" noChangeArrowheads="1" noTextEdit="1"/>
           </p:cNvSpPr>
@@ -1084,7 +1085,7 @@
       </p:sp>
       <p:sp>
         <p:nvSpPr>
-          <p:cNvPr id="57348" name="Rectangle 3"/>
+          <p:cNvPr id="56324" name="Rectangle 3"/>
           <p:cNvSpPr>
             <a:spLocks noGrp="1" noChangeArrowheads="1"/>
           </p:cNvSpPr>
@@ -1132,7 +1133,7 @@
       </p:grpSpPr>
       <p:sp>
         <p:nvSpPr>
-          <p:cNvPr id="58370" name="Rectangle 7"/>
+          <p:cNvPr id="57346" name="Rectangle 7"/>
           <p:cNvSpPr>
             <a:spLocks noGrp="1" noChangeArrowheads="1"/>
           </p:cNvSpPr>
@@ -1147,7 +1148,7 @@
           <a:bodyPr/>
           <a:lstStyle/>
           <a:p>
-            <a:fld id="{9D44E309-A036-4900-BA95-659A504B59C4}" type="slidenum">
+            <a:fld id="{9B10E75B-B754-4070-AE6C-D41E236DEC13}" type="slidenum">
               <a:rPr lang="en-US"/>
               <a:pPr/>
               <a:t>14</a:t>
@@ -1158,7 +1159,7 @@
       </p:sp>
       <p:sp>
         <p:nvSpPr>
-          <p:cNvPr id="58371" name="Rectangle 2"/>
+          <p:cNvPr id="57347" name="Rectangle 2"/>
           <p:cNvSpPr>
             <a:spLocks noGrp="1" noRot="1" noChangeAspect="1" noChangeArrowheads="1" noTextEdit="1"/>
           </p:cNvSpPr>
@@ -1172,7 +1173,7 @@
       </p:sp>
       <p:sp>
         <p:nvSpPr>
-          <p:cNvPr id="58372" name="Rectangle 3"/>
+          <p:cNvPr id="57348" name="Rectangle 3"/>
           <p:cNvSpPr>
             <a:spLocks noGrp="1" noChangeArrowheads="1"/>
           </p:cNvSpPr>
@@ -1220,7 +1221,7 @@
       </p:grpSpPr>
       <p:sp>
         <p:nvSpPr>
-          <p:cNvPr id="59394" name="Rectangle 7"/>
+          <p:cNvPr id="58370" name="Rectangle 7"/>
           <p:cNvSpPr>
             <a:spLocks noGrp="1" noChangeArrowheads="1"/>
           </p:cNvSpPr>
@@ -1235,7 +1236,7 @@
           <a:bodyPr/>
           <a:lstStyle/>
           <a:p>
-            <a:fld id="{351615DF-97D7-42EE-A925-F445D02DD827}" type="slidenum">
+            <a:fld id="{9D44E309-A036-4900-BA95-659A504B59C4}" type="slidenum">
               <a:rPr lang="en-US"/>
               <a:pPr/>
               <a:t>15</a:t>
@@ -1246,7 +1247,7 @@
       </p:sp>
       <p:sp>
         <p:nvSpPr>
-          <p:cNvPr id="59395" name="Rectangle 2"/>
+          <p:cNvPr id="58371" name="Rectangle 2"/>
           <p:cNvSpPr>
             <a:spLocks noGrp="1" noRot="1" noChangeAspect="1" noChangeArrowheads="1" noTextEdit="1"/>
           </p:cNvSpPr>
@@ -1260,7 +1261,7 @@
       </p:sp>
       <p:sp>
         <p:nvSpPr>
-          <p:cNvPr id="59396" name="Rectangle 3"/>
+          <p:cNvPr id="58372" name="Rectangle 3"/>
           <p:cNvSpPr>
             <a:spLocks noGrp="1" noChangeArrowheads="1"/>
           </p:cNvSpPr>
@@ -1308,7 +1309,7 @@
       </p:grpSpPr>
       <p:sp>
         <p:nvSpPr>
-          <p:cNvPr id="60418" name="Rectangle 7"/>
+          <p:cNvPr id="59394" name="Rectangle 7"/>
           <p:cNvSpPr>
             <a:spLocks noGrp="1" noChangeArrowheads="1"/>
           </p:cNvSpPr>
@@ -1323,7 +1324,7 @@
           <a:bodyPr/>
           <a:lstStyle/>
           <a:p>
-            <a:fld id="{BF8D6C32-BB82-4910-926B-33819A42491F}" type="slidenum">
+            <a:fld id="{351615DF-97D7-42EE-A925-F445D02DD827}" type="slidenum">
               <a:rPr lang="en-US"/>
               <a:pPr/>
               <a:t>16</a:t>
@@ -1334,7 +1335,7 @@
       </p:sp>
       <p:sp>
         <p:nvSpPr>
-          <p:cNvPr id="60419" name="Rectangle 2"/>
+          <p:cNvPr id="59395" name="Rectangle 2"/>
           <p:cNvSpPr>
             <a:spLocks noGrp="1" noRot="1" noChangeAspect="1" noChangeArrowheads="1" noTextEdit="1"/>
           </p:cNvSpPr>
@@ -1348,7 +1349,7 @@
       </p:sp>
       <p:sp>
         <p:nvSpPr>
-          <p:cNvPr id="60420" name="Rectangle 3"/>
+          <p:cNvPr id="59396" name="Rectangle 3"/>
           <p:cNvSpPr>
             <a:spLocks noGrp="1" noChangeArrowheads="1"/>
           </p:cNvSpPr>
@@ -1396,7 +1397,7 @@
       </p:grpSpPr>
       <p:sp>
         <p:nvSpPr>
-          <p:cNvPr id="61442" name="Rectangle 7"/>
+          <p:cNvPr id="60418" name="Rectangle 7"/>
           <p:cNvSpPr>
             <a:spLocks noGrp="1" noChangeArrowheads="1"/>
           </p:cNvSpPr>
@@ -1411,7 +1412,7 @@
           <a:bodyPr/>
           <a:lstStyle/>
           <a:p>
-            <a:fld id="{8CFC2434-E817-47E9-BAC2-F450DFA2C1BB}" type="slidenum">
+            <a:fld id="{BF8D6C32-BB82-4910-926B-33819A42491F}" type="slidenum">
               <a:rPr lang="en-US"/>
               <a:pPr/>
               <a:t>17</a:t>
@@ -1422,7 +1423,7 @@
       </p:sp>
       <p:sp>
         <p:nvSpPr>
-          <p:cNvPr id="61443" name="Rectangle 2"/>
+          <p:cNvPr id="60419" name="Rectangle 2"/>
           <p:cNvSpPr>
             <a:spLocks noGrp="1" noRot="1" noChangeAspect="1" noChangeArrowheads="1" noTextEdit="1"/>
           </p:cNvSpPr>
@@ -1436,7 +1437,7 @@
       </p:sp>
       <p:sp>
         <p:nvSpPr>
-          <p:cNvPr id="61444" name="Rectangle 3"/>
+          <p:cNvPr id="60420" name="Rectangle 3"/>
           <p:cNvSpPr>
             <a:spLocks noGrp="1" noChangeArrowheads="1"/>
           </p:cNvSpPr>
@@ -1484,7 +1485,7 @@
       </p:grpSpPr>
       <p:sp>
         <p:nvSpPr>
-          <p:cNvPr id="62466" name="Rectangle 7"/>
+          <p:cNvPr id="61442" name="Rectangle 7"/>
           <p:cNvSpPr>
             <a:spLocks noGrp="1" noChangeArrowheads="1"/>
           </p:cNvSpPr>
@@ -1499,7 +1500,7 @@
           <a:bodyPr/>
           <a:lstStyle/>
           <a:p>
-            <a:fld id="{F8E916EA-44BD-48AB-9A28-9EDC9EF8A133}" type="slidenum">
+            <a:fld id="{8CFC2434-E817-47E9-BAC2-F450DFA2C1BB}" type="slidenum">
               <a:rPr lang="en-US"/>
               <a:pPr/>
               <a:t>18</a:t>
@@ -1510,7 +1511,7 @@
       </p:sp>
       <p:sp>
         <p:nvSpPr>
-          <p:cNvPr id="62467" name="Rectangle 2"/>
+          <p:cNvPr id="61443" name="Rectangle 2"/>
           <p:cNvSpPr>
             <a:spLocks noGrp="1" noRot="1" noChangeAspect="1" noChangeArrowheads="1" noTextEdit="1"/>
           </p:cNvSpPr>
@@ -1524,7 +1525,7 @@
       </p:sp>
       <p:sp>
         <p:nvSpPr>
-          <p:cNvPr id="62468" name="Rectangle 3"/>
+          <p:cNvPr id="61444" name="Rectangle 3"/>
           <p:cNvSpPr>
             <a:spLocks noGrp="1" noChangeArrowheads="1"/>
           </p:cNvSpPr>
@@ -1748,7 +1749,7 @@
       </p:grpSpPr>
       <p:sp>
         <p:nvSpPr>
-          <p:cNvPr id="64514" name="Rectangle 7"/>
+          <p:cNvPr id="62466" name="Rectangle 7"/>
           <p:cNvSpPr>
             <a:spLocks noGrp="1" noChangeArrowheads="1"/>
           </p:cNvSpPr>
@@ -1763,7 +1764,7 @@
           <a:bodyPr/>
           <a:lstStyle/>
           <a:p>
-            <a:fld id="{B5662334-55BC-46EB-8E9F-575070820A3C}" type="slidenum">
+            <a:fld id="{F8E916EA-44BD-48AB-9A28-9EDC9EF8A133}" type="slidenum">
               <a:rPr lang="en-US"/>
               <a:pPr/>
               <a:t>20</a:t>
@@ -1774,7 +1775,7 @@
       </p:sp>
       <p:sp>
         <p:nvSpPr>
-          <p:cNvPr id="64515" name="Rectangle 2"/>
+          <p:cNvPr id="62467" name="Rectangle 2"/>
           <p:cNvSpPr>
             <a:spLocks noGrp="1" noRot="1" noChangeAspect="1" noChangeArrowheads="1" noTextEdit="1"/>
           </p:cNvSpPr>
@@ -1788,7 +1789,7 @@
       </p:sp>
       <p:sp>
         <p:nvSpPr>
-          <p:cNvPr id="64516" name="Rectangle 3"/>
+          <p:cNvPr id="62468" name="Rectangle 3"/>
           <p:cNvSpPr>
             <a:spLocks noGrp="1" noChangeArrowheads="1"/>
           </p:cNvSpPr>
@@ -1805,7 +1806,7 @@
           <a:lstStyle/>
           <a:p>
             <a:pPr eaLnBrk="1" hangingPunct="1"/>
-            <a:endParaRPr lang="en-US" dirty="0" smtClean="0"/>
+            <a:endParaRPr lang="en-US" smtClean="0"/>
           </a:p>
         </p:txBody>
       </p:sp>
@@ -1836,7 +1837,7 @@
       </p:grpSpPr>
       <p:sp>
         <p:nvSpPr>
-          <p:cNvPr id="61442" name="Rectangle 7"/>
+          <p:cNvPr id="64514" name="Rectangle 7"/>
           <p:cNvSpPr>
             <a:spLocks noGrp="1" noChangeArrowheads="1"/>
           </p:cNvSpPr>
@@ -1851,7 +1852,7 @@
           <a:bodyPr/>
           <a:lstStyle/>
           <a:p>
-            <a:fld id="{8CFC2434-E817-47E9-BAC2-F450DFA2C1BB}" type="slidenum">
+            <a:fld id="{B5662334-55BC-46EB-8E9F-575070820A3C}" type="slidenum">
               <a:rPr lang="en-US"/>
               <a:pPr/>
               <a:t>21</a:t>
@@ -1862,7 +1863,7 @@
       </p:sp>
       <p:sp>
         <p:nvSpPr>
-          <p:cNvPr id="61443" name="Rectangle 2"/>
+          <p:cNvPr id="64515" name="Rectangle 2"/>
           <p:cNvSpPr>
             <a:spLocks noGrp="1" noRot="1" noChangeAspect="1" noChangeArrowheads="1" noTextEdit="1"/>
           </p:cNvSpPr>
@@ -1876,7 +1877,7 @@
       </p:sp>
       <p:sp>
         <p:nvSpPr>
-          <p:cNvPr id="61444" name="Rectangle 3"/>
+          <p:cNvPr id="64516" name="Rectangle 3"/>
           <p:cNvSpPr>
             <a:spLocks noGrp="1" noChangeArrowheads="1"/>
           </p:cNvSpPr>
@@ -1893,7 +1894,7 @@
           <a:lstStyle/>
           <a:p>
             <a:pPr eaLnBrk="1" hangingPunct="1"/>
-            <a:endParaRPr lang="en-US" smtClean="0"/>
+            <a:endParaRPr lang="en-US" dirty="0" smtClean="0"/>
           </a:p>
         </p:txBody>
       </p:sp>
@@ -1924,7 +1925,7 @@
       </p:grpSpPr>
       <p:sp>
         <p:nvSpPr>
-          <p:cNvPr id="70658" name="Rectangle 7"/>
+          <p:cNvPr id="61442" name="Rectangle 7"/>
           <p:cNvSpPr>
             <a:spLocks noGrp="1" noChangeArrowheads="1"/>
           </p:cNvSpPr>
@@ -1939,7 +1940,7 @@
           <a:bodyPr/>
           <a:lstStyle/>
           <a:p>
-            <a:fld id="{AD47AC9F-628A-4CB2-8A9F-217EDDC0E0AE}" type="slidenum">
+            <a:fld id="{8CFC2434-E817-47E9-BAC2-F450DFA2C1BB}" type="slidenum">
               <a:rPr lang="en-US"/>
               <a:pPr/>
               <a:t>22</a:t>
@@ -1950,7 +1951,7 @@
       </p:sp>
       <p:sp>
         <p:nvSpPr>
-          <p:cNvPr id="70659" name="Rectangle 2"/>
+          <p:cNvPr id="61443" name="Rectangle 2"/>
           <p:cNvSpPr>
             <a:spLocks noGrp="1" noRot="1" noChangeAspect="1" noChangeArrowheads="1" noTextEdit="1"/>
           </p:cNvSpPr>
@@ -1964,7 +1965,7 @@
       </p:sp>
       <p:sp>
         <p:nvSpPr>
-          <p:cNvPr id="70660" name="Rectangle 3"/>
+          <p:cNvPr id="61444" name="Rectangle 3"/>
           <p:cNvSpPr>
             <a:spLocks noGrp="1" noChangeArrowheads="1"/>
           </p:cNvSpPr>
@@ -2012,7 +2013,7 @@
       </p:grpSpPr>
       <p:sp>
         <p:nvSpPr>
-          <p:cNvPr id="73730" name="Rectangle 7"/>
+          <p:cNvPr id="70658" name="Rectangle 7"/>
           <p:cNvSpPr>
             <a:spLocks noGrp="1" noChangeArrowheads="1"/>
           </p:cNvSpPr>
@@ -2027,7 +2028,7 @@
           <a:bodyPr/>
           <a:lstStyle/>
           <a:p>
-            <a:fld id="{CD059C97-FD3A-4F76-8D3A-3EA3AAC514D0}" type="slidenum">
+            <a:fld id="{AD47AC9F-628A-4CB2-8A9F-217EDDC0E0AE}" type="slidenum">
               <a:rPr lang="en-US"/>
               <a:pPr/>
               <a:t>23</a:t>
@@ -2038,7 +2039,7 @@
       </p:sp>
       <p:sp>
         <p:nvSpPr>
-          <p:cNvPr id="73731" name="Rectangle 2"/>
+          <p:cNvPr id="70659" name="Rectangle 2"/>
           <p:cNvSpPr>
             <a:spLocks noGrp="1" noRot="1" noChangeAspect="1" noChangeArrowheads="1" noTextEdit="1"/>
           </p:cNvSpPr>
@@ -2052,7 +2053,7 @@
       </p:sp>
       <p:sp>
         <p:nvSpPr>
-          <p:cNvPr id="73732" name="Rectangle 3"/>
+          <p:cNvPr id="70660" name="Rectangle 3"/>
           <p:cNvSpPr>
             <a:spLocks noGrp="1" noChangeArrowheads="1"/>
           </p:cNvSpPr>
@@ -2100,7 +2101,7 @@
       </p:grpSpPr>
       <p:sp>
         <p:nvSpPr>
-          <p:cNvPr id="76802" name="Rectangle 7"/>
+          <p:cNvPr id="73730" name="Rectangle 7"/>
           <p:cNvSpPr>
             <a:spLocks noGrp="1" noChangeArrowheads="1"/>
           </p:cNvSpPr>
@@ -2115,7 +2116,7 @@
           <a:bodyPr/>
           <a:lstStyle/>
           <a:p>
-            <a:fld id="{A5C7F4FA-24D0-4193-955D-1C44CBA7D02A}" type="slidenum">
+            <a:fld id="{CD059C97-FD3A-4F76-8D3A-3EA3AAC514D0}" type="slidenum">
               <a:rPr lang="en-US"/>
               <a:pPr/>
               <a:t>24</a:t>
@@ -2126,7 +2127,7 @@
       </p:sp>
       <p:sp>
         <p:nvSpPr>
-          <p:cNvPr id="76803" name="Rectangle 2"/>
+          <p:cNvPr id="73731" name="Rectangle 2"/>
           <p:cNvSpPr>
             <a:spLocks noGrp="1" noRot="1" noChangeAspect="1" noChangeArrowheads="1" noTextEdit="1"/>
           </p:cNvSpPr>
@@ -2140,7 +2141,7 @@
       </p:sp>
       <p:sp>
         <p:nvSpPr>
-          <p:cNvPr id="76804" name="Rectangle 3"/>
+          <p:cNvPr id="73732" name="Rectangle 3"/>
           <p:cNvSpPr>
             <a:spLocks noGrp="1" noChangeArrowheads="1"/>
           </p:cNvSpPr>
@@ -2188,7 +2189,7 @@
       </p:grpSpPr>
       <p:sp>
         <p:nvSpPr>
-          <p:cNvPr id="64514" name="Rectangle 7"/>
+          <p:cNvPr id="76802" name="Rectangle 7"/>
           <p:cNvSpPr>
             <a:spLocks noGrp="1" noChangeArrowheads="1"/>
           </p:cNvSpPr>
@@ -2203,7 +2204,7 @@
           <a:bodyPr/>
           <a:lstStyle/>
           <a:p>
-            <a:fld id="{B5662334-55BC-46EB-8E9F-575070820A3C}" type="slidenum">
+            <a:fld id="{A5C7F4FA-24D0-4193-955D-1C44CBA7D02A}" type="slidenum">
               <a:rPr lang="en-US"/>
               <a:pPr/>
               <a:t>25</a:t>
@@ -2214,7 +2215,7 @@
       </p:sp>
       <p:sp>
         <p:nvSpPr>
-          <p:cNvPr id="64515" name="Rectangle 2"/>
+          <p:cNvPr id="76803" name="Rectangle 2"/>
           <p:cNvSpPr>
             <a:spLocks noGrp="1" noRot="1" noChangeAspect="1" noChangeArrowheads="1" noTextEdit="1"/>
           </p:cNvSpPr>
@@ -2228,7 +2229,7 @@
       </p:sp>
       <p:sp>
         <p:nvSpPr>
-          <p:cNvPr id="64516" name="Rectangle 3"/>
+          <p:cNvPr id="76804" name="Rectangle 3"/>
           <p:cNvSpPr>
             <a:spLocks noGrp="1" noChangeArrowheads="1"/>
           </p:cNvSpPr>
@@ -2276,7 +2277,7 @@
       </p:grpSpPr>
       <p:sp>
         <p:nvSpPr>
-          <p:cNvPr id="65538" name="Rectangle 7"/>
+          <p:cNvPr id="64514" name="Rectangle 7"/>
           <p:cNvSpPr>
             <a:spLocks noGrp="1" noChangeArrowheads="1"/>
           </p:cNvSpPr>
@@ -2291,7 +2292,7 @@
           <a:bodyPr/>
           <a:lstStyle/>
           <a:p>
-            <a:fld id="{E280DC5D-3737-4871-B6E4-804757481445}" type="slidenum">
+            <a:fld id="{B5662334-55BC-46EB-8E9F-575070820A3C}" type="slidenum">
               <a:rPr lang="en-US"/>
               <a:pPr/>
               <a:t>26</a:t>
@@ -2302,7 +2303,7 @@
       </p:sp>
       <p:sp>
         <p:nvSpPr>
-          <p:cNvPr id="65539" name="Rectangle 2"/>
+          <p:cNvPr id="64515" name="Rectangle 2"/>
           <p:cNvSpPr>
             <a:spLocks noGrp="1" noRot="1" noChangeAspect="1" noChangeArrowheads="1" noTextEdit="1"/>
           </p:cNvSpPr>
@@ -2316,7 +2317,7 @@
       </p:sp>
       <p:sp>
         <p:nvSpPr>
-          <p:cNvPr id="65540" name="Rectangle 3"/>
+          <p:cNvPr id="64516" name="Rectangle 3"/>
           <p:cNvSpPr>
             <a:spLocks noGrp="1" noChangeArrowheads="1"/>
           </p:cNvSpPr>
@@ -2364,7 +2365,7 @@
       </p:grpSpPr>
       <p:sp>
         <p:nvSpPr>
-          <p:cNvPr id="66562" name="Rectangle 7"/>
+          <p:cNvPr id="65538" name="Rectangle 7"/>
           <p:cNvSpPr>
             <a:spLocks noGrp="1" noChangeArrowheads="1"/>
           </p:cNvSpPr>
@@ -2379,7 +2380,7 @@
           <a:bodyPr/>
           <a:lstStyle/>
           <a:p>
-            <a:fld id="{E1FB006F-3F1E-441E-8077-102F71C296A3}" type="slidenum">
+            <a:fld id="{E280DC5D-3737-4871-B6E4-804757481445}" type="slidenum">
               <a:rPr lang="en-US"/>
               <a:pPr/>
               <a:t>27</a:t>
@@ -2390,7 +2391,7 @@
       </p:sp>
       <p:sp>
         <p:nvSpPr>
-          <p:cNvPr id="66563" name="Rectangle 2"/>
+          <p:cNvPr id="65539" name="Rectangle 2"/>
           <p:cNvSpPr>
             <a:spLocks noGrp="1" noRot="1" noChangeAspect="1" noChangeArrowheads="1" noTextEdit="1"/>
           </p:cNvSpPr>
@@ -2404,7 +2405,7 @@
       </p:sp>
       <p:sp>
         <p:nvSpPr>
-          <p:cNvPr id="66564" name="Rectangle 3"/>
+          <p:cNvPr id="65540" name="Rectangle 3"/>
           <p:cNvSpPr>
             <a:spLocks noGrp="1" noChangeArrowheads="1"/>
           </p:cNvSpPr>
@@ -2452,7 +2453,7 @@
       </p:grpSpPr>
       <p:sp>
         <p:nvSpPr>
-          <p:cNvPr id="67586" name="Rectangle 7"/>
+          <p:cNvPr id="66562" name="Rectangle 7"/>
           <p:cNvSpPr>
             <a:spLocks noGrp="1" noChangeArrowheads="1"/>
           </p:cNvSpPr>
@@ -2467,7 +2468,7 @@
           <a:bodyPr/>
           <a:lstStyle/>
           <a:p>
-            <a:fld id="{AD4B6561-1724-4E1F-B824-8A02DC512366}" type="slidenum">
+            <a:fld id="{E1FB006F-3F1E-441E-8077-102F71C296A3}" type="slidenum">
               <a:rPr lang="en-US"/>
               <a:pPr/>
               <a:t>28</a:t>
@@ -2478,7 +2479,7 @@
       </p:sp>
       <p:sp>
         <p:nvSpPr>
-          <p:cNvPr id="67587" name="Rectangle 2"/>
+          <p:cNvPr id="66563" name="Rectangle 2"/>
           <p:cNvSpPr>
             <a:spLocks noGrp="1" noRot="1" noChangeAspect="1" noChangeArrowheads="1" noTextEdit="1"/>
           </p:cNvSpPr>
@@ -2492,7 +2493,7 @@
       </p:sp>
       <p:sp>
         <p:nvSpPr>
-          <p:cNvPr id="67588" name="Rectangle 3"/>
+          <p:cNvPr id="66564" name="Rectangle 3"/>
           <p:cNvSpPr>
             <a:spLocks noGrp="1" noChangeArrowheads="1"/>
           </p:cNvSpPr>
@@ -2540,7 +2541,7 @@
       </p:grpSpPr>
       <p:sp>
         <p:nvSpPr>
-          <p:cNvPr id="68610" name="Rectangle 7"/>
+          <p:cNvPr id="67586" name="Rectangle 7"/>
           <p:cNvSpPr>
             <a:spLocks noGrp="1" noChangeArrowheads="1"/>
           </p:cNvSpPr>
@@ -2555,7 +2556,7 @@
           <a:bodyPr/>
           <a:lstStyle/>
           <a:p>
-            <a:fld id="{73A9E81A-23EF-4E52-9408-0F64E664B794}" type="slidenum">
+            <a:fld id="{AD4B6561-1724-4E1F-B824-8A02DC512366}" type="slidenum">
               <a:rPr lang="en-US"/>
               <a:pPr/>
               <a:t>29</a:t>
@@ -2566,7 +2567,7 @@
       </p:sp>
       <p:sp>
         <p:nvSpPr>
-          <p:cNvPr id="68611" name="Rectangle 2"/>
+          <p:cNvPr id="67587" name="Rectangle 2"/>
           <p:cNvSpPr>
             <a:spLocks noGrp="1" noRot="1" noChangeAspect="1" noChangeArrowheads="1" noTextEdit="1"/>
           </p:cNvSpPr>
@@ -2580,7 +2581,7 @@
       </p:sp>
       <p:sp>
         <p:nvSpPr>
-          <p:cNvPr id="68612" name="Rectangle 3"/>
+          <p:cNvPr id="67588" name="Rectangle 3"/>
           <p:cNvSpPr>
             <a:spLocks noGrp="1" noChangeArrowheads="1"/>
           </p:cNvSpPr>
@@ -2716,7 +2717,7 @@
       </p:grpSpPr>
       <p:sp>
         <p:nvSpPr>
-          <p:cNvPr id="61442" name="Rectangle 7"/>
+          <p:cNvPr id="68610" name="Rectangle 7"/>
           <p:cNvSpPr>
             <a:spLocks noGrp="1" noChangeArrowheads="1"/>
           </p:cNvSpPr>
@@ -2731,7 +2732,7 @@
           <a:bodyPr/>
           <a:lstStyle/>
           <a:p>
-            <a:fld id="{8CFC2434-E817-47E9-BAC2-F450DFA2C1BB}" type="slidenum">
+            <a:fld id="{73A9E81A-23EF-4E52-9408-0F64E664B794}" type="slidenum">
               <a:rPr lang="en-US"/>
               <a:pPr/>
               <a:t>30</a:t>
@@ -2742,7 +2743,7 @@
       </p:sp>
       <p:sp>
         <p:nvSpPr>
-          <p:cNvPr id="61443" name="Rectangle 2"/>
+          <p:cNvPr id="68611" name="Rectangle 2"/>
           <p:cNvSpPr>
             <a:spLocks noGrp="1" noRot="1" noChangeAspect="1" noChangeArrowheads="1" noTextEdit="1"/>
           </p:cNvSpPr>
@@ -2756,7 +2757,7 @@
       </p:sp>
       <p:sp>
         <p:nvSpPr>
-          <p:cNvPr id="61444" name="Rectangle 3"/>
+          <p:cNvPr id="68612" name="Rectangle 3"/>
           <p:cNvSpPr>
             <a:spLocks noGrp="1" noChangeArrowheads="1"/>
           </p:cNvSpPr>
@@ -2804,7 +2805,7 @@
       </p:grpSpPr>
       <p:sp>
         <p:nvSpPr>
-          <p:cNvPr id="70658" name="Rectangle 7"/>
+          <p:cNvPr id="61442" name="Rectangle 7"/>
           <p:cNvSpPr>
             <a:spLocks noGrp="1" noChangeArrowheads="1"/>
           </p:cNvSpPr>
@@ -2819,7 +2820,7 @@
           <a:bodyPr/>
           <a:lstStyle/>
           <a:p>
-            <a:fld id="{AD47AC9F-628A-4CB2-8A9F-217EDDC0E0AE}" type="slidenum">
+            <a:fld id="{8CFC2434-E817-47E9-BAC2-F450DFA2C1BB}" type="slidenum">
               <a:rPr lang="en-US"/>
               <a:pPr/>
               <a:t>31</a:t>
@@ -2830,7 +2831,7 @@
       </p:sp>
       <p:sp>
         <p:nvSpPr>
-          <p:cNvPr id="70659" name="Rectangle 2"/>
+          <p:cNvPr id="61443" name="Rectangle 2"/>
           <p:cNvSpPr>
             <a:spLocks noGrp="1" noRot="1" noChangeAspect="1" noChangeArrowheads="1" noTextEdit="1"/>
           </p:cNvSpPr>
@@ -2844,7 +2845,7 @@
       </p:sp>
       <p:sp>
         <p:nvSpPr>
-          <p:cNvPr id="70660" name="Rectangle 3"/>
+          <p:cNvPr id="61444" name="Rectangle 3"/>
           <p:cNvSpPr>
             <a:spLocks noGrp="1" noChangeArrowheads="1"/>
           </p:cNvSpPr>
@@ -2892,7 +2893,7 @@
       </p:grpSpPr>
       <p:sp>
         <p:nvSpPr>
-          <p:cNvPr id="71682" name="Rectangle 7"/>
+          <p:cNvPr id="70658" name="Rectangle 7"/>
           <p:cNvSpPr>
             <a:spLocks noGrp="1" noChangeArrowheads="1"/>
           </p:cNvSpPr>
@@ -2907,7 +2908,7 @@
           <a:bodyPr/>
           <a:lstStyle/>
           <a:p>
-            <a:fld id="{0A3CEE03-EC77-49F2-9DBF-9D740C5DF855}" type="slidenum">
+            <a:fld id="{AD47AC9F-628A-4CB2-8A9F-217EDDC0E0AE}" type="slidenum">
               <a:rPr lang="en-US"/>
               <a:pPr/>
               <a:t>32</a:t>
@@ -2918,7 +2919,7 @@
       </p:sp>
       <p:sp>
         <p:nvSpPr>
-          <p:cNvPr id="71683" name="Rectangle 2"/>
+          <p:cNvPr id="70659" name="Rectangle 2"/>
           <p:cNvSpPr>
             <a:spLocks noGrp="1" noRot="1" noChangeAspect="1" noChangeArrowheads="1" noTextEdit="1"/>
           </p:cNvSpPr>
@@ -2932,7 +2933,7 @@
       </p:sp>
       <p:sp>
         <p:nvSpPr>
-          <p:cNvPr id="71684" name="Rectangle 3"/>
+          <p:cNvPr id="70660" name="Rectangle 3"/>
           <p:cNvSpPr>
             <a:spLocks noGrp="1" noChangeArrowheads="1"/>
           </p:cNvSpPr>
@@ -2980,7 +2981,7 @@
       </p:grpSpPr>
       <p:sp>
         <p:nvSpPr>
-          <p:cNvPr id="72706" name="Rectangle 7"/>
+          <p:cNvPr id="71682" name="Rectangle 7"/>
           <p:cNvSpPr>
             <a:spLocks noGrp="1" noChangeArrowheads="1"/>
           </p:cNvSpPr>
@@ -2995,7 +2996,7 @@
           <a:bodyPr/>
           <a:lstStyle/>
           <a:p>
-            <a:fld id="{9B6398F4-875C-450A-AEC6-0307E58343B4}" type="slidenum">
+            <a:fld id="{0A3CEE03-EC77-49F2-9DBF-9D740C5DF855}" type="slidenum">
               <a:rPr lang="en-US"/>
               <a:pPr/>
               <a:t>33</a:t>
@@ -3006,7 +3007,7 @@
       </p:sp>
       <p:sp>
         <p:nvSpPr>
-          <p:cNvPr id="72707" name="Rectangle 2"/>
+          <p:cNvPr id="71683" name="Rectangle 2"/>
           <p:cNvSpPr>
             <a:spLocks noGrp="1" noRot="1" noChangeAspect="1" noChangeArrowheads="1" noTextEdit="1"/>
           </p:cNvSpPr>
@@ -3020,7 +3021,7 @@
       </p:sp>
       <p:sp>
         <p:nvSpPr>
-          <p:cNvPr id="72708" name="Rectangle 3"/>
+          <p:cNvPr id="71684" name="Rectangle 3"/>
           <p:cNvSpPr>
             <a:spLocks noGrp="1" noChangeArrowheads="1"/>
           </p:cNvSpPr>
@@ -3068,7 +3069,7 @@
       </p:grpSpPr>
       <p:sp>
         <p:nvSpPr>
-          <p:cNvPr id="73730" name="Rectangle 7"/>
+          <p:cNvPr id="72706" name="Rectangle 7"/>
           <p:cNvSpPr>
             <a:spLocks noGrp="1" noChangeArrowheads="1"/>
           </p:cNvSpPr>
@@ -3083,7 +3084,7 @@
           <a:bodyPr/>
           <a:lstStyle/>
           <a:p>
-            <a:fld id="{CD059C97-FD3A-4F76-8D3A-3EA3AAC514D0}" type="slidenum">
+            <a:fld id="{9B6398F4-875C-450A-AEC6-0307E58343B4}" type="slidenum">
               <a:rPr lang="en-US"/>
               <a:pPr/>
               <a:t>34</a:t>
@@ -3094,7 +3095,7 @@
       </p:sp>
       <p:sp>
         <p:nvSpPr>
-          <p:cNvPr id="73731" name="Rectangle 2"/>
+          <p:cNvPr id="72707" name="Rectangle 2"/>
           <p:cNvSpPr>
             <a:spLocks noGrp="1" noRot="1" noChangeAspect="1" noChangeArrowheads="1" noTextEdit="1"/>
           </p:cNvSpPr>
@@ -3108,7 +3109,7 @@
       </p:sp>
       <p:sp>
         <p:nvSpPr>
-          <p:cNvPr id="73732" name="Rectangle 3"/>
+          <p:cNvPr id="72708" name="Rectangle 3"/>
           <p:cNvSpPr>
             <a:spLocks noGrp="1" noChangeArrowheads="1"/>
           </p:cNvSpPr>
@@ -3156,7 +3157,7 @@
       </p:grpSpPr>
       <p:sp>
         <p:nvSpPr>
-          <p:cNvPr id="74754" name="Rectangle 7"/>
+          <p:cNvPr id="73730" name="Rectangle 7"/>
           <p:cNvSpPr>
             <a:spLocks noGrp="1" noChangeArrowheads="1"/>
           </p:cNvSpPr>
@@ -3171,7 +3172,7 @@
           <a:bodyPr/>
           <a:lstStyle/>
           <a:p>
-            <a:fld id="{B584A9C3-BD59-4F4D-BC2B-5BA85605FC83}" type="slidenum">
+            <a:fld id="{CD059C97-FD3A-4F76-8D3A-3EA3AAC514D0}" type="slidenum">
               <a:rPr lang="en-US"/>
               <a:pPr/>
               <a:t>35</a:t>
@@ -3182,7 +3183,7 @@
       </p:sp>
       <p:sp>
         <p:nvSpPr>
-          <p:cNvPr id="74755" name="Rectangle 2"/>
+          <p:cNvPr id="73731" name="Rectangle 2"/>
           <p:cNvSpPr>
             <a:spLocks noGrp="1" noRot="1" noChangeAspect="1" noChangeArrowheads="1" noTextEdit="1"/>
           </p:cNvSpPr>
@@ -3196,7 +3197,7 @@
       </p:sp>
       <p:sp>
         <p:nvSpPr>
-          <p:cNvPr id="74756" name="Rectangle 3"/>
+          <p:cNvPr id="73732" name="Rectangle 3"/>
           <p:cNvSpPr>
             <a:spLocks noGrp="1" noChangeArrowheads="1"/>
           </p:cNvSpPr>
@@ -3244,7 +3245,7 @@
       </p:grpSpPr>
       <p:sp>
         <p:nvSpPr>
-          <p:cNvPr id="75778" name="Rectangle 7"/>
+          <p:cNvPr id="74754" name="Rectangle 7"/>
           <p:cNvSpPr>
             <a:spLocks noGrp="1" noChangeArrowheads="1"/>
           </p:cNvSpPr>
@@ -3259,7 +3260,7 @@
           <a:bodyPr/>
           <a:lstStyle/>
           <a:p>
-            <a:fld id="{1AB890A3-852B-4B5E-ABF9-90EB0727CD51}" type="slidenum">
+            <a:fld id="{B584A9C3-BD59-4F4D-BC2B-5BA85605FC83}" type="slidenum">
               <a:rPr lang="en-US"/>
               <a:pPr/>
               <a:t>36</a:t>
@@ -3270,7 +3271,7 @@
       </p:sp>
       <p:sp>
         <p:nvSpPr>
-          <p:cNvPr id="75779" name="Rectangle 2"/>
+          <p:cNvPr id="74755" name="Rectangle 2"/>
           <p:cNvSpPr>
             <a:spLocks noGrp="1" noRot="1" noChangeAspect="1" noChangeArrowheads="1" noTextEdit="1"/>
           </p:cNvSpPr>
@@ -3284,7 +3285,7 @@
       </p:sp>
       <p:sp>
         <p:nvSpPr>
-          <p:cNvPr id="75780" name="Rectangle 3"/>
+          <p:cNvPr id="74756" name="Rectangle 3"/>
           <p:cNvSpPr>
             <a:spLocks noGrp="1" noChangeArrowheads="1"/>
           </p:cNvSpPr>
@@ -3332,6 +3333,94 @@
       </p:grpSpPr>
       <p:sp>
         <p:nvSpPr>
+          <p:cNvPr id="75778" name="Rectangle 7"/>
+          <p:cNvSpPr>
+            <a:spLocks noGrp="1" noChangeArrowheads="1"/>
+          </p:cNvSpPr>
+          <p:nvPr>
+            <p:ph type="sldNum" sz="quarter" idx="5"/>
+          </p:nvPr>
+        </p:nvSpPr>
+        <p:spPr>
+          <a:noFill/>
+        </p:spPr>
+        <p:txBody>
+          <a:bodyPr/>
+          <a:lstStyle/>
+          <a:p>
+            <a:fld id="{1AB890A3-852B-4B5E-ABF9-90EB0727CD51}" type="slidenum">
+              <a:rPr lang="en-US"/>
+              <a:pPr/>
+              <a:t>37</a:t>
+            </a:fld>
+            <a:endParaRPr lang="en-US"/>
+          </a:p>
+        </p:txBody>
+      </p:sp>
+      <p:sp>
+        <p:nvSpPr>
+          <p:cNvPr id="75779" name="Rectangle 2"/>
+          <p:cNvSpPr>
+            <a:spLocks noGrp="1" noRot="1" noChangeAspect="1" noChangeArrowheads="1" noTextEdit="1"/>
+          </p:cNvSpPr>
+          <p:nvPr>
+            <p:ph type="sldImg"/>
+          </p:nvPr>
+        </p:nvSpPr>
+        <p:spPr>
+          <a:ln/>
+        </p:spPr>
+      </p:sp>
+      <p:sp>
+        <p:nvSpPr>
+          <p:cNvPr id="75780" name="Rectangle 3"/>
+          <p:cNvSpPr>
+            <a:spLocks noGrp="1" noChangeArrowheads="1"/>
+          </p:cNvSpPr>
+          <p:nvPr>
+            <p:ph type="body" idx="1"/>
+          </p:nvPr>
+        </p:nvSpPr>
+        <p:spPr>
+          <a:noFill/>
+          <a:ln/>
+        </p:spPr>
+        <p:txBody>
+          <a:bodyPr/>
+          <a:lstStyle/>
+          <a:p>
+            <a:pPr eaLnBrk="1" hangingPunct="1"/>
+            <a:endParaRPr lang="en-US" smtClean="0"/>
+          </a:p>
+        </p:txBody>
+      </p:sp>
+    </p:spTree>
+  </p:cSld>
+  <p:clrMapOvr>
+    <a:masterClrMapping/>
+  </p:clrMapOvr>
+</p:notes>
+</file>
+
+<file path=ppt/notesSlides/notesSlide38.xml><?xml version="1.0" encoding="utf-8"?>
+<p:notes xmlns:a="http://schemas.openxmlformats.org/drawingml/2006/main" xmlns:r="http://schemas.openxmlformats.org/officeDocument/2006/relationships" xmlns:p="http://schemas.openxmlformats.org/presentationml/2006/main">
+  <p:cSld>
+    <p:spTree>
+      <p:nvGrpSpPr>
+        <p:cNvPr id="1" name=""/>
+        <p:cNvGrpSpPr/>
+        <p:nvPr/>
+      </p:nvGrpSpPr>
+      <p:grpSpPr>
+        <a:xfrm>
+          <a:off x="0" y="0"/>
+          <a:ext cx="0" cy="0"/>
+          <a:chOff x="0" y="0"/>
+          <a:chExt cx="0" cy="0"/>
+        </a:xfrm>
+      </p:grpSpPr>
+      <p:sp>
+        <p:nvSpPr>
           <p:cNvPr id="76802" name="Rectangle 7"/>
           <p:cNvSpPr>
             <a:spLocks noGrp="1" noChangeArrowheads="1"/>
@@ -3350,7 +3439,7 @@
             <a:fld id="{A5C7F4FA-24D0-4193-955D-1C44CBA7D02A}" type="slidenum">
               <a:rPr lang="en-US"/>
               <a:pPr/>
-              <a:t>37</a:t>
+              <a:t>38</a:t>
             </a:fld>
             <a:endParaRPr lang="en-US"/>
           </a:p>
@@ -3508,7 +3597,7 @@
       </p:grpSpPr>
       <p:sp>
         <p:nvSpPr>
-          <p:cNvPr id="47106" name="Rectangle 7"/>
+          <p:cNvPr id="46082" name="Rectangle 7"/>
           <p:cNvSpPr>
             <a:spLocks noGrp="1" noChangeArrowheads="1"/>
           </p:cNvSpPr>
@@ -3523,7 +3612,7 @@
           <a:bodyPr/>
           <a:lstStyle/>
           <a:p>
-            <a:fld id="{AAAEC2EC-5E0D-4ABC-9EB4-AFFF9252A1C3}" type="slidenum">
+            <a:fld id="{7BEDAB1A-A847-499A-A621-1DC711EC5282}" type="slidenum">
               <a:rPr lang="en-US"/>
               <a:pPr/>
               <a:t>5</a:t>
@@ -3534,7 +3623,7 @@
       </p:sp>
       <p:sp>
         <p:nvSpPr>
-          <p:cNvPr id="47107" name="Rectangle 2"/>
+          <p:cNvPr id="46083" name="Rectangle 2"/>
           <p:cNvSpPr>
             <a:spLocks noGrp="1" noRot="1" noChangeAspect="1" noChangeArrowheads="1" noTextEdit="1"/>
           </p:cNvSpPr>
@@ -3548,7 +3637,7 @@
       </p:sp>
       <p:sp>
         <p:nvSpPr>
-          <p:cNvPr id="47108" name="Rectangle 3"/>
+          <p:cNvPr id="46084" name="Rectangle 3"/>
           <p:cNvSpPr>
             <a:spLocks noGrp="1" noChangeArrowheads="1"/>
           </p:cNvSpPr>
@@ -3596,7 +3685,7 @@
       </p:grpSpPr>
       <p:sp>
         <p:nvSpPr>
-          <p:cNvPr id="48130" name="Rectangle 7"/>
+          <p:cNvPr id="47106" name="Rectangle 7"/>
           <p:cNvSpPr>
             <a:spLocks noGrp="1" noChangeArrowheads="1"/>
           </p:cNvSpPr>
@@ -3611,7 +3700,7 @@
           <a:bodyPr/>
           <a:lstStyle/>
           <a:p>
-            <a:fld id="{532E1C8E-05DC-4FB6-89C9-A5924FB972DC}" type="slidenum">
+            <a:fld id="{AAAEC2EC-5E0D-4ABC-9EB4-AFFF9252A1C3}" type="slidenum">
               <a:rPr lang="en-US"/>
               <a:pPr/>
               <a:t>6</a:t>
@@ -3622,7 +3711,7 @@
       </p:sp>
       <p:sp>
         <p:nvSpPr>
-          <p:cNvPr id="48131" name="Rectangle 2"/>
+          <p:cNvPr id="47107" name="Rectangle 2"/>
           <p:cNvSpPr>
             <a:spLocks noGrp="1" noRot="1" noChangeAspect="1" noChangeArrowheads="1" noTextEdit="1"/>
           </p:cNvSpPr>
@@ -3636,7 +3725,7 @@
       </p:sp>
       <p:sp>
         <p:nvSpPr>
-          <p:cNvPr id="48132" name="Rectangle 3"/>
+          <p:cNvPr id="47108" name="Rectangle 3"/>
           <p:cNvSpPr>
             <a:spLocks noGrp="1" noChangeArrowheads="1"/>
           </p:cNvSpPr>
@@ -3684,7 +3773,7 @@
       </p:grpSpPr>
       <p:sp>
         <p:nvSpPr>
-          <p:cNvPr id="49154" name="Rectangle 7"/>
+          <p:cNvPr id="48130" name="Rectangle 7"/>
           <p:cNvSpPr>
             <a:spLocks noGrp="1" noChangeArrowheads="1"/>
           </p:cNvSpPr>
@@ -3699,7 +3788,7 @@
           <a:bodyPr/>
           <a:lstStyle/>
           <a:p>
-            <a:fld id="{DA07DFF4-615E-4135-B867-855585656DFC}" type="slidenum">
+            <a:fld id="{532E1C8E-05DC-4FB6-89C9-A5924FB972DC}" type="slidenum">
               <a:rPr lang="en-US"/>
               <a:pPr/>
               <a:t>7</a:t>
@@ -3710,7 +3799,7 @@
       </p:sp>
       <p:sp>
         <p:nvSpPr>
-          <p:cNvPr id="49155" name="Rectangle 2"/>
+          <p:cNvPr id="48131" name="Rectangle 2"/>
           <p:cNvSpPr>
             <a:spLocks noGrp="1" noRot="1" noChangeAspect="1" noChangeArrowheads="1" noTextEdit="1"/>
           </p:cNvSpPr>
@@ -3724,7 +3813,7 @@
       </p:sp>
       <p:sp>
         <p:nvSpPr>
-          <p:cNvPr id="49156" name="Rectangle 3"/>
+          <p:cNvPr id="48132" name="Rectangle 3"/>
           <p:cNvSpPr>
             <a:spLocks noGrp="1" noChangeArrowheads="1"/>
           </p:cNvSpPr>
@@ -3772,7 +3861,7 @@
       </p:grpSpPr>
       <p:sp>
         <p:nvSpPr>
-          <p:cNvPr id="50178" name="Rectangle 7"/>
+          <p:cNvPr id="49154" name="Rectangle 7"/>
           <p:cNvSpPr>
             <a:spLocks noGrp="1" noChangeArrowheads="1"/>
           </p:cNvSpPr>
@@ -3787,7 +3876,7 @@
           <a:bodyPr/>
           <a:lstStyle/>
           <a:p>
-            <a:fld id="{BF26D47B-FA31-4049-B450-609CEEF111E8}" type="slidenum">
+            <a:fld id="{DA07DFF4-615E-4135-B867-855585656DFC}" type="slidenum">
               <a:rPr lang="en-US"/>
               <a:pPr/>
               <a:t>8</a:t>
@@ -3798,7 +3887,7 @@
       </p:sp>
       <p:sp>
         <p:nvSpPr>
-          <p:cNvPr id="50179" name="Rectangle 2"/>
+          <p:cNvPr id="49155" name="Rectangle 2"/>
           <p:cNvSpPr>
             <a:spLocks noGrp="1" noRot="1" noChangeAspect="1" noChangeArrowheads="1" noTextEdit="1"/>
           </p:cNvSpPr>
@@ -3812,7 +3901,7 @@
       </p:sp>
       <p:sp>
         <p:nvSpPr>
-          <p:cNvPr id="50180" name="Rectangle 3"/>
+          <p:cNvPr id="49156" name="Rectangle 3"/>
           <p:cNvSpPr>
             <a:spLocks noGrp="1" noChangeArrowheads="1"/>
           </p:cNvSpPr>
@@ -3860,7 +3949,7 @@
       </p:grpSpPr>
       <p:sp>
         <p:nvSpPr>
-          <p:cNvPr id="52226" name="Rectangle 7"/>
+          <p:cNvPr id="50178" name="Rectangle 7"/>
           <p:cNvSpPr>
             <a:spLocks noGrp="1" noChangeArrowheads="1"/>
           </p:cNvSpPr>
@@ -3875,7 +3964,7 @@
           <a:bodyPr/>
           <a:lstStyle/>
           <a:p>
-            <a:fld id="{E07B4C38-8048-42B9-B82D-2DD884AAABE8}" type="slidenum">
+            <a:fld id="{BF26D47B-FA31-4049-B450-609CEEF111E8}" type="slidenum">
               <a:rPr lang="en-US"/>
               <a:pPr/>
               <a:t>9</a:t>
@@ -3886,7 +3975,7 @@
       </p:sp>
       <p:sp>
         <p:nvSpPr>
-          <p:cNvPr id="52227" name="Rectangle 2"/>
+          <p:cNvPr id="50179" name="Rectangle 2"/>
           <p:cNvSpPr>
             <a:spLocks noGrp="1" noRot="1" noChangeAspect="1" noChangeArrowheads="1" noTextEdit="1"/>
           </p:cNvSpPr>
@@ -3900,7 +3989,7 @@
       </p:sp>
       <p:sp>
         <p:nvSpPr>
-          <p:cNvPr id="52228" name="Rectangle 3"/>
+          <p:cNvPr id="50180" name="Rectangle 3"/>
           <p:cNvSpPr>
             <a:spLocks noGrp="1" noChangeArrowheads="1"/>
           </p:cNvSpPr>
@@ -5372,6 +5461,353 @@
       </p:grpSpPr>
       <p:sp>
         <p:nvSpPr>
+          <p:cNvPr id="4100" name="Rectangle 3"/>
+          <p:cNvSpPr>
+            <a:spLocks noGrp="1" noChangeArrowheads="1"/>
+          </p:cNvSpPr>
+          <p:nvPr>
+            <p:ph type="body" idx="1"/>
+          </p:nvPr>
+        </p:nvSpPr>
+        <p:spPr>
+          <a:xfrm>
+            <a:off x="533400" y="1473200"/>
+            <a:ext cx="7939088" cy="1879600"/>
+          </a:xfrm>
+        </p:spPr>
+        <p:txBody>
+          <a:bodyPr/>
+          <a:lstStyle/>
+          <a:p>
+            <a:pPr eaLnBrk="1" hangingPunct="1"/>
+            <a:r>
+              <a:rPr lang="en-US" sz="4400" dirty="0" smtClean="0">
+                <a:solidFill>
+                  <a:srgbClr val="FF33CC"/>
+                </a:solidFill>
+              </a:rPr>
+              <a:t>Inductive Step: Assume </a:t>
+            </a:r>
+            <a:r>
+              <a:rPr lang="en-US" sz="4400" dirty="0" smtClean="0">
+                <a:solidFill>
+                  <a:srgbClr val="0000FF"/>
+                </a:solidFill>
+              </a:rPr>
+              <a:t>P</a:t>
+            </a:r>
+            <a:r>
+              <a:rPr lang="en-US" sz="4400" dirty="0" smtClean="0"/>
+              <a:t>(</a:t>
+            </a:r>
+            <a:r>
+              <a:rPr lang="en-US" sz="4400" dirty="0" smtClean="0">
+                <a:solidFill>
+                  <a:srgbClr val="009900"/>
+                </a:solidFill>
+              </a:rPr>
+              <a:t>n</a:t>
+            </a:r>
+            <a:r>
+              <a:rPr lang="en-US" sz="4400" dirty="0" smtClean="0"/>
+              <a:t>)</a:t>
+            </a:r>
+            <a:r>
+              <a:rPr lang="en-US" sz="4400" dirty="0" smtClean="0">
+                <a:solidFill>
+                  <a:srgbClr val="009900"/>
+                </a:solidFill>
+              </a:rPr>
+              <a:t> </a:t>
+            </a:r>
+          </a:p>
+          <a:p>
+            <a:pPr eaLnBrk="1" hangingPunct="1"/>
+            <a:r>
+              <a:rPr lang="en-US" sz="4400" dirty="0" smtClean="0">
+                <a:solidFill>
+                  <a:srgbClr val="FF33CC"/>
+                </a:solidFill>
+              </a:rPr>
+              <a:t>where </a:t>
+            </a:r>
+            <a:r>
+              <a:rPr lang="en-US" sz="4400" dirty="0" smtClean="0">
+                <a:solidFill>
+                  <a:srgbClr val="009900"/>
+                </a:solidFill>
+              </a:rPr>
+              <a:t>n </a:t>
+            </a:r>
+            <a:r>
+              <a:rPr lang="en-US" sz="4400" b="1" dirty="0" smtClean="0">
+                <a:latin typeface="Symbol" charset="2"/>
+                <a:cs typeface="Symbol" charset="2"/>
+                <a:sym typeface="Symbol" pitchFamily="18" charset="2"/>
+              </a:rPr>
+              <a:t>≥</a:t>
+            </a:r>
+            <a:r>
+              <a:rPr lang="en-US" sz="4400" dirty="0" smtClean="0">
+                <a:sym typeface="Symbol" pitchFamily="18" charset="2"/>
+              </a:rPr>
+              <a:t> </a:t>
+            </a:r>
+            <a:r>
+              <a:rPr lang="en-US" sz="4400" dirty="0" smtClean="0"/>
+              <a:t>0  </a:t>
+            </a:r>
+            <a:r>
+              <a:rPr lang="en-US" sz="4400" dirty="0" smtClean="0">
+                <a:solidFill>
+                  <a:srgbClr val="FF33CC"/>
+                </a:solidFill>
+              </a:rPr>
+              <a:t>and prove </a:t>
+            </a:r>
+            <a:r>
+              <a:rPr lang="en-US" sz="4400" dirty="0" smtClean="0">
+                <a:solidFill>
+                  <a:srgbClr val="0000FF"/>
+                </a:solidFill>
+              </a:rPr>
+              <a:t>P</a:t>
+            </a:r>
+            <a:r>
+              <a:rPr lang="en-US" sz="4400" dirty="0" smtClean="0"/>
+              <a:t>(</a:t>
+            </a:r>
+            <a:r>
+              <a:rPr lang="en-US" sz="4400" dirty="0" smtClean="0">
+                <a:solidFill>
+                  <a:srgbClr val="009900"/>
+                </a:solidFill>
+              </a:rPr>
+              <a:t>n+1</a:t>
+            </a:r>
+            <a:r>
+              <a:rPr lang="en-US" sz="4400" dirty="0" smtClean="0"/>
+              <a:t>)</a:t>
+            </a:r>
+            <a:r>
+              <a:rPr lang="en-US" sz="4400" dirty="0" smtClean="0">
+                <a:solidFill>
+                  <a:srgbClr val="FF33CC"/>
+                </a:solidFill>
+              </a:rPr>
+              <a:t>:</a:t>
+            </a:r>
+          </a:p>
+        </p:txBody>
+      </p:sp>
+      <p:sp>
+        <p:nvSpPr>
+          <p:cNvPr id="6" name="Rectangle 5"/>
+          <p:cNvSpPr>
+            <a:spLocks noGrp="1" noChangeArrowheads="1"/>
+          </p:cNvSpPr>
+          <p:nvPr>
+            <p:ph type="title"/>
+          </p:nvPr>
+        </p:nvSpPr>
+        <p:spPr/>
+        <p:txBody>
+          <a:bodyPr>
+            <a:normAutofit/>
+          </a:bodyPr>
+          <a:lstStyle/>
+          <a:p>
+            <a:pPr eaLnBrk="1" hangingPunct="1"/>
+            <a:r>
+              <a:rPr lang="en-US" sz="4000" dirty="0" smtClean="0"/>
+              <a:t>Example Induction Proof</a:t>
+            </a:r>
+          </a:p>
+        </p:txBody>
+      </p:sp>
+      <p:graphicFrame>
+        <p:nvGraphicFramePr>
+          <p:cNvPr id="2" name="Object 3"/>
+          <p:cNvGraphicFramePr>
+            <a:graphicFrameLocks noChangeAspect="1"/>
+          </p:cNvGraphicFramePr>
+          <p:nvPr>
+            <p:extLst>
+              <p:ext uri="{D42A27DB-BD31-4B8C-83A1-F6EECF244321}">
+                <p14:modId xmlns:p14="http://schemas.microsoft.com/office/powerpoint/2010/main" val="1656405391"/>
+              </p:ext>
+            </p:extLst>
+          </p:nvPr>
+        </p:nvGraphicFramePr>
+        <p:xfrm>
+          <a:off x="814388" y="3276600"/>
+          <a:ext cx="7378700" cy="1752600"/>
+        </p:xfrm>
+        <a:graphic>
+          <a:graphicData uri="http://schemas.openxmlformats.org/presentationml/2006/ole">
+            <mc:AlternateContent xmlns:mc="http://schemas.openxmlformats.org/markup-compatibility/2006">
+              <mc:Choice xmlns:v="urn:schemas-microsoft-com:vml" Requires="v">
+                <p:oleObj spid="_x0000_s4120" name="Equation" r:id="rId4" imgW="1816100" imgH="431800" progId="Equation.3">
+                  <p:embed/>
+                </p:oleObj>
+              </mc:Choice>
+              <mc:Fallback>
+                <p:oleObj name="Equation" r:id="rId4" imgW="1816100" imgH="431800" progId="Equation.3">
+                  <p:embed/>
+                  <p:pic>
+                    <p:nvPicPr>
+                      <p:cNvPr id="0" name="Picture 3"/>
+                      <p:cNvPicPr>
+                        <a:picLocks noChangeAspect="1" noChangeArrowheads="1"/>
+                      </p:cNvPicPr>
+                      <p:nvPr/>
+                    </p:nvPicPr>
+                    <p:blipFill>
+                      <a:blip r:embed="rId5"/>
+                      <a:srcRect/>
+                      <a:stretch>
+                        <a:fillRect/>
+                      </a:stretch>
+                    </p:blipFill>
+                    <p:spPr bwMode="auto">
+                      <a:xfrm>
+                        <a:off x="814388" y="3276600"/>
+                        <a:ext cx="7378700" cy="1752600"/>
+                      </a:xfrm>
+                      <a:prstGeom prst="rect">
+                        <a:avLst/>
+                      </a:prstGeom>
+                      <a:noFill/>
+                      <a:extLst>
+                        <a:ext uri="{909E8E84-426E-40dd-AFC4-6F175D3DCCD1}">
+                          <a14:hiddenFill xmlns:a14="http://schemas.microsoft.com/office/drawing/2010/main">
+                            <a:solidFill>
+                              <a:srgbClr val="FFFFFF"/>
+                            </a:solidFill>
+                          </a14:hiddenFill>
+                        </a:ext>
+                      </a:extLst>
+                    </p:spPr>
+                  </p:pic>
+                </p:oleObj>
+              </mc:Fallback>
+            </mc:AlternateContent>
+          </a:graphicData>
+        </a:graphic>
+      </p:graphicFrame>
+    </p:spTree>
+  </p:cSld>
+  <p:clrMapOvr>
+    <a:masterClrMapping/>
+  </p:clrMapOvr>
+  <p:transition xmlns:p14="http://schemas.microsoft.com/office/powerpoint/2010/main">
+    <p:fade thruBlk="1"/>
+  </p:transition>
+  <p:timing>
+    <p:tnLst>
+      <p:par>
+        <p:cTn xmlns:p14="http://schemas.microsoft.com/office/powerpoint/2010/main" id="1" dur="indefinite" restart="never" nodeType="tmRoot">
+          <p:childTnLst>
+            <p:seq concurrent="1" nextAc="seek">
+              <p:cTn id="2" dur="indefinite" nodeType="mainSeq">
+                <p:childTnLst>
+                  <p:par>
+                    <p:cTn id="3" fill="hold">
+                      <p:stCondLst>
+                        <p:cond delay="indefinite"/>
+                      </p:stCondLst>
+                      <p:childTnLst>
+                        <p:par>
+                          <p:cTn id="4" fill="hold">
+                            <p:stCondLst>
+                              <p:cond delay="0"/>
+                            </p:stCondLst>
+                            <p:childTnLst>
+                              <p:par>
+                                <p:cTn id="5" presetID="22" presetClass="entr" presetSubtype="8" fill="hold" nodeType="clickEffect">
+                                  <p:stCondLst>
+                                    <p:cond delay="0"/>
+                                  </p:stCondLst>
+                                  <p:childTnLst>
+                                    <p:set>
+                                      <p:cBhvr>
+                                        <p:cTn id="6" dur="1" fill="hold">
+                                          <p:stCondLst>
+                                            <p:cond delay="0"/>
+                                          </p:stCondLst>
+                                        </p:cTn>
+                                        <p:tgtEl>
+                                          <p:spTgt spid="2"/>
+                                        </p:tgtEl>
+                                        <p:attrNameLst>
+                                          <p:attrName>style.visibility</p:attrName>
+                                        </p:attrNameLst>
+                                      </p:cBhvr>
+                                      <p:to>
+                                        <p:strVal val="visible"/>
+                                      </p:to>
+                                    </p:set>
+                                    <p:animEffect transition="in" filter="wipe(left)">
+                                      <p:cBhvr>
+                                        <p:cTn id="7" dur="500"/>
+                                        <p:tgtEl>
+                                          <p:spTgt spid="2"/>
+                                        </p:tgtEl>
+                                      </p:cBhvr>
+                                    </p:animEffect>
+                                  </p:childTnLst>
+                                </p:cTn>
+                              </p:par>
+                            </p:childTnLst>
+                          </p:cTn>
+                        </p:par>
+                      </p:childTnLst>
+                    </p:cTn>
+                  </p:par>
+                </p:childTnLst>
+              </p:cTn>
+              <p:prevCondLst>
+                <p:cond evt="onPrev" delay="0">
+                  <p:tgtEl>
+                    <p:sldTgt/>
+                  </p:tgtEl>
+                </p:cond>
+              </p:prevCondLst>
+              <p:nextCondLst>
+                <p:cond evt="onNext" delay="0">
+                  <p:tgtEl>
+                    <p:sldTgt/>
+                  </p:tgtEl>
+                </p:cond>
+              </p:nextCondLst>
+            </p:seq>
+          </p:childTnLst>
+        </p:cTn>
+      </p:par>
+    </p:tnLst>
+  </p:timing>
+</p:sld>
+</file>
+
+<file path=ppt/slides/slide11.xml><?xml version="1.0" encoding="utf-8"?>
+<p:sld xmlns:a="http://schemas.openxmlformats.org/drawingml/2006/main" xmlns:r="http://schemas.openxmlformats.org/officeDocument/2006/relationships" xmlns:p="http://schemas.openxmlformats.org/presentationml/2006/main">
+  <p:cSld>
+    <p:spTree>
+      <p:nvGrpSpPr>
+        <p:cNvPr id="1" name=""/>
+        <p:cNvGrpSpPr/>
+        <p:nvPr/>
+      </p:nvGrpSpPr>
+      <p:grpSpPr>
+        <a:xfrm>
+          <a:off x="0" y="0"/>
+          <a:ext cx="0" cy="0"/>
+          <a:chOff x="0" y="0"/>
+          <a:chExt cx="0" cy="0"/>
+        </a:xfrm>
+      </p:grpSpPr>
+      <p:sp>
+        <p:nvSpPr>
           <p:cNvPr id="21507" name="Rectangle 3"/>
           <p:cNvSpPr>
             <a:spLocks noGrp="1" noChangeArrowheads="1"/>
@@ -5482,7 +5918,7 @@
           <a:graphicData uri="http://schemas.openxmlformats.org/presentationml/2006/ole">
             <mc:AlternateContent xmlns:mc="http://schemas.openxmlformats.org/markup-compatibility/2006">
               <mc:Choice xmlns:v="urn:schemas-microsoft-com:vml" Requires="v">
-                <p:oleObj spid="_x0000_s5142" name="Equation" r:id="rId4" imgW="1574800" imgH="431800" progId="Equation.3">
+                <p:oleObj spid="_x0000_s5145" name="Equation" r:id="rId4" imgW="1574800" imgH="431800" progId="Equation.3">
                   <p:embed/>
                 </p:oleObj>
               </mc:Choice>
@@ -5788,7 +6224,7 @@
 </p:sld>
 </file>
 
-<file path=ppt/slides/slide11.xml><?xml version="1.0" encoding="utf-8"?>
+<file path=ppt/slides/slide12.xml><?xml version="1.0" encoding="utf-8"?>
 <p:sld xmlns:a="http://schemas.openxmlformats.org/drawingml/2006/main" xmlns:r="http://schemas.openxmlformats.org/officeDocument/2006/relationships" xmlns:p="http://schemas.openxmlformats.org/presentationml/2006/main">
   <p:cSld>
     <p:spTree>
@@ -5887,7 +6323,7 @@
           <a:graphicData uri="http://schemas.openxmlformats.org/presentationml/2006/ole">
             <mc:AlternateContent xmlns:mc="http://schemas.openxmlformats.org/markup-compatibility/2006">
               <mc:Choice xmlns:v="urn:schemas-microsoft-com:vml" Requires="v">
-                <p:oleObj spid="_x0000_s6178" name="Equation" r:id="rId4" imgW="1218960" imgH="863280" progId="Equation.DSMT4">
+                <p:oleObj spid="_x0000_s6183" name="Equation" r:id="rId4" imgW="1218960" imgH="863280" progId="Equation.DSMT4">
                   <p:embed/>
                 </p:oleObj>
               </mc:Choice>
@@ -5963,7 +6399,7 @@
           <a:graphicData uri="http://schemas.openxmlformats.org/presentationml/2006/ole">
             <mc:AlternateContent xmlns:mc="http://schemas.openxmlformats.org/markup-compatibility/2006">
               <mc:Choice xmlns:v="urn:schemas-microsoft-com:vml" Requires="v">
-                <p:oleObj spid="_x0000_s6179" name="Equation" r:id="rId6" imgW="2501900" imgH="495300" progId="Equation.3">
+                <p:oleObj spid="_x0000_s6184" name="Equation" r:id="rId6" imgW="2501900" imgH="495300" progId="Equation.3">
                   <p:embed/>
                 </p:oleObj>
               </mc:Choice>
@@ -6468,7 +6904,7 @@
 </p:sld>
 </file>
 
-<file path=ppt/slides/slide12.xml><?xml version="1.0" encoding="utf-8"?>
+<file path=ppt/slides/slide13.xml><?xml version="1.0" encoding="utf-8"?>
 <p:sld xmlns:a="http://schemas.openxmlformats.org/drawingml/2006/main" xmlns:r="http://schemas.openxmlformats.org/officeDocument/2006/relationships" xmlns:p="http://schemas.openxmlformats.org/presentationml/2006/main">
   <p:cSld>
     <p:spTree>
@@ -6726,7 +7162,7 @@
           <a:graphicData uri="http://schemas.openxmlformats.org/presentationml/2006/ole">
             <mc:AlternateContent xmlns:mc="http://schemas.openxmlformats.org/markup-compatibility/2006">
               <mc:Choice xmlns:v="urn:schemas-microsoft-com:vml" Requires="v">
-                <p:oleObj spid="_x0000_s8226" name="Equation" r:id="rId4" imgW="431640" imgH="431640" progId="Equation.DSMT4">
+                <p:oleObj spid="_x0000_s8231" name="Equation" r:id="rId4" imgW="431640" imgH="431640" progId="Equation.DSMT4">
                   <p:embed/>
                 </p:oleObj>
               </mc:Choice>
@@ -6802,7 +7238,7 @@
           <a:graphicData uri="http://schemas.openxmlformats.org/presentationml/2006/ole">
             <mc:AlternateContent xmlns:mc="http://schemas.openxmlformats.org/markup-compatibility/2006">
               <mc:Choice xmlns:v="urn:schemas-microsoft-com:vml" Requires="v">
-                <p:oleObj spid="_x0000_s8227" name="Equation" r:id="rId6" imgW="1041400" imgH="215900" progId="Equation.DSMT4">
+                <p:oleObj spid="_x0000_s8232" name="Equation" r:id="rId6" imgW="1041400" imgH="215900" progId="Equation.DSMT4">
                   <p:embed/>
                 </p:oleObj>
               </mc:Choice>
@@ -7255,7 +7691,7 @@
 </p:sld>
 </file>
 
-<file path=ppt/slides/slide13.xml><?xml version="1.0" encoding="utf-8"?>
+<file path=ppt/slides/slide14.xml><?xml version="1.0" encoding="utf-8"?>
 <p:sld xmlns:a="http://schemas.openxmlformats.org/drawingml/2006/main" xmlns:r="http://schemas.openxmlformats.org/officeDocument/2006/relationships" xmlns:p="http://schemas.openxmlformats.org/presentationml/2006/main">
   <p:cSld>
     <p:spTree>
@@ -7411,7 +7847,7 @@
 </p:sld>
 </file>
 
-<file path=ppt/slides/slide14.xml><?xml version="1.0" encoding="utf-8"?>
+<file path=ppt/slides/slide15.xml><?xml version="1.0" encoding="utf-8"?>
 <p:sld xmlns:a="http://schemas.openxmlformats.org/drawingml/2006/main" xmlns:r="http://schemas.openxmlformats.org/officeDocument/2006/relationships" xmlns:p="http://schemas.openxmlformats.org/presentationml/2006/main">
   <p:cSld>
     <p:spTree>
@@ -7730,7 +8166,7 @@
 </p:sld>
 </file>
 
-<file path=ppt/slides/slide15.xml><?xml version="1.0" encoding="utf-8"?>
+<file path=ppt/slides/slide16.xml><?xml version="1.0" encoding="utf-8"?>
 <p:sld xmlns:a="http://schemas.openxmlformats.org/drawingml/2006/main" xmlns:r="http://schemas.openxmlformats.org/officeDocument/2006/relationships" xmlns:p="http://schemas.openxmlformats.org/presentationml/2006/main">
   <p:cSld>
     <p:spTree>
@@ -8096,7 +8532,7 @@
                   <a:graphicData uri="http://schemas.openxmlformats.org/presentationml/2006/ole">
                     <mc:AlternateContent xmlns:mc="http://schemas.openxmlformats.org/markup-compatibility/2006">
                       <mc:Choice xmlns:v="urn:schemas-microsoft-com:vml" Requires="v">
-                        <p:oleObj spid="_x0000_s9251" name="Equation" r:id="rId4" imgW="177800" imgH="215900" progId="Equation.DSMT4">
+                        <p:oleObj spid="_x0000_s9256" name="Equation" r:id="rId4" imgW="177800" imgH="215900" progId="Equation.DSMT4">
                           <p:embed/>
                         </p:oleObj>
                       </mc:Choice>
@@ -8166,7 +8602,7 @@
                   <a:graphicData uri="http://schemas.openxmlformats.org/presentationml/2006/ole">
                     <mc:AlternateContent xmlns:mc="http://schemas.openxmlformats.org/markup-compatibility/2006">
                       <mc:Choice xmlns:v="urn:schemas-microsoft-com:vml" Requires="v">
-                        <p:oleObj spid="_x0000_s9252" name="Equation" r:id="rId6" imgW="177800" imgH="215900" progId="Equation.DSMT4">
+                        <p:oleObj spid="_x0000_s9257" name="Equation" r:id="rId6" imgW="177800" imgH="215900" progId="Equation.DSMT4">
                           <p:embed/>
                         </p:oleObj>
                       </mc:Choice>
@@ -8822,7 +9258,7 @@
 </p:sld>
 </file>
 
-<file path=ppt/slides/slide16.xml><?xml version="1.0" encoding="utf-8"?>
+<file path=ppt/slides/slide17.xml><?xml version="1.0" encoding="utf-8"?>
 <p:sld xmlns:a="http://schemas.openxmlformats.org/drawingml/2006/main" xmlns:r="http://schemas.openxmlformats.org/officeDocument/2006/relationships" xmlns:p="http://schemas.openxmlformats.org/presentationml/2006/main">
   <p:cSld>
     <p:spTree>
@@ -11812,7 +12248,7 @@
 </p:sld>
 </file>
 
-<file path=ppt/slides/slide17.xml><?xml version="1.0" encoding="utf-8"?>
+<file path=ppt/slides/slide18.xml><?xml version="1.0" encoding="utf-8"?>
 <p:sld xmlns:a="http://schemas.openxmlformats.org/drawingml/2006/main" xmlns:r="http://schemas.openxmlformats.org/officeDocument/2006/relationships" xmlns:p="http://schemas.openxmlformats.org/presentationml/2006/main">
   <p:cSld>
     <p:spTree>
@@ -12562,7 +12998,7 @@
 </p:sld>
 </file>
 
-<file path=ppt/slides/slide18.xml><?xml version="1.0" encoding="utf-8"?>
+<file path=ppt/slides/slide19.xml><?xml version="1.0" encoding="utf-8"?>
 <p:sld xmlns:a="http://schemas.openxmlformats.org/drawingml/2006/main" xmlns:r="http://schemas.openxmlformats.org/officeDocument/2006/relationships" xmlns:p="http://schemas.openxmlformats.org/presentationml/2006/main">
   <p:cSld>
     <p:spTree>
@@ -12617,7 +13053,7 @@
             <a:graphicData uri="http://schemas.openxmlformats.org/presentationml/2006/ole">
               <mc:AlternateContent xmlns:mc="http://schemas.openxmlformats.org/markup-compatibility/2006">
                 <mc:Choice xmlns:v="urn:schemas-microsoft-com:vml" Requires="v">
-                  <p:oleObj spid="_x0000_s10267" name="Equation" r:id="rId4" imgW="177800" imgH="215900" progId="Equation.DSMT4">
+                  <p:oleObj spid="_x0000_s10272" name="Equation" r:id="rId4" imgW="177800" imgH="215900" progId="Equation.DSMT4">
                     <p:embed/>
                   </p:oleObj>
                 </mc:Choice>
@@ -13741,7 +14177,7 @@
             <a:graphicData uri="http://schemas.openxmlformats.org/presentationml/2006/ole">
               <mc:AlternateContent xmlns:mc="http://schemas.openxmlformats.org/markup-compatibility/2006">
                 <mc:Choice xmlns:v="urn:schemas-microsoft-com:vml" Requires="v">
-                  <p:oleObj spid="_x0000_s10268" name="Equation" r:id="rId7" imgW="279400" imgH="215900" progId="Equation.DSMT4">
+                  <p:oleObj spid="_x0000_s10273" name="Equation" r:id="rId7" imgW="279400" imgH="215900" progId="Equation.DSMT4">
                     <p:embed/>
                   </p:oleObj>
                 </mc:Choice>
@@ -13959,7 +14395,680 @@
 </p:sld>
 </file>
 
-<file path=ppt/slides/slide19.xml><?xml version="1.0" encoding="utf-8"?>
+<file path=ppt/slides/slide2.xml><?xml version="1.0" encoding="utf-8"?>
+<p:sld xmlns:a="http://schemas.openxmlformats.org/drawingml/2006/main" xmlns:r="http://schemas.openxmlformats.org/officeDocument/2006/relationships" xmlns:p="http://schemas.openxmlformats.org/presentationml/2006/main">
+  <p:cSld>
+    <p:spTree>
+      <p:nvGrpSpPr>
+        <p:cNvPr id="1" name=""/>
+        <p:cNvGrpSpPr/>
+        <p:nvPr/>
+      </p:nvGrpSpPr>
+      <p:grpSpPr>
+        <a:xfrm>
+          <a:off x="0" y="0"/>
+          <a:ext cx="0" cy="0"/>
+          <a:chOff x="0" y="0"/>
+          <a:chExt cx="0" cy="0"/>
+        </a:xfrm>
+      </p:grpSpPr>
+      <p:sp>
+        <p:nvSpPr>
+          <p:cNvPr id="15362" name="Rectangle 2"/>
+          <p:cNvSpPr>
+            <a:spLocks noGrp="1" noChangeArrowheads="1"/>
+          </p:cNvSpPr>
+          <p:nvPr>
+            <p:ph type="title"/>
+          </p:nvPr>
+        </p:nvSpPr>
+        <p:spPr/>
+        <p:txBody>
+          <a:bodyPr>
+            <a:noAutofit/>
+          </a:bodyPr>
+          <a:lstStyle/>
+          <a:p>
+            <a:pPr eaLnBrk="1" hangingPunct="1"/>
+            <a:r>
+              <a:rPr lang="en-US" sz="4400" dirty="0" smtClean="0"/>
+              <a:t>The Idea of Induction</a:t>
+            </a:r>
+          </a:p>
+        </p:txBody>
+      </p:sp>
+      <p:sp>
+        <p:nvSpPr>
+          <p:cNvPr id="11267" name="Rectangle 3"/>
+          <p:cNvSpPr>
+            <a:spLocks noGrp="1" noChangeArrowheads="1"/>
+          </p:cNvSpPr>
+          <p:nvPr>
+            <p:ph type="body" idx="1"/>
+          </p:nvPr>
+        </p:nvSpPr>
+        <p:spPr>
+          <a:xfrm>
+            <a:off x="381000" y="1447800"/>
+            <a:ext cx="8382000" cy="5029200"/>
+          </a:xfrm>
+        </p:spPr>
+        <p:txBody>
+          <a:bodyPr>
+            <a:noAutofit/>
+          </a:bodyPr>
+          <a:lstStyle/>
+          <a:p>
+            <a:pPr marL="609600" indent="-609600" eaLnBrk="1" hangingPunct="1">
+              <a:buFontTx/>
+              <a:buNone/>
+            </a:pPr>
+            <a:r>
+              <a:rPr lang="en-US" sz="4800" dirty="0" smtClean="0"/>
+              <a:t>Color the integers </a:t>
+            </a:r>
+            <a:r>
+              <a:rPr lang="en-US" sz="4800" b="1" dirty="0" smtClean="0">
+                <a:latin typeface="Symbol" charset="2"/>
+                <a:cs typeface="Symbol" charset="2"/>
+                <a:sym typeface="Euclid Symbol"/>
+              </a:rPr>
+              <a:t>≥</a:t>
+            </a:r>
+            <a:r>
+              <a:rPr lang="en-US" sz="4800" dirty="0" smtClean="0"/>
+              <a:t> 0 </a:t>
+            </a:r>
+          </a:p>
+          <a:p>
+            <a:pPr marL="609600" indent="-609600" algn="ctr" eaLnBrk="1" hangingPunct="1">
+              <a:buFontTx/>
+              <a:buNone/>
+            </a:pPr>
+            <a:r>
+              <a:rPr lang="en-US" sz="4800" dirty="0" smtClean="0">
+                <a:solidFill>
+                  <a:srgbClr val="0000FF"/>
+                </a:solidFill>
+              </a:rPr>
+              <a:t>0</a:t>
+            </a:r>
+            <a:r>
+              <a:rPr lang="en-US" sz="4800" dirty="0" smtClean="0"/>
+              <a:t>, </a:t>
+            </a:r>
+            <a:r>
+              <a:rPr lang="en-US" sz="4800" dirty="0" smtClean="0">
+                <a:solidFill>
+                  <a:srgbClr val="EA0000"/>
+                </a:solidFill>
+              </a:rPr>
+              <a:t>1</a:t>
+            </a:r>
+            <a:r>
+              <a:rPr lang="en-US" sz="4800" dirty="0" smtClean="0"/>
+              <a:t>, </a:t>
+            </a:r>
+            <a:r>
+              <a:rPr lang="en-US" sz="4800" dirty="0" smtClean="0">
+                <a:solidFill>
+                  <a:srgbClr val="0000FF"/>
+                </a:solidFill>
+              </a:rPr>
+              <a:t>2</a:t>
+            </a:r>
+            <a:r>
+              <a:rPr lang="en-US" sz="4800" dirty="0" smtClean="0"/>
+              <a:t>, </a:t>
+            </a:r>
+            <a:r>
+              <a:rPr lang="en-US" sz="4800" dirty="0" smtClean="0">
+                <a:solidFill>
+                  <a:srgbClr val="EA0000"/>
+                </a:solidFill>
+              </a:rPr>
+              <a:t>3</a:t>
+            </a:r>
+            <a:r>
+              <a:rPr lang="en-US" sz="4800" dirty="0" smtClean="0"/>
+              <a:t>, </a:t>
+            </a:r>
+            <a:r>
+              <a:rPr lang="en-US" sz="4800" dirty="0" smtClean="0">
+                <a:solidFill>
+                  <a:srgbClr val="009900"/>
+                </a:solidFill>
+              </a:rPr>
+              <a:t>4</a:t>
+            </a:r>
+            <a:r>
+              <a:rPr lang="en-US" sz="4800" dirty="0" smtClean="0"/>
+              <a:t>, </a:t>
+            </a:r>
+            <a:r>
+              <a:rPr lang="en-US" sz="4800" dirty="0" smtClean="0">
+                <a:solidFill>
+                  <a:srgbClr val="009900"/>
+                </a:solidFill>
+              </a:rPr>
+              <a:t>5</a:t>
+            </a:r>
+            <a:r>
+              <a:rPr lang="en-US" sz="4800" dirty="0" smtClean="0"/>
+              <a:t>, ?, …</a:t>
+            </a:r>
+            <a:endParaRPr lang="en-US" sz="4800" dirty="0" smtClean="0">
+              <a:solidFill>
+                <a:srgbClr val="009900"/>
+              </a:solidFill>
+            </a:endParaRPr>
+          </a:p>
+          <a:p>
+            <a:pPr marL="609600" indent="-609600" eaLnBrk="1" hangingPunct="1">
+              <a:buFontTx/>
+              <a:buNone/>
+            </a:pPr>
+            <a:r>
+              <a:rPr lang="en-US" sz="4800" dirty="0" smtClean="0"/>
+              <a:t>I tell you, </a:t>
+            </a:r>
+            <a:r>
+              <a:rPr lang="en-US" sz="4800" dirty="0" smtClean="0">
+                <a:solidFill>
+                  <a:srgbClr val="EA0000"/>
+                </a:solidFill>
+              </a:rPr>
+              <a:t>0</a:t>
+            </a:r>
+            <a:r>
+              <a:rPr lang="en-US" sz="4800" dirty="0" smtClean="0">
+                <a:solidFill>
+                  <a:srgbClr val="CC0000"/>
+                </a:solidFill>
+              </a:rPr>
+              <a:t> </a:t>
+            </a:r>
+            <a:r>
+              <a:rPr lang="en-US" sz="4800" dirty="0" smtClean="0"/>
+              <a:t>is</a:t>
+            </a:r>
+            <a:r>
+              <a:rPr lang="en-US" sz="4800" dirty="0" smtClean="0">
+                <a:solidFill>
+                  <a:srgbClr val="CC0000"/>
+                </a:solidFill>
+              </a:rPr>
+              <a:t> </a:t>
+            </a:r>
+            <a:r>
+              <a:rPr lang="en-US" sz="4800" dirty="0" smtClean="0">
+                <a:solidFill>
+                  <a:srgbClr val="EA0000"/>
+                </a:solidFill>
+              </a:rPr>
+              <a:t>red</a:t>
+            </a:r>
+            <a:r>
+              <a:rPr lang="en-US" sz="4800" dirty="0" smtClean="0"/>
+              <a:t>, &amp; any </a:t>
+            </a:r>
+            <a:r>
+              <a:rPr lang="en-US" sz="4800" dirty="0" err="1" smtClean="0"/>
+              <a:t>int</a:t>
+            </a:r>
+            <a:endParaRPr lang="en-US" sz="4800" dirty="0" smtClean="0"/>
+          </a:p>
+          <a:p>
+            <a:pPr marL="609600" indent="-609600" eaLnBrk="1" hangingPunct="1">
+              <a:spcBef>
+                <a:spcPts val="0"/>
+              </a:spcBef>
+              <a:buFontTx/>
+              <a:buNone/>
+            </a:pPr>
+            <a:r>
+              <a:rPr lang="en-US" sz="4800" dirty="0" smtClean="0"/>
+              <a:t>next to</a:t>
+            </a:r>
+            <a:r>
+              <a:rPr lang="en-US" sz="4800" dirty="0" smtClean="0">
+                <a:solidFill>
+                  <a:srgbClr val="CC0000"/>
+                </a:solidFill>
+              </a:rPr>
+              <a:t> </a:t>
+            </a:r>
+            <a:r>
+              <a:rPr lang="en-US" sz="4800" dirty="0" smtClean="0"/>
+              <a:t>a</a:t>
+            </a:r>
+            <a:r>
+              <a:rPr lang="en-US" sz="4800" dirty="0" smtClean="0">
+                <a:solidFill>
+                  <a:srgbClr val="CC0000"/>
+                </a:solidFill>
+              </a:rPr>
+              <a:t> </a:t>
+            </a:r>
+            <a:r>
+              <a:rPr lang="en-US" sz="4800" dirty="0" smtClean="0">
+                <a:solidFill>
+                  <a:srgbClr val="EA0000"/>
+                </a:solidFill>
+              </a:rPr>
+              <a:t>red</a:t>
+            </a:r>
+            <a:r>
+              <a:rPr lang="en-US" sz="4800" dirty="0" smtClean="0"/>
+              <a:t> integer is</a:t>
+            </a:r>
+            <a:r>
+              <a:rPr lang="en-US" sz="4800" dirty="0" smtClean="0">
+                <a:solidFill>
+                  <a:srgbClr val="CC0000"/>
+                </a:solidFill>
+              </a:rPr>
+              <a:t> </a:t>
+            </a:r>
+            <a:r>
+              <a:rPr lang="en-US" sz="4800" dirty="0" smtClean="0">
+                <a:solidFill>
+                  <a:srgbClr val="EA0000"/>
+                </a:solidFill>
+              </a:rPr>
+              <a:t>red</a:t>
+            </a:r>
+            <a:r>
+              <a:rPr lang="en-US" sz="4800" dirty="0" smtClean="0"/>
+              <a:t>,</a:t>
+            </a:r>
+          </a:p>
+          <a:p>
+            <a:pPr marL="0" lvl="0" indent="0">
+              <a:spcBef>
+                <a:spcPts val="0"/>
+              </a:spcBef>
+            </a:pPr>
+            <a:r>
+              <a:rPr lang="en-US" sz="4800" dirty="0" smtClean="0">
+                <a:solidFill>
+                  <a:prstClr val="black"/>
+                </a:solidFill>
+              </a:rPr>
+              <a:t>    then you know that</a:t>
+            </a:r>
+          </a:p>
+          <a:p>
+            <a:pPr marL="0" lvl="0" indent="0">
+              <a:spcBef>
+                <a:spcPts val="0"/>
+              </a:spcBef>
+            </a:pPr>
+            <a:r>
+              <a:rPr lang="en-US" sz="4800" dirty="0" smtClean="0">
+                <a:solidFill>
+                  <a:srgbClr val="0000FF"/>
+                </a:solidFill>
+              </a:rPr>
+              <a:t>   </a:t>
+            </a:r>
+            <a:r>
+              <a:rPr lang="en-US" sz="5400" dirty="0" smtClean="0">
+                <a:solidFill>
+                  <a:srgbClr val="0000FF"/>
+                </a:solidFill>
+              </a:rPr>
+              <a:t> all</a:t>
+            </a:r>
+            <a:r>
+              <a:rPr lang="en-US" sz="5400" dirty="0" smtClean="0">
+                <a:solidFill>
+                  <a:prstClr val="black"/>
+                </a:solidFill>
+              </a:rPr>
+              <a:t> the </a:t>
+            </a:r>
+            <a:r>
+              <a:rPr lang="en-US" sz="5400" dirty="0" err="1" smtClean="0">
+                <a:solidFill>
+                  <a:prstClr val="black"/>
+                </a:solidFill>
+              </a:rPr>
+              <a:t>ints</a:t>
+            </a:r>
+            <a:r>
+              <a:rPr lang="en-US" sz="5400" dirty="0" smtClean="0">
+                <a:solidFill>
+                  <a:prstClr val="black"/>
+                </a:solidFill>
+              </a:rPr>
+              <a:t> are</a:t>
+            </a:r>
+            <a:r>
+              <a:rPr lang="en-US" sz="5400" dirty="0" smtClean="0">
+                <a:solidFill>
+                  <a:srgbClr val="CC0000"/>
+                </a:solidFill>
+              </a:rPr>
+              <a:t> </a:t>
+            </a:r>
+            <a:r>
+              <a:rPr lang="en-US" sz="5400" dirty="0" smtClean="0">
+                <a:solidFill>
+                  <a:srgbClr val="EA0000"/>
+                </a:solidFill>
+              </a:rPr>
+              <a:t>red</a:t>
+            </a:r>
+            <a:r>
+              <a:rPr lang="en-US" sz="5400" dirty="0" smtClean="0">
+                <a:solidFill>
+                  <a:prstClr val="black"/>
+                </a:solidFill>
+              </a:rPr>
+              <a:t>!</a:t>
+            </a:r>
+            <a:endParaRPr lang="en-US" sz="4800" dirty="0" smtClean="0">
+              <a:solidFill>
+                <a:prstClr val="black"/>
+              </a:solidFill>
+            </a:endParaRPr>
+          </a:p>
+          <a:p>
+            <a:pPr marL="609600" indent="-609600" eaLnBrk="1" hangingPunct="1">
+              <a:buFontTx/>
+              <a:buNone/>
+            </a:pPr>
+            <a:endParaRPr lang="en-US" sz="4800" dirty="0" smtClean="0"/>
+          </a:p>
+        </p:txBody>
+      </p:sp>
+    </p:spTree>
+  </p:cSld>
+  <p:clrMapOvr>
+    <a:masterClrMapping/>
+  </p:clrMapOvr>
+  <p:transition xmlns:p14="http://schemas.microsoft.com/office/powerpoint/2010/main" spd="slow">
+    <p:fade/>
+  </p:transition>
+  <p:timing>
+    <p:tnLst>
+      <p:par>
+        <p:cTn xmlns:p14="http://schemas.microsoft.com/office/powerpoint/2010/main" id="1" dur="indefinite" restart="never" nodeType="tmRoot">
+          <p:childTnLst>
+            <p:seq concurrent="1" nextAc="seek">
+              <p:cTn id="2" dur="indefinite" nodeType="mainSeq">
+                <p:childTnLst>
+                  <p:par>
+                    <p:cTn id="3" fill="hold">
+                      <p:stCondLst>
+                        <p:cond delay="indefinite"/>
+                      </p:stCondLst>
+                      <p:childTnLst>
+                        <p:par>
+                          <p:cTn id="4" fill="hold">
+                            <p:stCondLst>
+                              <p:cond delay="0"/>
+                            </p:stCondLst>
+                            <p:childTnLst>
+                              <p:par>
+                                <p:cTn id="5" presetID="10" presetClass="entr" presetSubtype="0" fill="hold" nodeType="clickEffect">
+                                  <p:stCondLst>
+                                    <p:cond delay="0"/>
+                                  </p:stCondLst>
+                                  <p:childTnLst>
+                                    <p:set>
+                                      <p:cBhvr>
+                                        <p:cTn id="6" dur="1" fill="hold">
+                                          <p:stCondLst>
+                                            <p:cond delay="0"/>
+                                          </p:stCondLst>
+                                        </p:cTn>
+                                        <p:tgtEl>
+                                          <p:spTgt spid="11267">
+                                            <p:txEl>
+                                              <p:pRg st="2" end="2"/>
+                                            </p:txEl>
+                                          </p:spTgt>
+                                        </p:tgtEl>
+                                        <p:attrNameLst>
+                                          <p:attrName>style.visibility</p:attrName>
+                                        </p:attrNameLst>
+                                      </p:cBhvr>
+                                      <p:to>
+                                        <p:strVal val="visible"/>
+                                      </p:to>
+                                    </p:set>
+                                    <p:animEffect transition="in" filter="fade">
+                                      <p:cBhvr>
+                                        <p:cTn id="7" dur="500"/>
+                                        <p:tgtEl>
+                                          <p:spTgt spid="11267">
+                                            <p:txEl>
+                                              <p:pRg st="2" end="2"/>
+                                            </p:txEl>
+                                          </p:spTgt>
+                                        </p:tgtEl>
+                                      </p:cBhvr>
+                                    </p:animEffect>
+                                  </p:childTnLst>
+                                </p:cTn>
+                              </p:par>
+                            </p:childTnLst>
+                          </p:cTn>
+                        </p:par>
+                      </p:childTnLst>
+                    </p:cTn>
+                  </p:par>
+                  <p:par>
+                    <p:cTn id="8" fill="hold">
+                      <p:stCondLst>
+                        <p:cond delay="indefinite"/>
+                      </p:stCondLst>
+                      <p:childTnLst>
+                        <p:par>
+                          <p:cTn id="9" fill="hold">
+                            <p:stCondLst>
+                              <p:cond delay="0"/>
+                            </p:stCondLst>
+                            <p:childTnLst>
+                              <p:par>
+                                <p:cTn id="10" presetID="10" presetClass="entr" presetSubtype="0" fill="hold" nodeType="clickEffect">
+                                  <p:stCondLst>
+                                    <p:cond delay="0"/>
+                                  </p:stCondLst>
+                                  <p:childTnLst>
+                                    <p:set>
+                                      <p:cBhvr>
+                                        <p:cTn id="11" dur="1" fill="hold">
+                                          <p:stCondLst>
+                                            <p:cond delay="0"/>
+                                          </p:stCondLst>
+                                        </p:cTn>
+                                        <p:tgtEl>
+                                          <p:spTgt spid="11267">
+                                            <p:txEl>
+                                              <p:pRg st="3" end="3"/>
+                                            </p:txEl>
+                                          </p:spTgt>
+                                        </p:tgtEl>
+                                        <p:attrNameLst>
+                                          <p:attrName>style.visibility</p:attrName>
+                                        </p:attrNameLst>
+                                      </p:cBhvr>
+                                      <p:to>
+                                        <p:strVal val="visible"/>
+                                      </p:to>
+                                    </p:set>
+                                    <p:animEffect transition="in" filter="fade">
+                                      <p:cBhvr>
+                                        <p:cTn id="12" dur="500"/>
+                                        <p:tgtEl>
+                                          <p:spTgt spid="11267">
+                                            <p:txEl>
+                                              <p:pRg st="3" end="3"/>
+                                            </p:txEl>
+                                          </p:spTgt>
+                                        </p:tgtEl>
+                                      </p:cBhvr>
+                                    </p:animEffect>
+                                  </p:childTnLst>
+                                </p:cTn>
+                              </p:par>
+                            </p:childTnLst>
+                          </p:cTn>
+                        </p:par>
+                      </p:childTnLst>
+                    </p:cTn>
+                  </p:par>
+                  <p:par>
+                    <p:cTn id="13" fill="hold">
+                      <p:stCondLst>
+                        <p:cond delay="indefinite"/>
+                      </p:stCondLst>
+                      <p:childTnLst>
+                        <p:par>
+                          <p:cTn id="14" fill="hold">
+                            <p:stCondLst>
+                              <p:cond delay="0"/>
+                            </p:stCondLst>
+                            <p:childTnLst>
+                              <p:par>
+                                <p:cTn id="15" presetID="10" presetClass="entr" presetSubtype="0" fill="hold" nodeType="clickEffect">
+                                  <p:stCondLst>
+                                    <p:cond delay="0"/>
+                                  </p:stCondLst>
+                                  <p:childTnLst>
+                                    <p:set>
+                                      <p:cBhvr>
+                                        <p:cTn id="16" dur="1" fill="hold">
+                                          <p:stCondLst>
+                                            <p:cond delay="0"/>
+                                          </p:stCondLst>
+                                        </p:cTn>
+                                        <p:tgtEl>
+                                          <p:spTgt spid="11267">
+                                            <p:txEl>
+                                              <p:pRg st="4" end="4"/>
+                                            </p:txEl>
+                                          </p:spTgt>
+                                        </p:tgtEl>
+                                        <p:attrNameLst>
+                                          <p:attrName>style.visibility</p:attrName>
+                                        </p:attrNameLst>
+                                      </p:cBhvr>
+                                      <p:to>
+                                        <p:strVal val="visible"/>
+                                      </p:to>
+                                    </p:set>
+                                    <p:animEffect transition="in" filter="fade">
+                                      <p:cBhvr>
+                                        <p:cTn id="17" dur="500"/>
+                                        <p:tgtEl>
+                                          <p:spTgt spid="11267">
+                                            <p:txEl>
+                                              <p:pRg st="4" end="4"/>
+                                            </p:txEl>
+                                          </p:spTgt>
+                                        </p:tgtEl>
+                                      </p:cBhvr>
+                                    </p:animEffect>
+                                  </p:childTnLst>
+                                </p:cTn>
+                              </p:par>
+                            </p:childTnLst>
+                          </p:cTn>
+                        </p:par>
+                      </p:childTnLst>
+                    </p:cTn>
+                  </p:par>
+                  <p:par>
+                    <p:cTn id="18" fill="hold">
+                      <p:stCondLst>
+                        <p:cond delay="indefinite"/>
+                      </p:stCondLst>
+                      <p:childTnLst>
+                        <p:par>
+                          <p:cTn id="19" fill="hold">
+                            <p:stCondLst>
+                              <p:cond delay="0"/>
+                            </p:stCondLst>
+                            <p:childTnLst>
+                              <p:par>
+                                <p:cTn id="20" presetID="10" presetClass="entr" presetSubtype="0" fill="hold" nodeType="clickEffect">
+                                  <p:stCondLst>
+                                    <p:cond delay="0"/>
+                                  </p:stCondLst>
+                                  <p:childTnLst>
+                                    <p:set>
+                                      <p:cBhvr>
+                                        <p:cTn id="21" dur="1" fill="hold">
+                                          <p:stCondLst>
+                                            <p:cond delay="0"/>
+                                          </p:stCondLst>
+                                        </p:cTn>
+                                        <p:tgtEl>
+                                          <p:spTgt spid="11267">
+                                            <p:txEl>
+                                              <p:pRg st="5" end="5"/>
+                                            </p:txEl>
+                                          </p:spTgt>
+                                        </p:tgtEl>
+                                        <p:attrNameLst>
+                                          <p:attrName>style.visibility</p:attrName>
+                                        </p:attrNameLst>
+                                      </p:cBhvr>
+                                      <p:to>
+                                        <p:strVal val="visible"/>
+                                      </p:to>
+                                    </p:set>
+                                    <p:animEffect transition="in" filter="fade">
+                                      <p:cBhvr>
+                                        <p:cTn id="22" dur="500"/>
+                                        <p:tgtEl>
+                                          <p:spTgt spid="11267">
+                                            <p:txEl>
+                                              <p:pRg st="5" end="5"/>
+                                            </p:txEl>
+                                          </p:spTgt>
+                                        </p:tgtEl>
+                                      </p:cBhvr>
+                                    </p:animEffect>
+                                  </p:childTnLst>
+                                </p:cTn>
+                              </p:par>
+                            </p:childTnLst>
+                          </p:cTn>
+                        </p:par>
+                      </p:childTnLst>
+                    </p:cTn>
+                  </p:par>
+                </p:childTnLst>
+              </p:cTn>
+              <p:prevCondLst>
+                <p:cond evt="onPrev" delay="0">
+                  <p:tgtEl>
+                    <p:sldTgt/>
+                  </p:tgtEl>
+                </p:cond>
+              </p:prevCondLst>
+              <p:nextCondLst>
+                <p:cond evt="onNext" delay="0">
+                  <p:tgtEl>
+                    <p:sldTgt/>
+                  </p:tgtEl>
+                </p:cond>
+              </p:nextCondLst>
+            </p:seq>
+          </p:childTnLst>
+        </p:cTn>
+      </p:par>
+    </p:tnLst>
+  </p:timing>
+</p:sld>
+</file>
+
+<file path=ppt/slides/slide20.xml><?xml version="1.0" encoding="utf-8"?>
 <p:sld xmlns:a="http://schemas.openxmlformats.org/drawingml/2006/main" xmlns:r="http://schemas.openxmlformats.org/officeDocument/2006/relationships" xmlns:p="http://schemas.openxmlformats.org/presentationml/2006/main">
   <p:cSld>
     <p:spTree>
@@ -14014,7 +15123,7 @@
             <a:graphicData uri="http://schemas.openxmlformats.org/presentationml/2006/ole">
               <mc:AlternateContent xmlns:mc="http://schemas.openxmlformats.org/markup-compatibility/2006">
                 <mc:Choice xmlns:v="urn:schemas-microsoft-com:vml" Requires="v">
-                  <p:oleObj spid="_x0000_s418824" name="Equation" r:id="rId4" imgW="177800" imgH="215900" progId="Equation.DSMT4">
+                  <p:oleObj spid="_x0000_s418829" name="Equation" r:id="rId4" imgW="177800" imgH="215900" progId="Equation.DSMT4">
                     <p:embed/>
                   </p:oleObj>
                 </mc:Choice>
@@ -14991,7 +16100,7 @@
             <a:graphicData uri="http://schemas.openxmlformats.org/presentationml/2006/ole">
               <mc:AlternateContent xmlns:mc="http://schemas.openxmlformats.org/markup-compatibility/2006">
                 <mc:Choice xmlns:v="urn:schemas-microsoft-com:vml" Requires="v">
-                  <p:oleObj spid="_x0000_s418825" name="Equation" r:id="rId7" imgW="279400" imgH="215900" progId="Equation.DSMT4">
+                  <p:oleObj spid="_x0000_s418830" name="Equation" r:id="rId7" imgW="279400" imgH="215900" progId="Equation.DSMT4">
                     <p:embed/>
                   </p:oleObj>
                 </mc:Choice>
@@ -15271,680 +16380,7 @@
 </p:sld>
 </file>
 
-<file path=ppt/slides/slide2.xml><?xml version="1.0" encoding="utf-8"?>
-<p:sld xmlns:a="http://schemas.openxmlformats.org/drawingml/2006/main" xmlns:r="http://schemas.openxmlformats.org/officeDocument/2006/relationships" xmlns:p="http://schemas.openxmlformats.org/presentationml/2006/main">
-  <p:cSld>
-    <p:spTree>
-      <p:nvGrpSpPr>
-        <p:cNvPr id="1" name=""/>
-        <p:cNvGrpSpPr/>
-        <p:nvPr/>
-      </p:nvGrpSpPr>
-      <p:grpSpPr>
-        <a:xfrm>
-          <a:off x="0" y="0"/>
-          <a:ext cx="0" cy="0"/>
-          <a:chOff x="0" y="0"/>
-          <a:chExt cx="0" cy="0"/>
-        </a:xfrm>
-      </p:grpSpPr>
-      <p:sp>
-        <p:nvSpPr>
-          <p:cNvPr id="15362" name="Rectangle 2"/>
-          <p:cNvSpPr>
-            <a:spLocks noGrp="1" noChangeArrowheads="1"/>
-          </p:cNvSpPr>
-          <p:nvPr>
-            <p:ph type="title"/>
-          </p:nvPr>
-        </p:nvSpPr>
-        <p:spPr/>
-        <p:txBody>
-          <a:bodyPr>
-            <a:noAutofit/>
-          </a:bodyPr>
-          <a:lstStyle/>
-          <a:p>
-            <a:pPr eaLnBrk="1" hangingPunct="1"/>
-            <a:r>
-              <a:rPr lang="en-US" sz="4400" dirty="0" smtClean="0"/>
-              <a:t>The Idea of Induction</a:t>
-            </a:r>
-          </a:p>
-        </p:txBody>
-      </p:sp>
-      <p:sp>
-        <p:nvSpPr>
-          <p:cNvPr id="11267" name="Rectangle 3"/>
-          <p:cNvSpPr>
-            <a:spLocks noGrp="1" noChangeArrowheads="1"/>
-          </p:cNvSpPr>
-          <p:nvPr>
-            <p:ph type="body" idx="1"/>
-          </p:nvPr>
-        </p:nvSpPr>
-        <p:spPr>
-          <a:xfrm>
-            <a:off x="381000" y="1447800"/>
-            <a:ext cx="8382000" cy="5029200"/>
-          </a:xfrm>
-        </p:spPr>
-        <p:txBody>
-          <a:bodyPr>
-            <a:noAutofit/>
-          </a:bodyPr>
-          <a:lstStyle/>
-          <a:p>
-            <a:pPr marL="609600" indent="-609600" eaLnBrk="1" hangingPunct="1">
-              <a:buFontTx/>
-              <a:buNone/>
-            </a:pPr>
-            <a:r>
-              <a:rPr lang="en-US" sz="4800" dirty="0" smtClean="0"/>
-              <a:t>Color the integers </a:t>
-            </a:r>
-            <a:r>
-              <a:rPr lang="en-US" sz="4800" b="1" dirty="0" smtClean="0">
-                <a:latin typeface="Symbol" charset="2"/>
-                <a:cs typeface="Symbol" charset="2"/>
-                <a:sym typeface="Euclid Symbol"/>
-              </a:rPr>
-              <a:t>≥</a:t>
-            </a:r>
-            <a:r>
-              <a:rPr lang="en-US" sz="4800" dirty="0" smtClean="0"/>
-              <a:t> 0 </a:t>
-            </a:r>
-          </a:p>
-          <a:p>
-            <a:pPr marL="609600" indent="-609600" algn="ctr" eaLnBrk="1" hangingPunct="1">
-              <a:buFontTx/>
-              <a:buNone/>
-            </a:pPr>
-            <a:r>
-              <a:rPr lang="en-US" sz="4800" dirty="0" smtClean="0">
-                <a:solidFill>
-                  <a:srgbClr val="0000FF"/>
-                </a:solidFill>
-              </a:rPr>
-              <a:t>0</a:t>
-            </a:r>
-            <a:r>
-              <a:rPr lang="en-US" sz="4800" dirty="0" smtClean="0"/>
-              <a:t>, </a:t>
-            </a:r>
-            <a:r>
-              <a:rPr lang="en-US" sz="4800" dirty="0" smtClean="0">
-                <a:solidFill>
-                  <a:srgbClr val="EA0000"/>
-                </a:solidFill>
-              </a:rPr>
-              <a:t>1</a:t>
-            </a:r>
-            <a:r>
-              <a:rPr lang="en-US" sz="4800" dirty="0" smtClean="0"/>
-              <a:t>, </a:t>
-            </a:r>
-            <a:r>
-              <a:rPr lang="en-US" sz="4800" dirty="0" smtClean="0">
-                <a:solidFill>
-                  <a:srgbClr val="0000FF"/>
-                </a:solidFill>
-              </a:rPr>
-              <a:t>2</a:t>
-            </a:r>
-            <a:r>
-              <a:rPr lang="en-US" sz="4800" dirty="0" smtClean="0"/>
-              <a:t>, </a:t>
-            </a:r>
-            <a:r>
-              <a:rPr lang="en-US" sz="4800" dirty="0" smtClean="0">
-                <a:solidFill>
-                  <a:srgbClr val="EA0000"/>
-                </a:solidFill>
-              </a:rPr>
-              <a:t>3</a:t>
-            </a:r>
-            <a:r>
-              <a:rPr lang="en-US" sz="4800" dirty="0" smtClean="0"/>
-              <a:t>, </a:t>
-            </a:r>
-            <a:r>
-              <a:rPr lang="en-US" sz="4800" dirty="0" smtClean="0">
-                <a:solidFill>
-                  <a:srgbClr val="009900"/>
-                </a:solidFill>
-              </a:rPr>
-              <a:t>4</a:t>
-            </a:r>
-            <a:r>
-              <a:rPr lang="en-US" sz="4800" dirty="0" smtClean="0"/>
-              <a:t>, </a:t>
-            </a:r>
-            <a:r>
-              <a:rPr lang="en-US" sz="4800" dirty="0" smtClean="0">
-                <a:solidFill>
-                  <a:srgbClr val="009900"/>
-                </a:solidFill>
-              </a:rPr>
-              <a:t>5</a:t>
-            </a:r>
-            <a:r>
-              <a:rPr lang="en-US" sz="4800" dirty="0" smtClean="0"/>
-              <a:t>, ?, …</a:t>
-            </a:r>
-            <a:endParaRPr lang="en-US" sz="4800" dirty="0" smtClean="0">
-              <a:solidFill>
-                <a:srgbClr val="009900"/>
-              </a:solidFill>
-            </a:endParaRPr>
-          </a:p>
-          <a:p>
-            <a:pPr marL="609600" indent="-609600" eaLnBrk="1" hangingPunct="1">
-              <a:buFontTx/>
-              <a:buNone/>
-            </a:pPr>
-            <a:r>
-              <a:rPr lang="en-US" sz="4800" dirty="0" smtClean="0"/>
-              <a:t>I tell you, </a:t>
-            </a:r>
-            <a:r>
-              <a:rPr lang="en-US" sz="4800" dirty="0" smtClean="0">
-                <a:solidFill>
-                  <a:srgbClr val="EA0000"/>
-                </a:solidFill>
-              </a:rPr>
-              <a:t>0</a:t>
-            </a:r>
-            <a:r>
-              <a:rPr lang="en-US" sz="4800" dirty="0" smtClean="0">
-                <a:solidFill>
-                  <a:srgbClr val="CC0000"/>
-                </a:solidFill>
-              </a:rPr>
-              <a:t> </a:t>
-            </a:r>
-            <a:r>
-              <a:rPr lang="en-US" sz="4800" dirty="0" smtClean="0"/>
-              <a:t>is</a:t>
-            </a:r>
-            <a:r>
-              <a:rPr lang="en-US" sz="4800" dirty="0" smtClean="0">
-                <a:solidFill>
-                  <a:srgbClr val="CC0000"/>
-                </a:solidFill>
-              </a:rPr>
-              <a:t> </a:t>
-            </a:r>
-            <a:r>
-              <a:rPr lang="en-US" sz="4800" dirty="0" smtClean="0">
-                <a:solidFill>
-                  <a:srgbClr val="EA0000"/>
-                </a:solidFill>
-              </a:rPr>
-              <a:t>red</a:t>
-            </a:r>
-            <a:r>
-              <a:rPr lang="en-US" sz="4800" dirty="0" smtClean="0"/>
-              <a:t>, &amp; any </a:t>
-            </a:r>
-            <a:r>
-              <a:rPr lang="en-US" sz="4800" dirty="0" err="1" smtClean="0"/>
-              <a:t>int</a:t>
-            </a:r>
-            <a:endParaRPr lang="en-US" sz="4800" dirty="0" smtClean="0"/>
-          </a:p>
-          <a:p>
-            <a:pPr marL="609600" indent="-609600" eaLnBrk="1" hangingPunct="1">
-              <a:spcBef>
-                <a:spcPts val="0"/>
-              </a:spcBef>
-              <a:buFontTx/>
-              <a:buNone/>
-            </a:pPr>
-            <a:r>
-              <a:rPr lang="en-US" sz="4800" dirty="0" smtClean="0"/>
-              <a:t>next to</a:t>
-            </a:r>
-            <a:r>
-              <a:rPr lang="en-US" sz="4800" dirty="0" smtClean="0">
-                <a:solidFill>
-                  <a:srgbClr val="CC0000"/>
-                </a:solidFill>
-              </a:rPr>
-              <a:t> </a:t>
-            </a:r>
-            <a:r>
-              <a:rPr lang="en-US" sz="4800" dirty="0" smtClean="0"/>
-              <a:t>a</a:t>
-            </a:r>
-            <a:r>
-              <a:rPr lang="en-US" sz="4800" dirty="0" smtClean="0">
-                <a:solidFill>
-                  <a:srgbClr val="CC0000"/>
-                </a:solidFill>
-              </a:rPr>
-              <a:t> </a:t>
-            </a:r>
-            <a:r>
-              <a:rPr lang="en-US" sz="4800" dirty="0" smtClean="0">
-                <a:solidFill>
-                  <a:srgbClr val="EA0000"/>
-                </a:solidFill>
-              </a:rPr>
-              <a:t>red</a:t>
-            </a:r>
-            <a:r>
-              <a:rPr lang="en-US" sz="4800" dirty="0" smtClean="0"/>
-              <a:t> integer is</a:t>
-            </a:r>
-            <a:r>
-              <a:rPr lang="en-US" sz="4800" dirty="0" smtClean="0">
-                <a:solidFill>
-                  <a:srgbClr val="CC0000"/>
-                </a:solidFill>
-              </a:rPr>
-              <a:t> </a:t>
-            </a:r>
-            <a:r>
-              <a:rPr lang="en-US" sz="4800" dirty="0" smtClean="0">
-                <a:solidFill>
-                  <a:srgbClr val="EA0000"/>
-                </a:solidFill>
-              </a:rPr>
-              <a:t>red</a:t>
-            </a:r>
-            <a:r>
-              <a:rPr lang="en-US" sz="4800" dirty="0" smtClean="0"/>
-              <a:t>,</a:t>
-            </a:r>
-          </a:p>
-          <a:p>
-            <a:pPr marL="0" lvl="0" indent="0">
-              <a:spcBef>
-                <a:spcPts val="0"/>
-              </a:spcBef>
-            </a:pPr>
-            <a:r>
-              <a:rPr lang="en-US" sz="4800" dirty="0" smtClean="0">
-                <a:solidFill>
-                  <a:prstClr val="black"/>
-                </a:solidFill>
-              </a:rPr>
-              <a:t>    then you know that</a:t>
-            </a:r>
-          </a:p>
-          <a:p>
-            <a:pPr marL="0" lvl="0" indent="0">
-              <a:spcBef>
-                <a:spcPts val="0"/>
-              </a:spcBef>
-            </a:pPr>
-            <a:r>
-              <a:rPr lang="en-US" sz="4800" dirty="0" smtClean="0">
-                <a:solidFill>
-                  <a:srgbClr val="0000FF"/>
-                </a:solidFill>
-              </a:rPr>
-              <a:t>   </a:t>
-            </a:r>
-            <a:r>
-              <a:rPr lang="en-US" sz="5400" dirty="0" smtClean="0">
-                <a:solidFill>
-                  <a:srgbClr val="0000FF"/>
-                </a:solidFill>
-              </a:rPr>
-              <a:t> all</a:t>
-            </a:r>
-            <a:r>
-              <a:rPr lang="en-US" sz="5400" dirty="0" smtClean="0">
-                <a:solidFill>
-                  <a:prstClr val="black"/>
-                </a:solidFill>
-              </a:rPr>
-              <a:t> the </a:t>
-            </a:r>
-            <a:r>
-              <a:rPr lang="en-US" sz="5400" dirty="0" err="1" smtClean="0">
-                <a:solidFill>
-                  <a:prstClr val="black"/>
-                </a:solidFill>
-              </a:rPr>
-              <a:t>ints</a:t>
-            </a:r>
-            <a:r>
-              <a:rPr lang="en-US" sz="5400" dirty="0" smtClean="0">
-                <a:solidFill>
-                  <a:prstClr val="black"/>
-                </a:solidFill>
-              </a:rPr>
-              <a:t> are</a:t>
-            </a:r>
-            <a:r>
-              <a:rPr lang="en-US" sz="5400" dirty="0" smtClean="0">
-                <a:solidFill>
-                  <a:srgbClr val="CC0000"/>
-                </a:solidFill>
-              </a:rPr>
-              <a:t> </a:t>
-            </a:r>
-            <a:r>
-              <a:rPr lang="en-US" sz="5400" dirty="0" smtClean="0">
-                <a:solidFill>
-                  <a:srgbClr val="EA0000"/>
-                </a:solidFill>
-              </a:rPr>
-              <a:t>red</a:t>
-            </a:r>
-            <a:r>
-              <a:rPr lang="en-US" sz="5400" dirty="0" smtClean="0">
-                <a:solidFill>
-                  <a:prstClr val="black"/>
-                </a:solidFill>
-              </a:rPr>
-              <a:t>!</a:t>
-            </a:r>
-            <a:endParaRPr lang="en-US" sz="4800" dirty="0" smtClean="0">
-              <a:solidFill>
-                <a:prstClr val="black"/>
-              </a:solidFill>
-            </a:endParaRPr>
-          </a:p>
-          <a:p>
-            <a:pPr marL="609600" indent="-609600" eaLnBrk="1" hangingPunct="1">
-              <a:buFontTx/>
-              <a:buNone/>
-            </a:pPr>
-            <a:endParaRPr lang="en-US" sz="4800" dirty="0" smtClean="0"/>
-          </a:p>
-        </p:txBody>
-      </p:sp>
-    </p:spTree>
-  </p:cSld>
-  <p:clrMapOvr>
-    <a:masterClrMapping/>
-  </p:clrMapOvr>
-  <p:transition xmlns:p14="http://schemas.microsoft.com/office/powerpoint/2010/main" spd="slow">
-    <p:fade/>
-  </p:transition>
-  <p:timing>
-    <p:tnLst>
-      <p:par>
-        <p:cTn xmlns:p14="http://schemas.microsoft.com/office/powerpoint/2010/main" id="1" dur="indefinite" restart="never" nodeType="tmRoot">
-          <p:childTnLst>
-            <p:seq concurrent="1" nextAc="seek">
-              <p:cTn id="2" dur="indefinite" nodeType="mainSeq">
-                <p:childTnLst>
-                  <p:par>
-                    <p:cTn id="3" fill="hold">
-                      <p:stCondLst>
-                        <p:cond delay="indefinite"/>
-                      </p:stCondLst>
-                      <p:childTnLst>
-                        <p:par>
-                          <p:cTn id="4" fill="hold">
-                            <p:stCondLst>
-                              <p:cond delay="0"/>
-                            </p:stCondLst>
-                            <p:childTnLst>
-                              <p:par>
-                                <p:cTn id="5" presetID="10" presetClass="entr" presetSubtype="0" fill="hold" nodeType="clickEffect">
-                                  <p:stCondLst>
-                                    <p:cond delay="0"/>
-                                  </p:stCondLst>
-                                  <p:childTnLst>
-                                    <p:set>
-                                      <p:cBhvr>
-                                        <p:cTn id="6" dur="1" fill="hold">
-                                          <p:stCondLst>
-                                            <p:cond delay="0"/>
-                                          </p:stCondLst>
-                                        </p:cTn>
-                                        <p:tgtEl>
-                                          <p:spTgt spid="11267">
-                                            <p:txEl>
-                                              <p:pRg st="2" end="2"/>
-                                            </p:txEl>
-                                          </p:spTgt>
-                                        </p:tgtEl>
-                                        <p:attrNameLst>
-                                          <p:attrName>style.visibility</p:attrName>
-                                        </p:attrNameLst>
-                                      </p:cBhvr>
-                                      <p:to>
-                                        <p:strVal val="visible"/>
-                                      </p:to>
-                                    </p:set>
-                                    <p:animEffect transition="in" filter="fade">
-                                      <p:cBhvr>
-                                        <p:cTn id="7" dur="500"/>
-                                        <p:tgtEl>
-                                          <p:spTgt spid="11267">
-                                            <p:txEl>
-                                              <p:pRg st="2" end="2"/>
-                                            </p:txEl>
-                                          </p:spTgt>
-                                        </p:tgtEl>
-                                      </p:cBhvr>
-                                    </p:animEffect>
-                                  </p:childTnLst>
-                                </p:cTn>
-                              </p:par>
-                            </p:childTnLst>
-                          </p:cTn>
-                        </p:par>
-                      </p:childTnLst>
-                    </p:cTn>
-                  </p:par>
-                  <p:par>
-                    <p:cTn id="8" fill="hold">
-                      <p:stCondLst>
-                        <p:cond delay="indefinite"/>
-                      </p:stCondLst>
-                      <p:childTnLst>
-                        <p:par>
-                          <p:cTn id="9" fill="hold">
-                            <p:stCondLst>
-                              <p:cond delay="0"/>
-                            </p:stCondLst>
-                            <p:childTnLst>
-                              <p:par>
-                                <p:cTn id="10" presetID="10" presetClass="entr" presetSubtype="0" fill="hold" nodeType="clickEffect">
-                                  <p:stCondLst>
-                                    <p:cond delay="0"/>
-                                  </p:stCondLst>
-                                  <p:childTnLst>
-                                    <p:set>
-                                      <p:cBhvr>
-                                        <p:cTn id="11" dur="1" fill="hold">
-                                          <p:stCondLst>
-                                            <p:cond delay="0"/>
-                                          </p:stCondLst>
-                                        </p:cTn>
-                                        <p:tgtEl>
-                                          <p:spTgt spid="11267">
-                                            <p:txEl>
-                                              <p:pRg st="3" end="3"/>
-                                            </p:txEl>
-                                          </p:spTgt>
-                                        </p:tgtEl>
-                                        <p:attrNameLst>
-                                          <p:attrName>style.visibility</p:attrName>
-                                        </p:attrNameLst>
-                                      </p:cBhvr>
-                                      <p:to>
-                                        <p:strVal val="visible"/>
-                                      </p:to>
-                                    </p:set>
-                                    <p:animEffect transition="in" filter="fade">
-                                      <p:cBhvr>
-                                        <p:cTn id="12" dur="500"/>
-                                        <p:tgtEl>
-                                          <p:spTgt spid="11267">
-                                            <p:txEl>
-                                              <p:pRg st="3" end="3"/>
-                                            </p:txEl>
-                                          </p:spTgt>
-                                        </p:tgtEl>
-                                      </p:cBhvr>
-                                    </p:animEffect>
-                                  </p:childTnLst>
-                                </p:cTn>
-                              </p:par>
-                            </p:childTnLst>
-                          </p:cTn>
-                        </p:par>
-                      </p:childTnLst>
-                    </p:cTn>
-                  </p:par>
-                  <p:par>
-                    <p:cTn id="13" fill="hold">
-                      <p:stCondLst>
-                        <p:cond delay="indefinite"/>
-                      </p:stCondLst>
-                      <p:childTnLst>
-                        <p:par>
-                          <p:cTn id="14" fill="hold">
-                            <p:stCondLst>
-                              <p:cond delay="0"/>
-                            </p:stCondLst>
-                            <p:childTnLst>
-                              <p:par>
-                                <p:cTn id="15" presetID="10" presetClass="entr" presetSubtype="0" fill="hold" nodeType="clickEffect">
-                                  <p:stCondLst>
-                                    <p:cond delay="0"/>
-                                  </p:stCondLst>
-                                  <p:childTnLst>
-                                    <p:set>
-                                      <p:cBhvr>
-                                        <p:cTn id="16" dur="1" fill="hold">
-                                          <p:stCondLst>
-                                            <p:cond delay="0"/>
-                                          </p:stCondLst>
-                                        </p:cTn>
-                                        <p:tgtEl>
-                                          <p:spTgt spid="11267">
-                                            <p:txEl>
-                                              <p:pRg st="4" end="4"/>
-                                            </p:txEl>
-                                          </p:spTgt>
-                                        </p:tgtEl>
-                                        <p:attrNameLst>
-                                          <p:attrName>style.visibility</p:attrName>
-                                        </p:attrNameLst>
-                                      </p:cBhvr>
-                                      <p:to>
-                                        <p:strVal val="visible"/>
-                                      </p:to>
-                                    </p:set>
-                                    <p:animEffect transition="in" filter="fade">
-                                      <p:cBhvr>
-                                        <p:cTn id="17" dur="500"/>
-                                        <p:tgtEl>
-                                          <p:spTgt spid="11267">
-                                            <p:txEl>
-                                              <p:pRg st="4" end="4"/>
-                                            </p:txEl>
-                                          </p:spTgt>
-                                        </p:tgtEl>
-                                      </p:cBhvr>
-                                    </p:animEffect>
-                                  </p:childTnLst>
-                                </p:cTn>
-                              </p:par>
-                            </p:childTnLst>
-                          </p:cTn>
-                        </p:par>
-                      </p:childTnLst>
-                    </p:cTn>
-                  </p:par>
-                  <p:par>
-                    <p:cTn id="18" fill="hold">
-                      <p:stCondLst>
-                        <p:cond delay="indefinite"/>
-                      </p:stCondLst>
-                      <p:childTnLst>
-                        <p:par>
-                          <p:cTn id="19" fill="hold">
-                            <p:stCondLst>
-                              <p:cond delay="0"/>
-                            </p:stCondLst>
-                            <p:childTnLst>
-                              <p:par>
-                                <p:cTn id="20" presetID="10" presetClass="entr" presetSubtype="0" fill="hold" nodeType="clickEffect">
-                                  <p:stCondLst>
-                                    <p:cond delay="0"/>
-                                  </p:stCondLst>
-                                  <p:childTnLst>
-                                    <p:set>
-                                      <p:cBhvr>
-                                        <p:cTn id="21" dur="1" fill="hold">
-                                          <p:stCondLst>
-                                            <p:cond delay="0"/>
-                                          </p:stCondLst>
-                                        </p:cTn>
-                                        <p:tgtEl>
-                                          <p:spTgt spid="11267">
-                                            <p:txEl>
-                                              <p:pRg st="5" end="5"/>
-                                            </p:txEl>
-                                          </p:spTgt>
-                                        </p:tgtEl>
-                                        <p:attrNameLst>
-                                          <p:attrName>style.visibility</p:attrName>
-                                        </p:attrNameLst>
-                                      </p:cBhvr>
-                                      <p:to>
-                                        <p:strVal val="visible"/>
-                                      </p:to>
-                                    </p:set>
-                                    <p:animEffect transition="in" filter="fade">
-                                      <p:cBhvr>
-                                        <p:cTn id="22" dur="500"/>
-                                        <p:tgtEl>
-                                          <p:spTgt spid="11267">
-                                            <p:txEl>
-                                              <p:pRg st="5" end="5"/>
-                                            </p:txEl>
-                                          </p:spTgt>
-                                        </p:tgtEl>
-                                      </p:cBhvr>
-                                    </p:animEffect>
-                                  </p:childTnLst>
-                                </p:cTn>
-                              </p:par>
-                            </p:childTnLst>
-                          </p:cTn>
-                        </p:par>
-                      </p:childTnLst>
-                    </p:cTn>
-                  </p:par>
-                </p:childTnLst>
-              </p:cTn>
-              <p:prevCondLst>
-                <p:cond evt="onPrev" delay="0">
-                  <p:tgtEl>
-                    <p:sldTgt/>
-                  </p:tgtEl>
-                </p:cond>
-              </p:prevCondLst>
-              <p:nextCondLst>
-                <p:cond evt="onNext" delay="0">
-                  <p:tgtEl>
-                    <p:sldTgt/>
-                  </p:tgtEl>
-                </p:cond>
-              </p:nextCondLst>
-            </p:seq>
-          </p:childTnLst>
-        </p:cTn>
-      </p:par>
-    </p:tnLst>
-  </p:timing>
-</p:sld>
-</file>
-
-<file path=ppt/slides/slide20.xml><?xml version="1.0" encoding="utf-8"?>
+<file path=ppt/slides/slide21.xml><?xml version="1.0" encoding="utf-8"?>
 <p:sld xmlns:a="http://schemas.openxmlformats.org/drawingml/2006/main" xmlns:r="http://schemas.openxmlformats.org/officeDocument/2006/relationships" xmlns:p="http://schemas.openxmlformats.org/presentationml/2006/main">
   <p:cSld>
     <p:spTree>
@@ -16432,7 +16868,7 @@
 </p:sld>
 </file>
 
-<file path=ppt/slides/slide21.xml><?xml version="1.0" encoding="utf-8"?>
+<file path=ppt/slides/slide22.xml><?xml version="1.0" encoding="utf-8"?>
 <p:sld xmlns:a="http://schemas.openxmlformats.org/drawingml/2006/main" xmlns:r="http://schemas.openxmlformats.org/officeDocument/2006/relationships" xmlns:p="http://schemas.openxmlformats.org/presentationml/2006/main">
   <p:cSld>
     <p:spTree>
@@ -17168,7 +17604,7 @@
 </p:sld>
 </file>
 
-<file path=ppt/slides/slide22.xml><?xml version="1.0" encoding="utf-8"?>
+<file path=ppt/slides/slide23.xml><?xml version="1.0" encoding="utf-8"?>
 <p:sld xmlns:a="http://schemas.openxmlformats.org/drawingml/2006/main" xmlns:r="http://schemas.openxmlformats.org/officeDocument/2006/relationships" xmlns:p="http://schemas.openxmlformats.org/presentationml/2006/main">
   <p:cSld>
     <p:spTree>
@@ -17725,7 +18161,7 @@
               <a:graphicData uri="http://schemas.openxmlformats.org/presentationml/2006/ole">
                 <mc:AlternateContent xmlns:mc="http://schemas.openxmlformats.org/markup-compatibility/2006">
                   <mc:Choice xmlns:v="urn:schemas-microsoft-com:vml" Requires="v">
-                    <p:oleObj spid="_x0000_s166945" name="Equation" r:id="rId5" imgW="177800" imgH="215900" progId="Equation.DSMT4">
+                    <p:oleObj spid="_x0000_s166950" name="Equation" r:id="rId5" imgW="177800" imgH="215900" progId="Equation.DSMT4">
                       <p:embed/>
                     </p:oleObj>
                   </mc:Choice>
@@ -17933,7 +18369,7 @@
           <a:graphicData uri="http://schemas.openxmlformats.org/presentationml/2006/ole">
             <mc:AlternateContent xmlns:mc="http://schemas.openxmlformats.org/markup-compatibility/2006">
               <mc:Choice xmlns:v="urn:schemas-microsoft-com:vml" Requires="v">
-                <p:oleObj spid="_x0000_s166946" name="Equation" r:id="rId7" imgW="177800" imgH="215900" progId="Equation.DSMT4">
+                <p:oleObj spid="_x0000_s166951" name="Equation" r:id="rId7" imgW="177800" imgH="215900" progId="Equation.DSMT4">
                   <p:embed/>
                 </p:oleObj>
               </mc:Choice>
@@ -18895,7 +19331,7 @@
 </p:sld>
 </file>
 
-<file path=ppt/slides/slide23.xml><?xml version="1.0" encoding="utf-8"?>
+<file path=ppt/slides/slide24.xml><?xml version="1.0" encoding="utf-8"?>
 <p:sld xmlns:a="http://schemas.openxmlformats.org/drawingml/2006/main" xmlns:r="http://schemas.openxmlformats.org/officeDocument/2006/relationships" xmlns:p="http://schemas.openxmlformats.org/presentationml/2006/main">
   <p:cSld>
     <p:spTree>
@@ -19681,7 +20117,7 @@
 </p:sld>
 </file>
 
-<file path=ppt/slides/slide24.xml><?xml version="1.0" encoding="utf-8"?>
+<file path=ppt/slides/slide25.xml><?xml version="1.0" encoding="utf-8"?>
 <p:sld xmlns:a="http://schemas.openxmlformats.org/drawingml/2006/main" xmlns:r="http://schemas.openxmlformats.org/officeDocument/2006/relationships" xmlns:p="http://schemas.openxmlformats.org/presentationml/2006/main">
   <p:cSld>
     <p:spTree>
@@ -19814,7 +20250,7 @@
 </p:sld>
 </file>
 
-<file path=ppt/slides/slide25.xml><?xml version="1.0" encoding="utf-8"?>
+<file path=ppt/slides/slide26.xml><?xml version="1.0" encoding="utf-8"?>
 <p:sld xmlns:a="http://schemas.openxmlformats.org/drawingml/2006/main" xmlns:r="http://schemas.openxmlformats.org/officeDocument/2006/relationships" xmlns:p="http://schemas.openxmlformats.org/presentationml/2006/main" show="0">
   <p:cSld>
     <p:spTree>
@@ -20384,7 +20820,7 @@
 </p:sld>
 </file>
 
-<file path=ppt/slides/slide26.xml><?xml version="1.0" encoding="utf-8"?>
+<file path=ppt/slides/slide27.xml><?xml version="1.0" encoding="utf-8"?>
 <p:sld xmlns:a="http://schemas.openxmlformats.org/drawingml/2006/main" xmlns:r="http://schemas.openxmlformats.org/officeDocument/2006/relationships" xmlns:p="http://schemas.openxmlformats.org/presentationml/2006/main" show="0">
   <p:cSld>
     <p:spTree>
@@ -20784,7 +21220,7 @@
 </p:sld>
 </file>
 
-<file path=ppt/slides/slide27.xml><?xml version="1.0" encoding="utf-8"?>
+<file path=ppt/slides/slide28.xml><?xml version="1.0" encoding="utf-8"?>
 <p:sld xmlns:a="http://schemas.openxmlformats.org/drawingml/2006/main" xmlns:r="http://schemas.openxmlformats.org/officeDocument/2006/relationships" xmlns:p="http://schemas.openxmlformats.org/presentationml/2006/main" show="0">
   <p:cSld>
     <p:spTree>
@@ -21724,7 +22160,7 @@
 </p:sld>
 </file>
 
-<file path=ppt/slides/slide28.xml><?xml version="1.0" encoding="utf-8"?>
+<file path=ppt/slides/slide29.xml><?xml version="1.0" encoding="utf-8"?>
 <p:sld xmlns:a="http://schemas.openxmlformats.org/drawingml/2006/main" xmlns:r="http://schemas.openxmlformats.org/officeDocument/2006/relationships" xmlns:p="http://schemas.openxmlformats.org/presentationml/2006/main" show="0">
   <p:cSld>
     <p:spTree>
@@ -22111,7 +22547,542 @@
 </p:sld>
 </file>
 
-<file path=ppt/slides/slide29.xml><?xml version="1.0" encoding="utf-8"?>
+<file path=ppt/slides/slide3.xml><?xml version="1.0" encoding="utf-8"?>
+<p:sld xmlns:a="http://schemas.openxmlformats.org/drawingml/2006/main" xmlns:r="http://schemas.openxmlformats.org/officeDocument/2006/relationships" xmlns:p="http://schemas.openxmlformats.org/presentationml/2006/main">
+  <p:cSld>
+    <p:spTree>
+      <p:nvGrpSpPr>
+        <p:cNvPr id="1" name=""/>
+        <p:cNvGrpSpPr/>
+        <p:nvPr/>
+      </p:nvGrpSpPr>
+      <p:grpSpPr>
+        <a:xfrm>
+          <a:off x="0" y="0"/>
+          <a:ext cx="0" cy="0"/>
+          <a:chOff x="0" y="0"/>
+          <a:chExt cx="0" cy="0"/>
+        </a:xfrm>
+      </p:grpSpPr>
+      <p:sp>
+        <p:nvSpPr>
+          <p:cNvPr id="15362" name="Rectangle 2"/>
+          <p:cNvSpPr>
+            <a:spLocks noGrp="1" noChangeArrowheads="1"/>
+          </p:cNvSpPr>
+          <p:nvPr>
+            <p:ph type="title"/>
+          </p:nvPr>
+        </p:nvSpPr>
+        <p:spPr/>
+        <p:txBody>
+          <a:bodyPr>
+            <a:noAutofit/>
+          </a:bodyPr>
+          <a:lstStyle/>
+          <a:p>
+            <a:pPr eaLnBrk="1" hangingPunct="1"/>
+            <a:r>
+              <a:rPr lang="en-US" sz="4400" dirty="0" smtClean="0"/>
+              <a:t>The Idea of Induction</a:t>
+            </a:r>
+          </a:p>
+        </p:txBody>
+      </p:sp>
+      <p:sp>
+        <p:nvSpPr>
+          <p:cNvPr id="11267" name="Rectangle 3"/>
+          <p:cNvSpPr>
+            <a:spLocks noGrp="1" noChangeArrowheads="1"/>
+          </p:cNvSpPr>
+          <p:nvPr>
+            <p:ph type="body" idx="1"/>
+          </p:nvPr>
+        </p:nvSpPr>
+        <p:spPr>
+          <a:xfrm>
+            <a:off x="381000" y="1447800"/>
+            <a:ext cx="8382000" cy="5029200"/>
+          </a:xfrm>
+        </p:spPr>
+        <p:txBody>
+          <a:bodyPr>
+            <a:noAutofit/>
+          </a:bodyPr>
+          <a:lstStyle/>
+          <a:p>
+            <a:pPr marL="609600" indent="-609600"/>
+            <a:r>
+              <a:rPr lang="en-US" sz="4800" dirty="0" smtClean="0"/>
+              <a:t>Color the integers </a:t>
+            </a:r>
+            <a:r>
+              <a:rPr lang="en-US" sz="4800" b="1" dirty="0" smtClean="0">
+                <a:latin typeface="Symbol" charset="2"/>
+                <a:cs typeface="Symbol" charset="2"/>
+                <a:sym typeface="Euclid Symbol"/>
+              </a:rPr>
+              <a:t>≥</a:t>
+            </a:r>
+            <a:r>
+              <a:rPr lang="en-US" sz="4800" dirty="0" smtClean="0"/>
+              <a:t> 0 </a:t>
+            </a:r>
+          </a:p>
+          <a:p>
+            <a:pPr marL="609600" indent="-609600" algn="ctr" eaLnBrk="1" hangingPunct="1">
+              <a:buFontTx/>
+              <a:buNone/>
+            </a:pPr>
+            <a:r>
+              <a:rPr lang="en-US" sz="4800" dirty="0" smtClean="0">
+                <a:solidFill>
+                  <a:srgbClr val="EA0000"/>
+                </a:solidFill>
+              </a:rPr>
+              <a:t>0</a:t>
+            </a:r>
+            <a:r>
+              <a:rPr lang="en-US" sz="4800" dirty="0" smtClean="0"/>
+              <a:t>, </a:t>
+            </a:r>
+            <a:r>
+              <a:rPr lang="en-US" sz="4800" dirty="0" smtClean="0">
+                <a:solidFill>
+                  <a:srgbClr val="EA0000"/>
+                </a:solidFill>
+              </a:rPr>
+              <a:t>1</a:t>
+            </a:r>
+            <a:r>
+              <a:rPr lang="en-US" sz="4800" dirty="0" smtClean="0"/>
+              <a:t>, </a:t>
+            </a:r>
+            <a:r>
+              <a:rPr lang="en-US" sz="4800" dirty="0" smtClean="0">
+                <a:solidFill>
+                  <a:srgbClr val="EA0000"/>
+                </a:solidFill>
+              </a:rPr>
+              <a:t>2</a:t>
+            </a:r>
+            <a:r>
+              <a:rPr lang="en-US" sz="4800" dirty="0" smtClean="0"/>
+              <a:t>, </a:t>
+            </a:r>
+            <a:r>
+              <a:rPr lang="en-US" sz="4800" dirty="0" smtClean="0">
+                <a:solidFill>
+                  <a:srgbClr val="EA0000"/>
+                </a:solidFill>
+              </a:rPr>
+              <a:t>3</a:t>
+            </a:r>
+            <a:r>
+              <a:rPr lang="en-US" sz="4800" dirty="0" smtClean="0"/>
+              <a:t>, </a:t>
+            </a:r>
+            <a:r>
+              <a:rPr lang="en-US" sz="4800" dirty="0" smtClean="0">
+                <a:solidFill>
+                  <a:srgbClr val="EA0000"/>
+                </a:solidFill>
+              </a:rPr>
+              <a:t>4</a:t>
+            </a:r>
+            <a:r>
+              <a:rPr lang="en-US" sz="4800" dirty="0" smtClean="0"/>
+              <a:t>, </a:t>
+            </a:r>
+            <a:r>
+              <a:rPr lang="en-US" sz="4800" dirty="0" smtClean="0">
+                <a:solidFill>
+                  <a:srgbClr val="EA0000"/>
+                </a:solidFill>
+              </a:rPr>
+              <a:t>5</a:t>
+            </a:r>
+            <a:r>
+              <a:rPr lang="en-US" sz="4800" dirty="0" smtClean="0"/>
+              <a:t>, </a:t>
+            </a:r>
+            <a:r>
+              <a:rPr lang="en-US" sz="4800" dirty="0" smtClean="0">
+                <a:solidFill>
+                  <a:srgbClr val="FF0000"/>
+                </a:solidFill>
+              </a:rPr>
+              <a:t>…</a:t>
+            </a:r>
+          </a:p>
+          <a:p>
+            <a:pPr marL="609600" indent="-609600" eaLnBrk="1" hangingPunct="1">
+              <a:buFontTx/>
+              <a:buNone/>
+            </a:pPr>
+            <a:r>
+              <a:rPr lang="en-US" sz="4800" dirty="0" smtClean="0"/>
+              <a:t>I tell you, </a:t>
+            </a:r>
+            <a:r>
+              <a:rPr lang="en-US" sz="4800" dirty="0" smtClean="0">
+                <a:solidFill>
+                  <a:srgbClr val="EA0000"/>
+                </a:solidFill>
+              </a:rPr>
+              <a:t>0</a:t>
+            </a:r>
+            <a:r>
+              <a:rPr lang="en-US" sz="4800" dirty="0" smtClean="0">
+                <a:solidFill>
+                  <a:srgbClr val="CC0000"/>
+                </a:solidFill>
+              </a:rPr>
+              <a:t> </a:t>
+            </a:r>
+            <a:r>
+              <a:rPr lang="en-US" sz="4800" dirty="0" smtClean="0"/>
+              <a:t>is</a:t>
+            </a:r>
+            <a:r>
+              <a:rPr lang="en-US" sz="4800" dirty="0" smtClean="0">
+                <a:solidFill>
+                  <a:srgbClr val="CC0000"/>
+                </a:solidFill>
+              </a:rPr>
+              <a:t> </a:t>
+            </a:r>
+            <a:r>
+              <a:rPr lang="en-US" sz="4800" dirty="0" smtClean="0">
+                <a:solidFill>
+                  <a:srgbClr val="EA0000"/>
+                </a:solidFill>
+              </a:rPr>
+              <a:t>red</a:t>
+            </a:r>
+            <a:r>
+              <a:rPr lang="en-US" sz="4800" dirty="0" smtClean="0"/>
+              <a:t>, &amp; any </a:t>
+            </a:r>
+            <a:r>
+              <a:rPr lang="en-US" sz="4800" dirty="0" err="1" smtClean="0"/>
+              <a:t>int</a:t>
+            </a:r>
+            <a:endParaRPr lang="en-US" sz="4800" dirty="0" smtClean="0"/>
+          </a:p>
+          <a:p>
+            <a:pPr marL="609600" indent="-609600" eaLnBrk="1" hangingPunct="1">
+              <a:spcBef>
+                <a:spcPts val="0"/>
+              </a:spcBef>
+              <a:buFontTx/>
+              <a:buNone/>
+            </a:pPr>
+            <a:r>
+              <a:rPr lang="en-US" sz="4800" dirty="0" smtClean="0"/>
+              <a:t>next to</a:t>
+            </a:r>
+            <a:r>
+              <a:rPr lang="en-US" sz="4800" dirty="0" smtClean="0">
+                <a:solidFill>
+                  <a:srgbClr val="CC0000"/>
+                </a:solidFill>
+              </a:rPr>
+              <a:t> </a:t>
+            </a:r>
+            <a:r>
+              <a:rPr lang="en-US" sz="4800" dirty="0" smtClean="0"/>
+              <a:t>a</a:t>
+            </a:r>
+            <a:r>
+              <a:rPr lang="en-US" sz="4800" dirty="0" smtClean="0">
+                <a:solidFill>
+                  <a:srgbClr val="CC0000"/>
+                </a:solidFill>
+              </a:rPr>
+              <a:t> </a:t>
+            </a:r>
+            <a:r>
+              <a:rPr lang="en-US" sz="4800" dirty="0" smtClean="0">
+                <a:solidFill>
+                  <a:srgbClr val="EA0000"/>
+                </a:solidFill>
+              </a:rPr>
+              <a:t>red</a:t>
+            </a:r>
+            <a:r>
+              <a:rPr lang="en-US" sz="4800" dirty="0" smtClean="0"/>
+              <a:t> integer is</a:t>
+            </a:r>
+            <a:r>
+              <a:rPr lang="en-US" sz="4800" dirty="0" smtClean="0">
+                <a:solidFill>
+                  <a:srgbClr val="CC0000"/>
+                </a:solidFill>
+              </a:rPr>
+              <a:t> </a:t>
+            </a:r>
+            <a:r>
+              <a:rPr lang="en-US" sz="4800" dirty="0" smtClean="0">
+                <a:solidFill>
+                  <a:srgbClr val="EA0000"/>
+                </a:solidFill>
+              </a:rPr>
+              <a:t>red</a:t>
+            </a:r>
+            <a:r>
+              <a:rPr lang="en-US" sz="4800" dirty="0" smtClean="0"/>
+              <a:t>,</a:t>
+            </a:r>
+          </a:p>
+          <a:p>
+            <a:pPr marL="0" lvl="0" indent="0">
+              <a:spcBef>
+                <a:spcPts val="0"/>
+              </a:spcBef>
+            </a:pPr>
+            <a:r>
+              <a:rPr lang="en-US" sz="4800" dirty="0" smtClean="0">
+                <a:solidFill>
+                  <a:prstClr val="black"/>
+                </a:solidFill>
+              </a:rPr>
+              <a:t>    then you know that</a:t>
+            </a:r>
+          </a:p>
+          <a:p>
+            <a:pPr marL="0" lvl="0" indent="0">
+              <a:spcBef>
+                <a:spcPts val="0"/>
+              </a:spcBef>
+            </a:pPr>
+            <a:r>
+              <a:rPr lang="en-US" sz="4800" dirty="0" smtClean="0">
+                <a:solidFill>
+                  <a:srgbClr val="0000FF"/>
+                </a:solidFill>
+              </a:rPr>
+              <a:t>   </a:t>
+            </a:r>
+            <a:r>
+              <a:rPr lang="en-US" sz="5400" dirty="0" smtClean="0">
+                <a:solidFill>
+                  <a:srgbClr val="0000FF"/>
+                </a:solidFill>
+              </a:rPr>
+              <a:t> all</a:t>
+            </a:r>
+            <a:r>
+              <a:rPr lang="en-US" sz="5400" dirty="0" smtClean="0">
+                <a:solidFill>
+                  <a:prstClr val="black"/>
+                </a:solidFill>
+              </a:rPr>
+              <a:t> the </a:t>
+            </a:r>
+            <a:r>
+              <a:rPr lang="en-US" sz="5400" dirty="0" err="1" smtClean="0">
+                <a:solidFill>
+                  <a:prstClr val="black"/>
+                </a:solidFill>
+              </a:rPr>
+              <a:t>ints</a:t>
+            </a:r>
+            <a:r>
+              <a:rPr lang="en-US" sz="5400" dirty="0" smtClean="0">
+                <a:solidFill>
+                  <a:prstClr val="black"/>
+                </a:solidFill>
+              </a:rPr>
+              <a:t> are</a:t>
+            </a:r>
+            <a:r>
+              <a:rPr lang="en-US" sz="5400" dirty="0" smtClean="0">
+                <a:solidFill>
+                  <a:srgbClr val="CC0000"/>
+                </a:solidFill>
+              </a:rPr>
+              <a:t> </a:t>
+            </a:r>
+            <a:r>
+              <a:rPr lang="en-US" sz="5400" dirty="0" smtClean="0">
+                <a:solidFill>
+                  <a:srgbClr val="EA0000"/>
+                </a:solidFill>
+              </a:rPr>
+              <a:t>red</a:t>
+            </a:r>
+            <a:r>
+              <a:rPr lang="en-US" sz="5400" dirty="0" smtClean="0">
+                <a:solidFill>
+                  <a:prstClr val="black"/>
+                </a:solidFill>
+              </a:rPr>
+              <a:t>!</a:t>
+            </a:r>
+            <a:endParaRPr lang="en-US" sz="4800" dirty="0" smtClean="0">
+              <a:solidFill>
+                <a:prstClr val="black"/>
+              </a:solidFill>
+            </a:endParaRPr>
+          </a:p>
+          <a:p>
+            <a:pPr marL="609600" indent="-609600" eaLnBrk="1" hangingPunct="1">
+              <a:buFontTx/>
+              <a:buNone/>
+            </a:pPr>
+            <a:endParaRPr lang="en-US" sz="4800" dirty="0" smtClean="0"/>
+          </a:p>
+        </p:txBody>
+      </p:sp>
+      <p:sp>
+        <p:nvSpPr>
+          <p:cNvPr id="4" name="Rectangle 3"/>
+          <p:cNvSpPr/>
+          <p:nvPr/>
+        </p:nvSpPr>
+        <p:spPr>
+          <a:xfrm>
+            <a:off x="1752600" y="2286000"/>
+            <a:ext cx="6019800" cy="914400"/>
+          </a:xfrm>
+          <a:prstGeom prst="rect">
+            <a:avLst/>
+          </a:prstGeom>
+          <a:noFill/>
+          <a:ln w="41275">
+            <a:solidFill>
+              <a:srgbClr val="FF0000"/>
+            </a:solidFill>
+            <a:prstDash val="sysDot"/>
+          </a:ln>
+        </p:spPr>
+        <p:style>
+          <a:lnRef idx="2">
+            <a:schemeClr val="accent1">
+              <a:shade val="50000"/>
+            </a:schemeClr>
+          </a:lnRef>
+          <a:fillRef idx="1">
+            <a:schemeClr val="accent1"/>
+          </a:fillRef>
+          <a:effectRef idx="0">
+            <a:schemeClr val="accent1"/>
+          </a:effectRef>
+          <a:fontRef idx="minor">
+            <a:schemeClr val="lt1"/>
+          </a:fontRef>
+        </p:style>
+        <p:txBody>
+          <a:bodyPr rtlCol="0" anchor="ctr"/>
+          <a:lstStyle/>
+          <a:p>
+            <a:pPr algn="ctr"/>
+            <a:endParaRPr lang="en-US"/>
+          </a:p>
+        </p:txBody>
+      </p:sp>
+    </p:spTree>
+  </p:cSld>
+  <p:clrMapOvr>
+    <a:masterClrMapping/>
+  </p:clrMapOvr>
+  <p:transition xmlns:p14="http://schemas.microsoft.com/office/powerpoint/2010/main">
+    <p:fade/>
+  </p:transition>
+  <p:timing>
+    <p:tnLst>
+      <p:par>
+        <p:cTn xmlns:p14="http://schemas.microsoft.com/office/powerpoint/2010/main" id="1" dur="indefinite" restart="never" nodeType="tmRoot">
+          <p:childTnLst>
+            <p:seq concurrent="1" nextAc="seek">
+              <p:cTn id="2" dur="indefinite" nodeType="mainSeq">
+                <p:childTnLst>
+                  <p:par>
+                    <p:cTn id="3" fill="hold">
+                      <p:stCondLst>
+                        <p:cond delay="indefinite"/>
+                        <p:cond evt="onBegin" delay="0">
+                          <p:tn val="2"/>
+                        </p:cond>
+                      </p:stCondLst>
+                      <p:childTnLst>
+                        <p:par>
+                          <p:cTn id="4" fill="hold">
+                            <p:stCondLst>
+                              <p:cond delay="0"/>
+                            </p:stCondLst>
+                            <p:childTnLst>
+                              <p:par>
+                                <p:cTn id="5" presetID="10" presetClass="entr" presetSubtype="0" fill="hold" grpId="0" nodeType="afterEffect">
+                                  <p:stCondLst>
+                                    <p:cond delay="0"/>
+                                  </p:stCondLst>
+                                  <p:childTnLst>
+                                    <p:set>
+                                      <p:cBhvr>
+                                        <p:cTn id="6" dur="1" fill="hold">
+                                          <p:stCondLst>
+                                            <p:cond delay="0"/>
+                                          </p:stCondLst>
+                                        </p:cTn>
+                                        <p:tgtEl>
+                                          <p:spTgt spid="4"/>
+                                        </p:tgtEl>
+                                        <p:attrNameLst>
+                                          <p:attrName>style.visibility</p:attrName>
+                                        </p:attrNameLst>
+                                      </p:cBhvr>
+                                      <p:to>
+                                        <p:strVal val="visible"/>
+                                      </p:to>
+                                    </p:set>
+                                    <p:animEffect transition="in" filter="fade">
+                                      <p:cBhvr>
+                                        <p:cTn id="7" dur="1000"/>
+                                        <p:tgtEl>
+                                          <p:spTgt spid="4"/>
+                                        </p:tgtEl>
+                                      </p:cBhvr>
+                                    </p:animEffect>
+                                  </p:childTnLst>
+                                </p:cTn>
+                              </p:par>
+                            </p:childTnLst>
+                          </p:cTn>
+                        </p:par>
+                      </p:childTnLst>
+                    </p:cTn>
+                  </p:par>
+                </p:childTnLst>
+              </p:cTn>
+              <p:prevCondLst>
+                <p:cond evt="onPrev" delay="0">
+                  <p:tgtEl>
+                    <p:sldTgt/>
+                  </p:tgtEl>
+                </p:cond>
+              </p:prevCondLst>
+              <p:nextCondLst>
+                <p:cond evt="onNext" delay="0">
+                  <p:tgtEl>
+                    <p:sldTgt/>
+                  </p:tgtEl>
+                </p:cond>
+              </p:nextCondLst>
+            </p:seq>
+          </p:childTnLst>
+        </p:cTn>
+      </p:par>
+    </p:tnLst>
+    <p:bldLst>
+      <p:bldP spid="4" grpId="0" animBg="1"/>
+    </p:bldLst>
+  </p:timing>
+</p:sld>
+</file>
+
+<file path=ppt/slides/slide30.xml><?xml version="1.0" encoding="utf-8"?>
 <p:sld xmlns:a="http://schemas.openxmlformats.org/drawingml/2006/main" xmlns:r="http://schemas.openxmlformats.org/officeDocument/2006/relationships" xmlns:p="http://schemas.openxmlformats.org/presentationml/2006/main" show="0">
   <p:cSld>
     <p:spTree>
@@ -22933,542 +23904,7 @@
 </p:sld>
 </file>
 
-<file path=ppt/slides/slide3.xml><?xml version="1.0" encoding="utf-8"?>
-<p:sld xmlns:a="http://schemas.openxmlformats.org/drawingml/2006/main" xmlns:r="http://schemas.openxmlformats.org/officeDocument/2006/relationships" xmlns:p="http://schemas.openxmlformats.org/presentationml/2006/main">
-  <p:cSld>
-    <p:spTree>
-      <p:nvGrpSpPr>
-        <p:cNvPr id="1" name=""/>
-        <p:cNvGrpSpPr/>
-        <p:nvPr/>
-      </p:nvGrpSpPr>
-      <p:grpSpPr>
-        <a:xfrm>
-          <a:off x="0" y="0"/>
-          <a:ext cx="0" cy="0"/>
-          <a:chOff x="0" y="0"/>
-          <a:chExt cx="0" cy="0"/>
-        </a:xfrm>
-      </p:grpSpPr>
-      <p:sp>
-        <p:nvSpPr>
-          <p:cNvPr id="15362" name="Rectangle 2"/>
-          <p:cNvSpPr>
-            <a:spLocks noGrp="1" noChangeArrowheads="1"/>
-          </p:cNvSpPr>
-          <p:nvPr>
-            <p:ph type="title"/>
-          </p:nvPr>
-        </p:nvSpPr>
-        <p:spPr/>
-        <p:txBody>
-          <a:bodyPr>
-            <a:noAutofit/>
-          </a:bodyPr>
-          <a:lstStyle/>
-          <a:p>
-            <a:pPr eaLnBrk="1" hangingPunct="1"/>
-            <a:r>
-              <a:rPr lang="en-US" sz="4400" dirty="0" smtClean="0"/>
-              <a:t>The Idea of Induction</a:t>
-            </a:r>
-          </a:p>
-        </p:txBody>
-      </p:sp>
-      <p:sp>
-        <p:nvSpPr>
-          <p:cNvPr id="11267" name="Rectangle 3"/>
-          <p:cNvSpPr>
-            <a:spLocks noGrp="1" noChangeArrowheads="1"/>
-          </p:cNvSpPr>
-          <p:nvPr>
-            <p:ph type="body" idx="1"/>
-          </p:nvPr>
-        </p:nvSpPr>
-        <p:spPr>
-          <a:xfrm>
-            <a:off x="381000" y="1447800"/>
-            <a:ext cx="8382000" cy="5029200"/>
-          </a:xfrm>
-        </p:spPr>
-        <p:txBody>
-          <a:bodyPr>
-            <a:noAutofit/>
-          </a:bodyPr>
-          <a:lstStyle/>
-          <a:p>
-            <a:pPr marL="609600" indent="-609600"/>
-            <a:r>
-              <a:rPr lang="en-US" sz="4800" dirty="0" smtClean="0"/>
-              <a:t>Color the integers </a:t>
-            </a:r>
-            <a:r>
-              <a:rPr lang="en-US" sz="4800" b="1" dirty="0" smtClean="0">
-                <a:latin typeface="Symbol" charset="2"/>
-                <a:cs typeface="Symbol" charset="2"/>
-                <a:sym typeface="Euclid Symbol"/>
-              </a:rPr>
-              <a:t>≥</a:t>
-            </a:r>
-            <a:r>
-              <a:rPr lang="en-US" sz="4800" dirty="0" smtClean="0"/>
-              <a:t> 0 </a:t>
-            </a:r>
-          </a:p>
-          <a:p>
-            <a:pPr marL="609600" indent="-609600" algn="ctr" eaLnBrk="1" hangingPunct="1">
-              <a:buFontTx/>
-              <a:buNone/>
-            </a:pPr>
-            <a:r>
-              <a:rPr lang="en-US" sz="4800" dirty="0" smtClean="0">
-                <a:solidFill>
-                  <a:srgbClr val="EA0000"/>
-                </a:solidFill>
-              </a:rPr>
-              <a:t>0</a:t>
-            </a:r>
-            <a:r>
-              <a:rPr lang="en-US" sz="4800" dirty="0" smtClean="0"/>
-              <a:t>, </a:t>
-            </a:r>
-            <a:r>
-              <a:rPr lang="en-US" sz="4800" dirty="0" smtClean="0">
-                <a:solidFill>
-                  <a:srgbClr val="EA0000"/>
-                </a:solidFill>
-              </a:rPr>
-              <a:t>1</a:t>
-            </a:r>
-            <a:r>
-              <a:rPr lang="en-US" sz="4800" dirty="0" smtClean="0"/>
-              <a:t>, </a:t>
-            </a:r>
-            <a:r>
-              <a:rPr lang="en-US" sz="4800" dirty="0" smtClean="0">
-                <a:solidFill>
-                  <a:srgbClr val="EA0000"/>
-                </a:solidFill>
-              </a:rPr>
-              <a:t>2</a:t>
-            </a:r>
-            <a:r>
-              <a:rPr lang="en-US" sz="4800" dirty="0" smtClean="0"/>
-              <a:t>, </a:t>
-            </a:r>
-            <a:r>
-              <a:rPr lang="en-US" sz="4800" dirty="0" smtClean="0">
-                <a:solidFill>
-                  <a:srgbClr val="EA0000"/>
-                </a:solidFill>
-              </a:rPr>
-              <a:t>3</a:t>
-            </a:r>
-            <a:r>
-              <a:rPr lang="en-US" sz="4800" dirty="0" smtClean="0"/>
-              <a:t>, </a:t>
-            </a:r>
-            <a:r>
-              <a:rPr lang="en-US" sz="4800" dirty="0" smtClean="0">
-                <a:solidFill>
-                  <a:srgbClr val="EA0000"/>
-                </a:solidFill>
-              </a:rPr>
-              <a:t>4</a:t>
-            </a:r>
-            <a:r>
-              <a:rPr lang="en-US" sz="4800" dirty="0" smtClean="0"/>
-              <a:t>, </a:t>
-            </a:r>
-            <a:r>
-              <a:rPr lang="en-US" sz="4800" dirty="0" smtClean="0">
-                <a:solidFill>
-                  <a:srgbClr val="EA0000"/>
-                </a:solidFill>
-              </a:rPr>
-              <a:t>5</a:t>
-            </a:r>
-            <a:r>
-              <a:rPr lang="en-US" sz="4800" dirty="0" smtClean="0"/>
-              <a:t>, </a:t>
-            </a:r>
-            <a:r>
-              <a:rPr lang="en-US" sz="4800" dirty="0" smtClean="0">
-                <a:solidFill>
-                  <a:srgbClr val="FF0000"/>
-                </a:solidFill>
-              </a:rPr>
-              <a:t>…</a:t>
-            </a:r>
-          </a:p>
-          <a:p>
-            <a:pPr marL="609600" indent="-609600" eaLnBrk="1" hangingPunct="1">
-              <a:buFontTx/>
-              <a:buNone/>
-            </a:pPr>
-            <a:r>
-              <a:rPr lang="en-US" sz="4800" dirty="0" smtClean="0"/>
-              <a:t>I tell you, </a:t>
-            </a:r>
-            <a:r>
-              <a:rPr lang="en-US" sz="4800" dirty="0" smtClean="0">
-                <a:solidFill>
-                  <a:srgbClr val="EA0000"/>
-                </a:solidFill>
-              </a:rPr>
-              <a:t>0</a:t>
-            </a:r>
-            <a:r>
-              <a:rPr lang="en-US" sz="4800" dirty="0" smtClean="0">
-                <a:solidFill>
-                  <a:srgbClr val="CC0000"/>
-                </a:solidFill>
-              </a:rPr>
-              <a:t> </a:t>
-            </a:r>
-            <a:r>
-              <a:rPr lang="en-US" sz="4800" dirty="0" smtClean="0"/>
-              <a:t>is</a:t>
-            </a:r>
-            <a:r>
-              <a:rPr lang="en-US" sz="4800" dirty="0" smtClean="0">
-                <a:solidFill>
-                  <a:srgbClr val="CC0000"/>
-                </a:solidFill>
-              </a:rPr>
-              <a:t> </a:t>
-            </a:r>
-            <a:r>
-              <a:rPr lang="en-US" sz="4800" dirty="0" smtClean="0">
-                <a:solidFill>
-                  <a:srgbClr val="EA0000"/>
-                </a:solidFill>
-              </a:rPr>
-              <a:t>red</a:t>
-            </a:r>
-            <a:r>
-              <a:rPr lang="en-US" sz="4800" dirty="0" smtClean="0"/>
-              <a:t>, &amp; any </a:t>
-            </a:r>
-            <a:r>
-              <a:rPr lang="en-US" sz="4800" dirty="0" err="1" smtClean="0"/>
-              <a:t>int</a:t>
-            </a:r>
-            <a:endParaRPr lang="en-US" sz="4800" dirty="0" smtClean="0"/>
-          </a:p>
-          <a:p>
-            <a:pPr marL="609600" indent="-609600" eaLnBrk="1" hangingPunct="1">
-              <a:spcBef>
-                <a:spcPts val="0"/>
-              </a:spcBef>
-              <a:buFontTx/>
-              <a:buNone/>
-            </a:pPr>
-            <a:r>
-              <a:rPr lang="en-US" sz="4800" dirty="0" smtClean="0"/>
-              <a:t>next to</a:t>
-            </a:r>
-            <a:r>
-              <a:rPr lang="en-US" sz="4800" dirty="0" smtClean="0">
-                <a:solidFill>
-                  <a:srgbClr val="CC0000"/>
-                </a:solidFill>
-              </a:rPr>
-              <a:t> </a:t>
-            </a:r>
-            <a:r>
-              <a:rPr lang="en-US" sz="4800" dirty="0" smtClean="0"/>
-              <a:t>a</a:t>
-            </a:r>
-            <a:r>
-              <a:rPr lang="en-US" sz="4800" dirty="0" smtClean="0">
-                <a:solidFill>
-                  <a:srgbClr val="CC0000"/>
-                </a:solidFill>
-              </a:rPr>
-              <a:t> </a:t>
-            </a:r>
-            <a:r>
-              <a:rPr lang="en-US" sz="4800" dirty="0" smtClean="0">
-                <a:solidFill>
-                  <a:srgbClr val="EA0000"/>
-                </a:solidFill>
-              </a:rPr>
-              <a:t>red</a:t>
-            </a:r>
-            <a:r>
-              <a:rPr lang="en-US" sz="4800" dirty="0" smtClean="0"/>
-              <a:t> integer is</a:t>
-            </a:r>
-            <a:r>
-              <a:rPr lang="en-US" sz="4800" dirty="0" smtClean="0">
-                <a:solidFill>
-                  <a:srgbClr val="CC0000"/>
-                </a:solidFill>
-              </a:rPr>
-              <a:t> </a:t>
-            </a:r>
-            <a:r>
-              <a:rPr lang="en-US" sz="4800" dirty="0" smtClean="0">
-                <a:solidFill>
-                  <a:srgbClr val="EA0000"/>
-                </a:solidFill>
-              </a:rPr>
-              <a:t>red</a:t>
-            </a:r>
-            <a:r>
-              <a:rPr lang="en-US" sz="4800" dirty="0" smtClean="0"/>
-              <a:t>,</a:t>
-            </a:r>
-          </a:p>
-          <a:p>
-            <a:pPr marL="0" lvl="0" indent="0">
-              <a:spcBef>
-                <a:spcPts val="0"/>
-              </a:spcBef>
-            </a:pPr>
-            <a:r>
-              <a:rPr lang="en-US" sz="4800" dirty="0" smtClean="0">
-                <a:solidFill>
-                  <a:prstClr val="black"/>
-                </a:solidFill>
-              </a:rPr>
-              <a:t>    then you know that</a:t>
-            </a:r>
-          </a:p>
-          <a:p>
-            <a:pPr marL="0" lvl="0" indent="0">
-              <a:spcBef>
-                <a:spcPts val="0"/>
-              </a:spcBef>
-            </a:pPr>
-            <a:r>
-              <a:rPr lang="en-US" sz="4800" dirty="0" smtClean="0">
-                <a:solidFill>
-                  <a:srgbClr val="0000FF"/>
-                </a:solidFill>
-              </a:rPr>
-              <a:t>   </a:t>
-            </a:r>
-            <a:r>
-              <a:rPr lang="en-US" sz="5400" dirty="0" smtClean="0">
-                <a:solidFill>
-                  <a:srgbClr val="0000FF"/>
-                </a:solidFill>
-              </a:rPr>
-              <a:t> all</a:t>
-            </a:r>
-            <a:r>
-              <a:rPr lang="en-US" sz="5400" dirty="0" smtClean="0">
-                <a:solidFill>
-                  <a:prstClr val="black"/>
-                </a:solidFill>
-              </a:rPr>
-              <a:t> the </a:t>
-            </a:r>
-            <a:r>
-              <a:rPr lang="en-US" sz="5400" dirty="0" err="1" smtClean="0">
-                <a:solidFill>
-                  <a:prstClr val="black"/>
-                </a:solidFill>
-              </a:rPr>
-              <a:t>ints</a:t>
-            </a:r>
-            <a:r>
-              <a:rPr lang="en-US" sz="5400" dirty="0" smtClean="0">
-                <a:solidFill>
-                  <a:prstClr val="black"/>
-                </a:solidFill>
-              </a:rPr>
-              <a:t> are</a:t>
-            </a:r>
-            <a:r>
-              <a:rPr lang="en-US" sz="5400" dirty="0" smtClean="0">
-                <a:solidFill>
-                  <a:srgbClr val="CC0000"/>
-                </a:solidFill>
-              </a:rPr>
-              <a:t> </a:t>
-            </a:r>
-            <a:r>
-              <a:rPr lang="en-US" sz="5400" dirty="0" smtClean="0">
-                <a:solidFill>
-                  <a:srgbClr val="EA0000"/>
-                </a:solidFill>
-              </a:rPr>
-              <a:t>red</a:t>
-            </a:r>
-            <a:r>
-              <a:rPr lang="en-US" sz="5400" dirty="0" smtClean="0">
-                <a:solidFill>
-                  <a:prstClr val="black"/>
-                </a:solidFill>
-              </a:rPr>
-              <a:t>!</a:t>
-            </a:r>
-            <a:endParaRPr lang="en-US" sz="4800" dirty="0" smtClean="0">
-              <a:solidFill>
-                <a:prstClr val="black"/>
-              </a:solidFill>
-            </a:endParaRPr>
-          </a:p>
-          <a:p>
-            <a:pPr marL="609600" indent="-609600" eaLnBrk="1" hangingPunct="1">
-              <a:buFontTx/>
-              <a:buNone/>
-            </a:pPr>
-            <a:endParaRPr lang="en-US" sz="4800" dirty="0" smtClean="0"/>
-          </a:p>
-        </p:txBody>
-      </p:sp>
-      <p:sp>
-        <p:nvSpPr>
-          <p:cNvPr id="4" name="Rectangle 3"/>
-          <p:cNvSpPr/>
-          <p:nvPr/>
-        </p:nvSpPr>
-        <p:spPr>
-          <a:xfrm>
-            <a:off x="1752600" y="2286000"/>
-            <a:ext cx="6019800" cy="914400"/>
-          </a:xfrm>
-          <a:prstGeom prst="rect">
-            <a:avLst/>
-          </a:prstGeom>
-          <a:noFill/>
-          <a:ln w="41275">
-            <a:solidFill>
-              <a:srgbClr val="FF0000"/>
-            </a:solidFill>
-            <a:prstDash val="sysDot"/>
-          </a:ln>
-        </p:spPr>
-        <p:style>
-          <a:lnRef idx="2">
-            <a:schemeClr val="accent1">
-              <a:shade val="50000"/>
-            </a:schemeClr>
-          </a:lnRef>
-          <a:fillRef idx="1">
-            <a:schemeClr val="accent1"/>
-          </a:fillRef>
-          <a:effectRef idx="0">
-            <a:schemeClr val="accent1"/>
-          </a:effectRef>
-          <a:fontRef idx="minor">
-            <a:schemeClr val="lt1"/>
-          </a:fontRef>
-        </p:style>
-        <p:txBody>
-          <a:bodyPr rtlCol="0" anchor="ctr"/>
-          <a:lstStyle/>
-          <a:p>
-            <a:pPr algn="ctr"/>
-            <a:endParaRPr lang="en-US"/>
-          </a:p>
-        </p:txBody>
-      </p:sp>
-    </p:spTree>
-  </p:cSld>
-  <p:clrMapOvr>
-    <a:masterClrMapping/>
-  </p:clrMapOvr>
-  <p:transition xmlns:p14="http://schemas.microsoft.com/office/powerpoint/2010/main">
-    <p:fade/>
-  </p:transition>
-  <p:timing>
-    <p:tnLst>
-      <p:par>
-        <p:cTn xmlns:p14="http://schemas.microsoft.com/office/powerpoint/2010/main" id="1" dur="indefinite" restart="never" nodeType="tmRoot">
-          <p:childTnLst>
-            <p:seq concurrent="1" nextAc="seek">
-              <p:cTn id="2" dur="indefinite" nodeType="mainSeq">
-                <p:childTnLst>
-                  <p:par>
-                    <p:cTn id="3" fill="hold">
-                      <p:stCondLst>
-                        <p:cond delay="indefinite"/>
-                        <p:cond evt="onBegin" delay="0">
-                          <p:tn val="2"/>
-                        </p:cond>
-                      </p:stCondLst>
-                      <p:childTnLst>
-                        <p:par>
-                          <p:cTn id="4" fill="hold">
-                            <p:stCondLst>
-                              <p:cond delay="0"/>
-                            </p:stCondLst>
-                            <p:childTnLst>
-                              <p:par>
-                                <p:cTn id="5" presetID="10" presetClass="entr" presetSubtype="0" fill="hold" grpId="0" nodeType="afterEffect">
-                                  <p:stCondLst>
-                                    <p:cond delay="0"/>
-                                  </p:stCondLst>
-                                  <p:childTnLst>
-                                    <p:set>
-                                      <p:cBhvr>
-                                        <p:cTn id="6" dur="1" fill="hold">
-                                          <p:stCondLst>
-                                            <p:cond delay="0"/>
-                                          </p:stCondLst>
-                                        </p:cTn>
-                                        <p:tgtEl>
-                                          <p:spTgt spid="4"/>
-                                        </p:tgtEl>
-                                        <p:attrNameLst>
-                                          <p:attrName>style.visibility</p:attrName>
-                                        </p:attrNameLst>
-                                      </p:cBhvr>
-                                      <p:to>
-                                        <p:strVal val="visible"/>
-                                      </p:to>
-                                    </p:set>
-                                    <p:animEffect transition="in" filter="fade">
-                                      <p:cBhvr>
-                                        <p:cTn id="7" dur="1000"/>
-                                        <p:tgtEl>
-                                          <p:spTgt spid="4"/>
-                                        </p:tgtEl>
-                                      </p:cBhvr>
-                                    </p:animEffect>
-                                  </p:childTnLst>
-                                </p:cTn>
-                              </p:par>
-                            </p:childTnLst>
-                          </p:cTn>
-                        </p:par>
-                      </p:childTnLst>
-                    </p:cTn>
-                  </p:par>
-                </p:childTnLst>
-              </p:cTn>
-              <p:prevCondLst>
-                <p:cond evt="onPrev" delay="0">
-                  <p:tgtEl>
-                    <p:sldTgt/>
-                  </p:tgtEl>
-                </p:cond>
-              </p:prevCondLst>
-              <p:nextCondLst>
-                <p:cond evt="onNext" delay="0">
-                  <p:tgtEl>
-                    <p:sldTgt/>
-                  </p:tgtEl>
-                </p:cond>
-              </p:nextCondLst>
-            </p:seq>
-          </p:childTnLst>
-        </p:cTn>
-      </p:par>
-    </p:tnLst>
-    <p:bldLst>
-      <p:bldP spid="4" grpId="0" animBg="1"/>
-    </p:bldLst>
-  </p:timing>
-</p:sld>
-</file>
-
-<file path=ppt/slides/slide30.xml><?xml version="1.0" encoding="utf-8"?>
+<file path=ppt/slides/slide31.xml><?xml version="1.0" encoding="utf-8"?>
 <p:sld xmlns:a="http://schemas.openxmlformats.org/drawingml/2006/main" xmlns:r="http://schemas.openxmlformats.org/officeDocument/2006/relationships" xmlns:p="http://schemas.openxmlformats.org/presentationml/2006/main" show="0">
   <p:cSld>
     <p:spTree>
@@ -24200,7 +24636,7 @@
 </p:sld>
 </file>
 
-<file path=ppt/slides/slide31.xml><?xml version="1.0" encoding="utf-8"?>
+<file path=ppt/slides/slide32.xml><?xml version="1.0" encoding="utf-8"?>
 <p:sld xmlns:a="http://schemas.openxmlformats.org/drawingml/2006/main" xmlns:r="http://schemas.openxmlformats.org/officeDocument/2006/relationships" xmlns:p="http://schemas.openxmlformats.org/presentationml/2006/main" show="0">
   <p:cSld>
     <p:spTree>
@@ -24721,7 +25157,7 @@
               <a:graphicData uri="http://schemas.openxmlformats.org/presentationml/2006/ole">
                 <mc:AlternateContent xmlns:mc="http://schemas.openxmlformats.org/markup-compatibility/2006">
                   <mc:Choice xmlns:v="urn:schemas-microsoft-com:vml" Requires="v">
-                    <p:oleObj spid="_x0000_s341023" name="Equation" r:id="rId5" imgW="177480" imgH="190440" progId="Equation.3">
+                    <p:oleObj spid="_x0000_s341028" name="Equation" r:id="rId5" imgW="177480" imgH="190440" progId="Equation.3">
                       <p:embed/>
                     </p:oleObj>
                   </mc:Choice>
@@ -24929,7 +25365,7 @@
           <a:graphicData uri="http://schemas.openxmlformats.org/presentationml/2006/ole">
             <mc:AlternateContent xmlns:mc="http://schemas.openxmlformats.org/markup-compatibility/2006">
               <mc:Choice xmlns:v="urn:schemas-microsoft-com:vml" Requires="v">
-                <p:oleObj spid="_x0000_s341024" name="Equation" r:id="rId7" imgW="177480" imgH="190440" progId="Equation.DSMT4">
+                <p:oleObj spid="_x0000_s341029" name="Equation" r:id="rId7" imgW="177480" imgH="190440" progId="Equation.DSMT4">
                   <p:embed/>
                 </p:oleObj>
               </mc:Choice>
@@ -25670,7 +26106,7 @@
 </p:sld>
 </file>
 
-<file path=ppt/slides/slide32.xml><?xml version="1.0" encoding="utf-8"?>
+<file path=ppt/slides/slide33.xml><?xml version="1.0" encoding="utf-8"?>
 <p:sld xmlns:a="http://schemas.openxmlformats.org/drawingml/2006/main" xmlns:r="http://schemas.openxmlformats.org/officeDocument/2006/relationships" xmlns:p="http://schemas.openxmlformats.org/presentationml/2006/main" show="0">
   <p:cSld>
     <p:spTree>
@@ -26442,7 +26878,7 @@
 </p:sld>
 </file>
 
-<file path=ppt/slides/slide33.xml><?xml version="1.0" encoding="utf-8"?>
+<file path=ppt/slides/slide34.xml><?xml version="1.0" encoding="utf-8"?>
 <p:sld xmlns:a="http://schemas.openxmlformats.org/drawingml/2006/main" xmlns:r="http://schemas.openxmlformats.org/officeDocument/2006/relationships" xmlns:p="http://schemas.openxmlformats.org/presentationml/2006/main" show="0">
   <p:cSld>
     <p:spTree>
@@ -26821,7 +27257,7 @@
 </p:sld>
 </file>
 
-<file path=ppt/slides/slide34.xml><?xml version="1.0" encoding="utf-8"?>
+<file path=ppt/slides/slide35.xml><?xml version="1.0" encoding="utf-8"?>
 <p:sld xmlns:a="http://schemas.openxmlformats.org/drawingml/2006/main" xmlns:r="http://schemas.openxmlformats.org/officeDocument/2006/relationships" xmlns:p="http://schemas.openxmlformats.org/presentationml/2006/main" show="0">
   <p:cSld>
     <p:spTree>
@@ -27575,7 +28011,7 @@
 </p:sld>
 </file>
 
-<file path=ppt/slides/slide35.xml><?xml version="1.0" encoding="utf-8"?>
+<file path=ppt/slides/slide36.xml><?xml version="1.0" encoding="utf-8"?>
 <p:sld xmlns:a="http://schemas.openxmlformats.org/drawingml/2006/main" xmlns:r="http://schemas.openxmlformats.org/officeDocument/2006/relationships" xmlns:p="http://schemas.openxmlformats.org/presentationml/2006/main" show="0">
   <p:cSld>
     <p:spTree>
@@ -27833,7 +28269,7 @@
 </p:sld>
 </file>
 
-<file path=ppt/slides/slide36.xml><?xml version="1.0" encoding="utf-8"?>
+<file path=ppt/slides/slide37.xml><?xml version="1.0" encoding="utf-8"?>
 <p:sld xmlns:a="http://schemas.openxmlformats.org/drawingml/2006/main" xmlns:r="http://schemas.openxmlformats.org/officeDocument/2006/relationships" xmlns:p="http://schemas.openxmlformats.org/presentationml/2006/main" show="0">
   <p:cSld>
     <p:spTree>
@@ -28073,7 +28509,7 @@
 </p:sld>
 </file>
 
-<file path=ppt/slides/slide37.xml><?xml version="1.0" encoding="utf-8"?>
+<file path=ppt/slides/slide38.xml><?xml version="1.0" encoding="utf-8"?>
 <p:sld xmlns:a="http://schemas.openxmlformats.org/drawingml/2006/main" xmlns:r="http://schemas.openxmlformats.org/officeDocument/2006/relationships" xmlns:p="http://schemas.openxmlformats.org/presentationml/2006/main" show="0">
   <p:cSld>
     <p:spTree>
@@ -28284,7 +28720,7 @@
           <a:graphicData uri="http://schemas.openxmlformats.org/presentationml/2006/ole">
             <mc:AlternateContent xmlns:mc="http://schemas.openxmlformats.org/markup-compatibility/2006">
               <mc:Choice xmlns:v="urn:schemas-microsoft-com:vml" Requires="v">
-                <p:oleObj spid="_x0000_s150587" name="Equation" r:id="rId4" imgW="3098800" imgH="457200" progId="Equation.DSMT4">
+                <p:oleObj spid="_x0000_s150594" name="Equation" r:id="rId4" imgW="3098800" imgH="457200" progId="Equation.DSMT4">
                   <p:embed/>
                 </p:oleObj>
               </mc:Choice>
@@ -28345,7 +28781,7 @@
           <a:graphicData uri="http://schemas.openxmlformats.org/presentationml/2006/ole">
             <mc:AlternateContent xmlns:mc="http://schemas.openxmlformats.org/markup-compatibility/2006">
               <mc:Choice xmlns:v="urn:schemas-microsoft-com:vml" Requires="v">
-                <p:oleObj spid="_x0000_s150588" name="Equation" r:id="rId6" imgW="1778000" imgH="304800" progId="Equation.DSMT4">
+                <p:oleObj spid="_x0000_s150595" name="Equation" r:id="rId6" imgW="1778000" imgH="304800" progId="Equation.DSMT4">
                   <p:embed/>
                 </p:oleObj>
               </mc:Choice>
@@ -28391,179 +28827,6 @@
                           </a14:hiddenFill>
                         </a:ext>
                       </a:extLst>
-                    </p:spPr>
-                  </p:pic>
-                </p:oleObj>
-              </mc:Fallback>
-            </mc:AlternateContent>
-          </a:graphicData>
-        </a:graphic>
-      </p:graphicFrame>
-      <p:sp>
-        <p:nvSpPr>
-          <p:cNvPr id="7" name="Rectangle 6"/>
-          <p:cNvSpPr/>
-          <p:nvPr/>
-        </p:nvSpPr>
-        <p:spPr>
-          <a:xfrm>
-            <a:off x="76200" y="2057400"/>
-            <a:ext cx="8915400" cy="2743200"/>
-          </a:xfrm>
-          <a:prstGeom prst="rect">
-            <a:avLst/>
-          </a:prstGeom>
-          <a:noFill/>
-          <a:ln w="44450">
-            <a:solidFill>
-              <a:srgbClr val="0000FF"/>
-            </a:solidFill>
-            <a:prstDash val="sysDash"/>
-          </a:ln>
-        </p:spPr>
-        <p:style>
-          <a:lnRef idx="2">
-            <a:schemeClr val="accent1">
-              <a:shade val="50000"/>
-            </a:schemeClr>
-          </a:lnRef>
-          <a:fillRef idx="1">
-            <a:schemeClr val="accent1"/>
-          </a:fillRef>
-          <a:effectRef idx="0">
-            <a:schemeClr val="accent1"/>
-          </a:effectRef>
-          <a:fontRef idx="minor">
-            <a:schemeClr val="lt1"/>
-          </a:fontRef>
-        </p:style>
-        <p:txBody>
-          <a:bodyPr rtlCol="0" anchor="ctr"/>
-          <a:lstStyle/>
-          <a:p>
-            <a:pPr algn="ctr"/>
-            <a:endParaRPr lang="en-US"/>
-          </a:p>
-        </p:txBody>
-      </p:sp>
-      <p:graphicFrame>
-        <p:nvGraphicFramePr>
-          <p:cNvPr id="8" name="Object 7"/>
-          <p:cNvGraphicFramePr>
-            <a:graphicFrameLocks noChangeAspect="1"/>
-          </p:cNvGraphicFramePr>
-          <p:nvPr>
-            <p:extLst>
-              <p:ext uri="{D42A27DB-BD31-4B8C-83A1-F6EECF244321}">
-                <p14:modId xmlns:p14="http://schemas.microsoft.com/office/powerpoint/2010/main" val="674568753"/>
-              </p:ext>
-            </p:extLst>
-          </p:nvPr>
-        </p:nvGraphicFramePr>
-        <p:xfrm>
-          <a:off x="76200" y="2209800"/>
-          <a:ext cx="8839200" cy="1053679"/>
-        </p:xfrm>
-        <a:graphic>
-          <a:graphicData uri="http://schemas.openxmlformats.org/presentationml/2006/ole">
-            <mc:AlternateContent xmlns:mc="http://schemas.openxmlformats.org/markup-compatibility/2006">
-              <mc:Choice xmlns:v="urn:schemas-microsoft-com:vml" Requires="v">
-                <p:oleObj spid="_x0000_s150589" name="Equation" r:id="rId8" imgW="1917700" imgH="228600" progId="Equation.3">
-                  <p:embed/>
-                </p:oleObj>
-              </mc:Choice>
-              <mc:Fallback>
-                <p:oleObj name="Equation" r:id="rId8" imgW="1917700" imgH="228600" progId="Equation.3">
-                  <p:embed/>
-                  <p:pic>
-                    <p:nvPicPr>
-                      <p:cNvPr id="0" name="Picture 8"/>
-                      <p:cNvPicPr>
-                        <a:picLocks noChangeAspect="1" noChangeArrowheads="1"/>
-                      </p:cNvPicPr>
-                      <p:nvPr/>
-                    </p:nvPicPr>
-                    <p:blipFill>
-                      <a:blip r:embed="rId9"/>
-                      <a:srcRect/>
-                      <a:stretch>
-                        <a:fillRect/>
-                      </a:stretch>
-                    </p:blipFill>
-                    <p:spPr bwMode="auto">
-                      <a:xfrm>
-                        <a:off x="76200" y="2209800"/>
-                        <a:ext cx="8839200" cy="1053679"/>
-                      </a:xfrm>
-                      <a:prstGeom prst="rect">
-                        <a:avLst/>
-                      </a:prstGeom>
-                      <a:solidFill>
-                        <a:srgbClr val="99CCFF"/>
-                      </a:solidFill>
-                    </p:spPr>
-                  </p:pic>
-                </p:oleObj>
-              </mc:Fallback>
-            </mc:AlternateContent>
-          </a:graphicData>
-        </a:graphic>
-      </p:graphicFrame>
-      <p:graphicFrame>
-        <p:nvGraphicFramePr>
-          <p:cNvPr id="9" name="Object 8"/>
-          <p:cNvGraphicFramePr>
-            <a:graphicFrameLocks noChangeAspect="1"/>
-          </p:cNvGraphicFramePr>
-          <p:nvPr/>
-        </p:nvGraphicFramePr>
-        <p:xfrm>
-          <a:off x="623888" y="3482975"/>
-          <a:ext cx="7585075" cy="1241425"/>
-        </p:xfrm>
-        <a:graphic>
-          <a:graphicData uri="http://schemas.openxmlformats.org/presentationml/2006/ole">
-            <mc:AlternateContent xmlns:mc="http://schemas.openxmlformats.org/markup-compatibility/2006">
-              <mc:Choice xmlns:v="urn:schemas-microsoft-com:vml" Requires="v">
-                <p:oleObj spid="_x0000_s150590" name="Equation" r:id="rId10" imgW="1397000" imgH="228600" progId="Equation.DSMT4">
-                  <p:embed/>
-                </p:oleObj>
-              </mc:Choice>
-              <mc:Fallback>
-                <p:oleObj name="Equation" r:id="rId10" imgW="1397000" imgH="228600" progId="Equation.DSMT4">
-                  <p:embed/>
-                  <p:pic>
-                    <p:nvPicPr>
-                      <p:cNvPr id="0" name="Picture 9"/>
-                      <p:cNvPicPr>
-                        <a:picLocks noChangeAspect="1" noChangeArrowheads="1"/>
-                      </p:cNvPicPr>
-                      <p:nvPr/>
-                    </p:nvPicPr>
-                    <p:blipFill>
-                      <a:blip r:embed="rId11">
-                        <a:extLst>
-                          <a:ext uri="{28A0092B-C50C-407E-A947-70E740481C1C}">
-                            <a14:useLocalDpi xmlns:a14="http://schemas.microsoft.com/office/drawing/2010/main" val="0"/>
-                          </a:ext>
-                        </a:extLst>
-                      </a:blip>
-                      <a:srcRect/>
-                      <a:stretch>
-                        <a:fillRect/>
-                      </a:stretch>
-                    </p:blipFill>
-                    <p:spPr bwMode="auto">
-                      <a:xfrm>
-                        <a:off x="623888" y="3482975"/>
-                        <a:ext cx="7585075" cy="1241425"/>
-                      </a:xfrm>
-                      <a:prstGeom prst="rect">
-                        <a:avLst/>
-                      </a:prstGeom>
-                      <a:solidFill>
-                        <a:srgbClr val="99CCFF"/>
-                      </a:solidFill>
                     </p:spPr>
                   </p:pic>
                 </p:oleObj>
@@ -28694,80 +28957,422 @@
                       </p:childTnLst>
                     </p:cTn>
                   </p:par>
+                </p:childTnLst>
+              </p:cTn>
+              <p:prevCondLst>
+                <p:cond evt="onPrev" delay="0">
+                  <p:tgtEl>
+                    <p:sldTgt/>
+                  </p:tgtEl>
+                </p:cond>
+              </p:prevCondLst>
+              <p:nextCondLst>
+                <p:cond evt="onNext" delay="0">
+                  <p:tgtEl>
+                    <p:sldTgt/>
+                  </p:tgtEl>
+                </p:cond>
+              </p:nextCondLst>
+            </p:seq>
+          </p:childTnLst>
+        </p:cTn>
+      </p:par>
+    </p:tnLst>
+  </p:timing>
+</p:sld>
+</file>
+
+<file path=ppt/slides/slide5.xml><?xml version="1.0" encoding="utf-8"?>
+<p:sld xmlns:a="http://schemas.openxmlformats.org/drawingml/2006/main" xmlns:r="http://schemas.openxmlformats.org/officeDocument/2006/relationships" xmlns:p="http://schemas.openxmlformats.org/presentationml/2006/main">
+  <p:cSld>
+    <p:spTree>
+      <p:nvGrpSpPr>
+        <p:cNvPr id="1" name=""/>
+        <p:cNvGrpSpPr/>
+        <p:nvPr/>
+      </p:nvGrpSpPr>
+      <p:grpSpPr>
+        <a:xfrm>
+          <a:off x="0" y="0"/>
+          <a:ext cx="0" cy="0"/>
+          <a:chOff x="0" y="0"/>
+          <a:chExt cx="0" cy="0"/>
+        </a:xfrm>
+      </p:grpSpPr>
+      <p:sp>
+        <p:nvSpPr>
+          <p:cNvPr id="16387" name="Rectangle 2"/>
+          <p:cNvSpPr>
+            <a:spLocks noGrp="1" noChangeArrowheads="1"/>
+          </p:cNvSpPr>
+          <p:nvPr>
+            <p:ph type="title"/>
+          </p:nvPr>
+        </p:nvSpPr>
+        <p:spPr>
+          <a:xfrm>
+            <a:off x="1752600" y="242888"/>
+            <a:ext cx="6248400" cy="1066800"/>
+          </a:xfrm>
+        </p:spPr>
+        <p:txBody>
+          <a:bodyPr/>
+          <a:lstStyle/>
+          <a:p>
+            <a:pPr eaLnBrk="1" hangingPunct="1"/>
+            <a:r>
+              <a:rPr lang="en-US" sz="4800" dirty="0" smtClean="0"/>
+              <a:t>Induction Rule</a:t>
+            </a:r>
+          </a:p>
+        </p:txBody>
+      </p:sp>
+      <p:graphicFrame>
+        <p:nvGraphicFramePr>
+          <p:cNvPr id="10" name="Object 9"/>
+          <p:cNvGraphicFramePr>
+            <a:graphicFrameLocks noChangeAspect="1"/>
+          </p:cNvGraphicFramePr>
+          <p:nvPr/>
+        </p:nvGraphicFramePr>
+        <p:xfrm>
+          <a:off x="442912" y="2133600"/>
+          <a:ext cx="8258175" cy="1219200"/>
+        </p:xfrm>
+        <a:graphic>
+          <a:graphicData uri="http://schemas.openxmlformats.org/presentationml/2006/ole">
+            <mc:AlternateContent xmlns:mc="http://schemas.openxmlformats.org/markup-compatibility/2006">
+              <mc:Choice xmlns:v="urn:schemas-microsoft-com:vml" Requires="v">
+                <p:oleObj spid="_x0000_s421893" name="Equation" r:id="rId4" imgW="3098800" imgH="457200" progId="Equation.DSMT4">
+                  <p:embed/>
+                </p:oleObj>
+              </mc:Choice>
+              <mc:Fallback>
+                <p:oleObj name="Equation" r:id="rId4" imgW="3098800" imgH="457200" progId="Equation.DSMT4">
+                  <p:embed/>
+                  <p:pic>
+                    <p:nvPicPr>
+                      <p:cNvPr id="0" name=""/>
+                      <p:cNvPicPr>
+                        <a:picLocks noChangeAspect="1" noChangeArrowheads="1"/>
+                      </p:cNvPicPr>
+                      <p:nvPr/>
+                    </p:nvPicPr>
+                    <p:blipFill>
+                      <a:blip r:embed="rId5">
+                        <a:extLst>
+                          <a:ext uri="{28A0092B-C50C-407E-A947-70E740481C1C}">
+                            <a14:useLocalDpi xmlns:a14="http://schemas.microsoft.com/office/drawing/2010/main" val="0"/>
+                          </a:ext>
+                        </a:extLst>
+                      </a:blip>
+                      <a:srcRect/>
+                      <a:stretch>
+                        <a:fillRect/>
+                      </a:stretch>
+                    </p:blipFill>
+                    <p:spPr bwMode="auto">
+                      <a:xfrm>
+                        <a:off x="442912" y="2133600"/>
+                        <a:ext cx="8258175" cy="1219200"/>
+                      </a:xfrm>
+                      <a:prstGeom prst="rect">
+                        <a:avLst/>
+                      </a:prstGeom>
+                      <a:noFill/>
+                    </p:spPr>
+                  </p:pic>
+                </p:oleObj>
+              </mc:Fallback>
+            </mc:AlternateContent>
+          </a:graphicData>
+        </a:graphic>
+      </p:graphicFrame>
+      <p:graphicFrame>
+        <p:nvGraphicFramePr>
+          <p:cNvPr id="23555" name="Object 3"/>
+          <p:cNvGraphicFramePr>
+            <a:graphicFrameLocks noChangeAspect="1"/>
+          </p:cNvGraphicFramePr>
+          <p:nvPr/>
+        </p:nvGraphicFramePr>
+        <p:xfrm>
+          <a:off x="1143000" y="3276600"/>
+          <a:ext cx="6887698" cy="1181100"/>
+        </p:xfrm>
+        <a:graphic>
+          <a:graphicData uri="http://schemas.openxmlformats.org/presentationml/2006/ole">
+            <mc:AlternateContent xmlns:mc="http://schemas.openxmlformats.org/markup-compatibility/2006">
+              <mc:Choice xmlns:v="urn:schemas-microsoft-com:vml" Requires="v">
+                <p:oleObj spid="_x0000_s421894" name="Equation" r:id="rId6" imgW="1778000" imgH="304800" progId="Equation.DSMT4">
+                  <p:embed/>
+                </p:oleObj>
+              </mc:Choice>
+              <mc:Fallback>
+                <p:oleObj name="Equation" r:id="rId6" imgW="1778000" imgH="304800" progId="Equation.DSMT4">
+                  <p:embed/>
+                  <p:pic>
+                    <p:nvPicPr>
+                      <p:cNvPr id="0" name=""/>
+                      <p:cNvPicPr>
+                        <a:picLocks noChangeAspect="1" noChangeArrowheads="1"/>
+                      </p:cNvPicPr>
+                      <p:nvPr/>
+                    </p:nvPicPr>
+                    <p:blipFill>
+                      <a:blip r:embed="rId7">
+                        <a:extLst>
+                          <a:ext uri="{28A0092B-C50C-407E-A947-70E740481C1C}">
+                            <a14:useLocalDpi xmlns:a14="http://schemas.microsoft.com/office/drawing/2010/main" val="0"/>
+                          </a:ext>
+                        </a:extLst>
+                      </a:blip>
+                      <a:srcRect/>
+                      <a:stretch>
+                        <a:fillRect/>
+                      </a:stretch>
+                    </p:blipFill>
+                    <p:spPr bwMode="auto">
+                      <a:xfrm>
+                        <a:off x="1143000" y="3276600"/>
+                        <a:ext cx="6887698" cy="1181100"/>
+                      </a:xfrm>
+                      <a:prstGeom prst="rect">
+                        <a:avLst/>
+                      </a:prstGeom>
+                      <a:noFill/>
+                      <a:extLst>
+                        <a:ext uri="{909E8E84-426E-40dd-AFC4-6F175D3DCCD1}">
+                          <a14:hiddenFill xmlns:a14="http://schemas.microsoft.com/office/drawing/2010/main">
+                            <a:solidFill>
+                              <a:srgbClr val="FFFFFF"/>
+                            </a:solidFill>
+                          </a14:hiddenFill>
+                        </a:ext>
+                      </a:extLst>
+                    </p:spPr>
+                  </p:pic>
+                </p:oleObj>
+              </mc:Fallback>
+            </mc:AlternateContent>
+          </a:graphicData>
+        </a:graphic>
+      </p:graphicFrame>
+      <p:sp>
+        <p:nvSpPr>
+          <p:cNvPr id="7" name="Rectangle 6"/>
+          <p:cNvSpPr/>
+          <p:nvPr/>
+        </p:nvSpPr>
+        <p:spPr>
+          <a:xfrm>
+            <a:off x="76200" y="2057400"/>
+            <a:ext cx="8915400" cy="2743200"/>
+          </a:xfrm>
+          <a:prstGeom prst="rect">
+            <a:avLst/>
+          </a:prstGeom>
+          <a:noFill/>
+          <a:ln w="44450">
+            <a:solidFill>
+              <a:srgbClr val="0000FF"/>
+            </a:solidFill>
+            <a:prstDash val="sysDash"/>
+          </a:ln>
+        </p:spPr>
+        <p:style>
+          <a:lnRef idx="2">
+            <a:schemeClr val="accent1">
+              <a:shade val="50000"/>
+            </a:schemeClr>
+          </a:lnRef>
+          <a:fillRef idx="1">
+            <a:schemeClr val="accent1"/>
+          </a:fillRef>
+          <a:effectRef idx="0">
+            <a:schemeClr val="accent1"/>
+          </a:effectRef>
+          <a:fontRef idx="minor">
+            <a:schemeClr val="lt1"/>
+          </a:fontRef>
+        </p:style>
+        <p:txBody>
+          <a:bodyPr rtlCol="0" anchor="ctr"/>
+          <a:lstStyle/>
+          <a:p>
+            <a:pPr algn="ctr"/>
+            <a:endParaRPr lang="en-US"/>
+          </a:p>
+        </p:txBody>
+      </p:sp>
+      <p:graphicFrame>
+        <p:nvGraphicFramePr>
+          <p:cNvPr id="8" name="Object 7"/>
+          <p:cNvGraphicFramePr>
+            <a:graphicFrameLocks noChangeAspect="1"/>
+          </p:cNvGraphicFramePr>
+          <p:nvPr>
+            <p:extLst>
+              <p:ext uri="{D42A27DB-BD31-4B8C-83A1-F6EECF244321}">
+                <p14:modId xmlns:p14="http://schemas.microsoft.com/office/powerpoint/2010/main" val="2786042415"/>
+              </p:ext>
+            </p:extLst>
+          </p:nvPr>
+        </p:nvGraphicFramePr>
+        <p:xfrm>
+          <a:off x="152400" y="2209801"/>
+          <a:ext cx="8763000" cy="1044596"/>
+        </p:xfrm>
+        <a:graphic>
+          <a:graphicData uri="http://schemas.openxmlformats.org/presentationml/2006/ole">
+            <mc:AlternateContent xmlns:mc="http://schemas.openxmlformats.org/markup-compatibility/2006">
+              <mc:Choice xmlns:v="urn:schemas-microsoft-com:vml" Requires="v">
+                <p:oleObj spid="_x0000_s421895" name="Equation" r:id="rId8" imgW="1917700" imgH="228600" progId="Equation.3">
+                  <p:embed/>
+                </p:oleObj>
+              </mc:Choice>
+              <mc:Fallback>
+                <p:oleObj name="Equation" r:id="rId8" imgW="1917700" imgH="228600" progId="Equation.3">
+                  <p:embed/>
+                  <p:pic>
+                    <p:nvPicPr>
+                      <p:cNvPr id="0" name=""/>
+                      <p:cNvPicPr>
+                        <a:picLocks noChangeAspect="1" noChangeArrowheads="1"/>
+                      </p:cNvPicPr>
+                      <p:nvPr/>
+                    </p:nvPicPr>
+                    <p:blipFill>
+                      <a:blip r:embed="rId9"/>
+                      <a:srcRect/>
+                      <a:stretch>
+                        <a:fillRect/>
+                      </a:stretch>
+                    </p:blipFill>
+                    <p:spPr bwMode="auto">
+                      <a:xfrm>
+                        <a:off x="152400" y="2209801"/>
+                        <a:ext cx="8763000" cy="1044596"/>
+                      </a:xfrm>
+                      <a:prstGeom prst="rect">
+                        <a:avLst/>
+                      </a:prstGeom>
+                      <a:solidFill>
+                        <a:srgbClr val="99CCFF"/>
+                      </a:solidFill>
+                    </p:spPr>
+                  </p:pic>
+                </p:oleObj>
+              </mc:Fallback>
+            </mc:AlternateContent>
+          </a:graphicData>
+        </a:graphic>
+      </p:graphicFrame>
+      <p:graphicFrame>
+        <p:nvGraphicFramePr>
+          <p:cNvPr id="9" name="Object 8"/>
+          <p:cNvGraphicFramePr>
+            <a:graphicFrameLocks noChangeAspect="1"/>
+          </p:cNvGraphicFramePr>
+          <p:nvPr/>
+        </p:nvGraphicFramePr>
+        <p:xfrm>
+          <a:off x="623888" y="3482975"/>
+          <a:ext cx="7585075" cy="1241425"/>
+        </p:xfrm>
+        <a:graphic>
+          <a:graphicData uri="http://schemas.openxmlformats.org/presentationml/2006/ole">
+            <mc:AlternateContent xmlns:mc="http://schemas.openxmlformats.org/markup-compatibility/2006">
+              <mc:Choice xmlns:v="urn:schemas-microsoft-com:vml" Requires="v">
+                <p:oleObj spid="_x0000_s421896" name="Equation" r:id="rId10" imgW="1397000" imgH="228600" progId="Equation.DSMT4">
+                  <p:embed/>
+                </p:oleObj>
+              </mc:Choice>
+              <mc:Fallback>
+                <p:oleObj name="Equation" r:id="rId10" imgW="1397000" imgH="228600" progId="Equation.DSMT4">
+                  <p:embed/>
+                  <p:pic>
+                    <p:nvPicPr>
+                      <p:cNvPr id="0" name=""/>
+                      <p:cNvPicPr>
+                        <a:picLocks noChangeAspect="1" noChangeArrowheads="1"/>
+                      </p:cNvPicPr>
+                      <p:nvPr/>
+                    </p:nvPicPr>
+                    <p:blipFill>
+                      <a:blip r:embed="rId11">
+                        <a:extLst>
+                          <a:ext uri="{28A0092B-C50C-407E-A947-70E740481C1C}">
+                            <a14:useLocalDpi xmlns:a14="http://schemas.microsoft.com/office/drawing/2010/main" val="0"/>
+                          </a:ext>
+                        </a:extLst>
+                      </a:blip>
+                      <a:srcRect/>
+                      <a:stretch>
+                        <a:fillRect/>
+                      </a:stretch>
+                    </p:blipFill>
+                    <p:spPr bwMode="auto">
+                      <a:xfrm>
+                        <a:off x="623888" y="3482975"/>
+                        <a:ext cx="7585075" cy="1241425"/>
+                      </a:xfrm>
+                      <a:prstGeom prst="rect">
+                        <a:avLst/>
+                      </a:prstGeom>
+                      <a:solidFill>
+                        <a:srgbClr val="99CCFF"/>
+                      </a:solidFill>
+                    </p:spPr>
+                  </p:pic>
+                </p:oleObj>
+              </mc:Fallback>
+            </mc:AlternateContent>
+          </a:graphicData>
+        </a:graphic>
+      </p:graphicFrame>
+    </p:spTree>
+    <p:extLst>
+      <p:ext uri="{BB962C8B-B14F-4D97-AF65-F5344CB8AC3E}">
+        <p14:creationId xmlns:p14="http://schemas.microsoft.com/office/powerpoint/2010/main" val="1098872117"/>
+      </p:ext>
+    </p:extLst>
+  </p:cSld>
+  <p:clrMapOvr>
+    <a:masterClrMapping/>
+  </p:clrMapOvr>
+  <p:transition xmlns:p14="http://schemas.microsoft.com/office/powerpoint/2010/main">
+    <p:fade thruBlk="1"/>
+  </p:transition>
+  <p:timing>
+    <p:tnLst>
+      <p:par>
+        <p:cTn xmlns:p14="http://schemas.microsoft.com/office/powerpoint/2010/main" id="1" dur="indefinite" restart="never" nodeType="tmRoot">
+          <p:childTnLst>
+            <p:seq concurrent="1" nextAc="seek">
+              <p:cTn id="2" dur="indefinite" nodeType="mainSeq">
+                <p:childTnLst>
                   <p:par>
-                    <p:cTn id="13" fill="hold">
+                    <p:cTn id="3" fill="hold">
                       <p:stCondLst>
                         <p:cond delay="indefinite"/>
                       </p:stCondLst>
                       <p:childTnLst>
                         <p:par>
-                          <p:cTn id="14" fill="hold">
+                          <p:cTn id="4" fill="hold">
                             <p:stCondLst>
                               <p:cond delay="0"/>
                             </p:stCondLst>
                             <p:childTnLst>
                               <p:par>
-                                <p:cTn id="15" presetID="10" presetClass="entr" presetSubtype="0" fill="hold" nodeType="clickEffect">
+                                <p:cTn id="5" presetID="10" presetClass="entr" presetSubtype="0" fill="hold" nodeType="clickEffect">
                                   <p:stCondLst>
                                     <p:cond delay="0"/>
                                   </p:stCondLst>
                                   <p:childTnLst>
                                     <p:set>
                                       <p:cBhvr>
-                                        <p:cTn id="16" dur="1" fill="hold">
-                                          <p:stCondLst>
-                                            <p:cond delay="0"/>
-                                          </p:stCondLst>
-                                        </p:cTn>
-                                        <p:tgtEl>
-                                          <p:spTgt spid="8"/>
-                                        </p:tgtEl>
-                                        <p:attrNameLst>
-                                          <p:attrName>style.visibility</p:attrName>
-                                        </p:attrNameLst>
-                                      </p:cBhvr>
-                                      <p:to>
-                                        <p:strVal val="visible"/>
-                                      </p:to>
-                                    </p:set>
-                                    <p:animEffect transition="in" filter="fade">
-                                      <p:cBhvr>
-                                        <p:cTn id="17" dur="500"/>
-                                        <p:tgtEl>
-                                          <p:spTgt spid="8"/>
-                                        </p:tgtEl>
-                                      </p:cBhvr>
-                                    </p:animEffect>
-                                  </p:childTnLst>
-                                </p:cTn>
-                              </p:par>
-                            </p:childTnLst>
-                          </p:cTn>
-                        </p:par>
-                      </p:childTnLst>
-                    </p:cTn>
-                  </p:par>
-                  <p:par>
-                    <p:cTn id="18" fill="hold">
-                      <p:stCondLst>
-                        <p:cond delay="indefinite"/>
-                      </p:stCondLst>
-                      <p:childTnLst>
-                        <p:par>
-                          <p:cTn id="19" fill="hold">
-                            <p:stCondLst>
-                              <p:cond delay="0"/>
-                            </p:stCondLst>
-                            <p:childTnLst>
-                              <p:par>
-                                <p:cTn id="20" presetID="10" presetClass="entr" presetSubtype="0" fill="hold" nodeType="clickEffect">
-                                  <p:stCondLst>
-                                    <p:cond delay="0"/>
-                                  </p:stCondLst>
-                                  <p:childTnLst>
-                                    <p:set>
-                                      <p:cBhvr>
-                                        <p:cTn id="21" dur="1" fill="hold">
+                                        <p:cTn id="6" dur="1" fill="hold">
                                           <p:stCondLst>
                                             <p:cond delay="0"/>
                                           </p:stCondLst>
@@ -28785,7 +29390,7 @@
                                     </p:set>
                                     <p:animEffect transition="in" filter="fade">
                                       <p:cBhvr>
-                                        <p:cTn id="22" dur="500"/>
+                                        <p:cTn id="7" dur="500"/>
                                         <p:tgtEl>
                                           <p:spTgt spid="9"/>
                                         </p:tgtEl>
@@ -28798,20 +29403,20 @@
                           </p:cTn>
                         </p:par>
                         <p:par>
-                          <p:cTn id="23" fill="hold">
+                          <p:cTn id="8" fill="hold">
                             <p:stCondLst>
                               <p:cond delay="500"/>
                             </p:stCondLst>
                             <p:childTnLst>
                               <p:par>
-                                <p:cTn id="24" presetID="15" presetClass="entr" presetSubtype="0" fill="hold" grpId="0" nodeType="afterEffect">
+                                <p:cTn id="9" presetID="15" presetClass="entr" presetSubtype="0" fill="hold" grpId="0" nodeType="afterEffect">
                                   <p:stCondLst>
                                     <p:cond delay="0"/>
                                   </p:stCondLst>
                                   <p:childTnLst>
                                     <p:set>
                                       <p:cBhvr>
-                                        <p:cTn id="25" dur="1" fill="hold">
+                                        <p:cTn id="10" dur="1" fill="hold">
                                           <p:stCondLst>
                                             <p:cond delay="0"/>
                                           </p:stCondLst>
@@ -28829,7 +29434,7 @@
                                     </p:set>
                                     <p:anim calcmode="lin" valueType="num">
                                       <p:cBhvr>
-                                        <p:cTn id="26" dur="1000" fill="hold"/>
+                                        <p:cTn id="11" dur="1000" fill="hold"/>
                                         <p:tgtEl>
                                           <p:spTgt spid="7"/>
                                         </p:tgtEl>
@@ -28852,7 +29457,7 @@
                                     </p:anim>
                                     <p:anim calcmode="lin" valueType="num">
                                       <p:cBhvr>
-                                        <p:cTn id="27" dur="1000" fill="hold"/>
+                                        <p:cTn id="12" dur="1000" fill="hold"/>
                                         <p:tgtEl>
                                           <p:spTgt spid="7"/>
                                         </p:tgtEl>
@@ -28875,7 +29480,7 @@
                                     </p:anim>
                                     <p:anim calcmode="lin" valueType="num">
                                       <p:cBhvr>
-                                        <p:cTn id="28" dur="1000" fill="hold"/>
+                                        <p:cTn id="13" dur="1000" fill="hold"/>
                                         <p:tgtEl>
                                           <p:spTgt spid="7"/>
                                         </p:tgtEl>
@@ -28898,7 +29503,7 @@
                                     </p:anim>
                                     <p:anim calcmode="lin" valueType="num">
                                       <p:cBhvr>
-                                        <p:cTn id="29" dur="1000" fill="hold"/>
+                                        <p:cTn id="14" dur="1000" fill="hold"/>
                                         <p:tgtEl>
                                           <p:spTgt spid="7"/>
                                         </p:tgtEl>
@@ -28956,7 +29561,7 @@
 </p:sld>
 </file>
 
-<file path=ppt/slides/slide5.xml><?xml version="1.0" encoding="utf-8"?>
+<file path=ppt/slides/slide6.xml><?xml version="1.0" encoding="utf-8"?>
 <p:sld xmlns:a="http://schemas.openxmlformats.org/drawingml/2006/main" xmlns:r="http://schemas.openxmlformats.org/officeDocument/2006/relationships" xmlns:p="http://schemas.openxmlformats.org/presentationml/2006/main">
   <p:cSld>
     <p:spTree>
@@ -29039,7 +29644,7 @@
 </p:sld>
 </file>
 
-<file path=ppt/slides/slide6.xml><?xml version="1.0" encoding="utf-8"?>
+<file path=ppt/slides/slide7.xml><?xml version="1.0" encoding="utf-8"?>
 <p:sld xmlns:a="http://schemas.openxmlformats.org/drawingml/2006/main" xmlns:r="http://schemas.openxmlformats.org/officeDocument/2006/relationships" xmlns:p="http://schemas.openxmlformats.org/presentationml/2006/main">
   <p:cSld>
     <p:spTree>
@@ -29136,7 +29741,7 @@
           <a:graphicData uri="http://schemas.openxmlformats.org/presentationml/2006/ole">
             <mc:AlternateContent xmlns:mc="http://schemas.openxmlformats.org/markup-compatibility/2006">
               <mc:Choice xmlns:v="urn:schemas-microsoft-com:vml" Requires="v">
-                <p:oleObj spid="_x0000_s33826" name="Equation" r:id="rId4" imgW="3022600" imgH="787400" progId="Equation.3">
+                <p:oleObj spid="_x0000_s33831" name="Equation" r:id="rId4" imgW="3022600" imgH="787400" progId="Equation.3">
                   <p:embed/>
                 </p:oleObj>
               </mc:Choice>
@@ -29223,7 +29828,7 @@
           <a:graphicData uri="http://schemas.openxmlformats.org/presentationml/2006/ole">
             <mc:AlternateContent xmlns:mc="http://schemas.openxmlformats.org/markup-compatibility/2006">
               <mc:Choice xmlns:v="urn:schemas-microsoft-com:vml" Requires="v">
-                <p:oleObj spid="_x0000_s33827" name="Equation" r:id="rId6" imgW="114300" imgH="165100" progId="Equation.DSMT4">
+                <p:oleObj spid="_x0000_s33832" name="Equation" r:id="rId6" imgW="114300" imgH="165100" progId="Equation.DSMT4">
                   <p:embed/>
                 </p:oleObj>
               </mc:Choice>
@@ -29535,7 +30140,7 @@
 </p:sld>
 </file>
 
-<file path=ppt/slides/slide7.xml><?xml version="1.0" encoding="utf-8"?>
+<file path=ppt/slides/slide8.xml><?xml version="1.0" encoding="utf-8"?>
 <p:sld xmlns:a="http://schemas.openxmlformats.org/drawingml/2006/main" xmlns:r="http://schemas.openxmlformats.org/officeDocument/2006/relationships" xmlns:p="http://schemas.openxmlformats.org/presentationml/2006/main">
   <p:cSld>
     <p:spTree>
@@ -29704,7 +30309,7 @@
           <a:graphicData uri="http://schemas.openxmlformats.org/presentationml/2006/ole">
             <mc:AlternateContent xmlns:mc="http://schemas.openxmlformats.org/markup-compatibility/2006">
               <mc:Choice xmlns:v="urn:schemas-microsoft-com:vml" Requires="v">
-                <p:oleObj spid="_x0000_s1057" name="Equation" r:id="rId4" imgW="914400" imgH="198720" progId="Equation.DSMT4">
+                <p:oleObj spid="_x0000_s1062" name="Equation" r:id="rId4" imgW="914400" imgH="198720" progId="Equation.DSMT4">
                   <p:embed/>
                 </p:oleObj>
               </mc:Choice>
@@ -29810,7 +30415,7 @@
           <a:graphicData uri="http://schemas.openxmlformats.org/presentationml/2006/ole">
             <mc:AlternateContent xmlns:mc="http://schemas.openxmlformats.org/markup-compatibility/2006">
               <mc:Choice xmlns:v="urn:schemas-microsoft-com:vml" Requires="v">
-                <p:oleObj spid="_x0000_s1058" name="Equation" r:id="rId6" imgW="3022600" imgH="787400" progId="Equation.3">
+                <p:oleObj spid="_x0000_s1063" name="Equation" r:id="rId6" imgW="3022600" imgH="787400" progId="Equation.3">
                   <p:embed/>
                 </p:oleObj>
               </mc:Choice>
@@ -30128,7 +30733,7 @@
 </p:sld>
 </file>
 
-<file path=ppt/slides/slide8.xml><?xml version="1.0" encoding="utf-8"?>
+<file path=ppt/slides/slide9.xml><?xml version="1.0" encoding="utf-8"?>
 <p:sld xmlns:a="http://schemas.openxmlformats.org/drawingml/2006/main" xmlns:r="http://schemas.openxmlformats.org/officeDocument/2006/relationships" xmlns:p="http://schemas.openxmlformats.org/presentationml/2006/main">
   <p:cSld>
     <p:spTree>
@@ -30259,7 +30864,7 @@
           <a:graphicData uri="http://schemas.openxmlformats.org/presentationml/2006/ole">
             <mc:AlternateContent xmlns:mc="http://schemas.openxmlformats.org/markup-compatibility/2006">
               <mc:Choice xmlns:v="urn:schemas-microsoft-com:vml" Requires="v">
-                <p:oleObj spid="_x0000_s2081" name="Equation" r:id="rId4" imgW="609480" imgH="393480" progId="Equation.DSMT4">
+                <p:oleObj spid="_x0000_s2086" name="Equation" r:id="rId4" imgW="609480" imgH="393480" progId="Equation.DSMT4">
                   <p:embed/>
                 </p:oleObj>
               </mc:Choice>
@@ -30335,7 +30940,7 @@
           <a:graphicData uri="http://schemas.openxmlformats.org/presentationml/2006/ole">
             <mc:AlternateContent xmlns:mc="http://schemas.openxmlformats.org/markup-compatibility/2006">
               <mc:Choice xmlns:v="urn:schemas-microsoft-com:vml" Requires="v">
-                <p:oleObj spid="_x0000_s2082" name="Equation" r:id="rId6" imgW="1689100" imgH="495300" progId="Equation.3">
+                <p:oleObj spid="_x0000_s2087" name="Equation" r:id="rId6" imgW="1689100" imgH="495300" progId="Equation.3">
                   <p:embed/>
                 </p:oleObj>
               </mc:Choice>
@@ -30878,353 +31483,6 @@
     <p:bldLst>
       <p:bldP spid="12" grpId="0"/>
     </p:bldLst>
-  </p:timing>
-</p:sld>
-</file>
-
-<file path=ppt/slides/slide9.xml><?xml version="1.0" encoding="utf-8"?>
-<p:sld xmlns:a="http://schemas.openxmlformats.org/drawingml/2006/main" xmlns:r="http://schemas.openxmlformats.org/officeDocument/2006/relationships" xmlns:p="http://schemas.openxmlformats.org/presentationml/2006/main">
-  <p:cSld>
-    <p:spTree>
-      <p:nvGrpSpPr>
-        <p:cNvPr id="1" name=""/>
-        <p:cNvGrpSpPr/>
-        <p:nvPr/>
-      </p:nvGrpSpPr>
-      <p:grpSpPr>
-        <a:xfrm>
-          <a:off x="0" y="0"/>
-          <a:ext cx="0" cy="0"/>
-          <a:chOff x="0" y="0"/>
-          <a:chExt cx="0" cy="0"/>
-        </a:xfrm>
-      </p:grpSpPr>
-      <p:sp>
-        <p:nvSpPr>
-          <p:cNvPr id="4100" name="Rectangle 3"/>
-          <p:cNvSpPr>
-            <a:spLocks noGrp="1" noChangeArrowheads="1"/>
-          </p:cNvSpPr>
-          <p:nvPr>
-            <p:ph type="body" idx="1"/>
-          </p:nvPr>
-        </p:nvSpPr>
-        <p:spPr>
-          <a:xfrm>
-            <a:off x="533400" y="1473200"/>
-            <a:ext cx="7939088" cy="1879600"/>
-          </a:xfrm>
-        </p:spPr>
-        <p:txBody>
-          <a:bodyPr/>
-          <a:lstStyle/>
-          <a:p>
-            <a:pPr eaLnBrk="1" hangingPunct="1"/>
-            <a:r>
-              <a:rPr lang="en-US" sz="4400" dirty="0" smtClean="0">
-                <a:solidFill>
-                  <a:srgbClr val="FF33CC"/>
-                </a:solidFill>
-              </a:rPr>
-              <a:t>Inductive Step: Assume </a:t>
-            </a:r>
-            <a:r>
-              <a:rPr lang="en-US" sz="4400" dirty="0" smtClean="0">
-                <a:solidFill>
-                  <a:srgbClr val="0000FF"/>
-                </a:solidFill>
-              </a:rPr>
-              <a:t>P</a:t>
-            </a:r>
-            <a:r>
-              <a:rPr lang="en-US" sz="4400" dirty="0" smtClean="0"/>
-              <a:t>(</a:t>
-            </a:r>
-            <a:r>
-              <a:rPr lang="en-US" sz="4400" dirty="0" smtClean="0">
-                <a:solidFill>
-                  <a:srgbClr val="009900"/>
-                </a:solidFill>
-              </a:rPr>
-              <a:t>n</a:t>
-            </a:r>
-            <a:r>
-              <a:rPr lang="en-US" sz="4400" dirty="0" smtClean="0"/>
-              <a:t>)</a:t>
-            </a:r>
-            <a:r>
-              <a:rPr lang="en-US" sz="4400" dirty="0" smtClean="0">
-                <a:solidFill>
-                  <a:srgbClr val="009900"/>
-                </a:solidFill>
-              </a:rPr>
-              <a:t> </a:t>
-            </a:r>
-          </a:p>
-          <a:p>
-            <a:pPr eaLnBrk="1" hangingPunct="1"/>
-            <a:r>
-              <a:rPr lang="en-US" sz="4400" dirty="0" smtClean="0">
-                <a:solidFill>
-                  <a:srgbClr val="FF33CC"/>
-                </a:solidFill>
-              </a:rPr>
-              <a:t>where </a:t>
-            </a:r>
-            <a:r>
-              <a:rPr lang="en-US" sz="4400" dirty="0" smtClean="0">
-                <a:solidFill>
-                  <a:srgbClr val="009900"/>
-                </a:solidFill>
-              </a:rPr>
-              <a:t>n </a:t>
-            </a:r>
-            <a:r>
-              <a:rPr lang="en-US" sz="4400" b="1" dirty="0" smtClean="0">
-                <a:latin typeface="Symbol" charset="2"/>
-                <a:cs typeface="Symbol" charset="2"/>
-                <a:sym typeface="Symbol" pitchFamily="18" charset="2"/>
-              </a:rPr>
-              <a:t>≥</a:t>
-            </a:r>
-            <a:r>
-              <a:rPr lang="en-US" sz="4400" dirty="0" smtClean="0">
-                <a:sym typeface="Symbol" pitchFamily="18" charset="2"/>
-              </a:rPr>
-              <a:t> </a:t>
-            </a:r>
-            <a:r>
-              <a:rPr lang="en-US" sz="4400" dirty="0" smtClean="0"/>
-              <a:t>0  </a:t>
-            </a:r>
-            <a:r>
-              <a:rPr lang="en-US" sz="4400" dirty="0" smtClean="0">
-                <a:solidFill>
-                  <a:srgbClr val="FF33CC"/>
-                </a:solidFill>
-              </a:rPr>
-              <a:t>and prove </a:t>
-            </a:r>
-            <a:r>
-              <a:rPr lang="en-US" sz="4400" dirty="0" smtClean="0">
-                <a:solidFill>
-                  <a:srgbClr val="0000FF"/>
-                </a:solidFill>
-              </a:rPr>
-              <a:t>P</a:t>
-            </a:r>
-            <a:r>
-              <a:rPr lang="en-US" sz="4400" dirty="0" smtClean="0"/>
-              <a:t>(</a:t>
-            </a:r>
-            <a:r>
-              <a:rPr lang="en-US" sz="4400" dirty="0" smtClean="0">
-                <a:solidFill>
-                  <a:srgbClr val="009900"/>
-                </a:solidFill>
-              </a:rPr>
-              <a:t>n+1</a:t>
-            </a:r>
-            <a:r>
-              <a:rPr lang="en-US" sz="4400" dirty="0" smtClean="0"/>
-              <a:t>)</a:t>
-            </a:r>
-            <a:r>
-              <a:rPr lang="en-US" sz="4400" dirty="0" smtClean="0">
-                <a:solidFill>
-                  <a:srgbClr val="FF33CC"/>
-                </a:solidFill>
-              </a:rPr>
-              <a:t>:</a:t>
-            </a:r>
-          </a:p>
-        </p:txBody>
-      </p:sp>
-      <p:sp>
-        <p:nvSpPr>
-          <p:cNvPr id="6" name="Rectangle 5"/>
-          <p:cNvSpPr>
-            <a:spLocks noGrp="1" noChangeArrowheads="1"/>
-          </p:cNvSpPr>
-          <p:nvPr>
-            <p:ph type="title"/>
-          </p:nvPr>
-        </p:nvSpPr>
-        <p:spPr/>
-        <p:txBody>
-          <a:bodyPr>
-            <a:normAutofit/>
-          </a:bodyPr>
-          <a:lstStyle/>
-          <a:p>
-            <a:pPr eaLnBrk="1" hangingPunct="1"/>
-            <a:r>
-              <a:rPr lang="en-US" sz="4000" dirty="0" smtClean="0"/>
-              <a:t>Example Induction Proof</a:t>
-            </a:r>
-          </a:p>
-        </p:txBody>
-      </p:sp>
-      <p:graphicFrame>
-        <p:nvGraphicFramePr>
-          <p:cNvPr id="2" name="Object 3"/>
-          <p:cNvGraphicFramePr>
-            <a:graphicFrameLocks noChangeAspect="1"/>
-          </p:cNvGraphicFramePr>
-          <p:nvPr>
-            <p:extLst>
-              <p:ext uri="{D42A27DB-BD31-4B8C-83A1-F6EECF244321}">
-                <p14:modId xmlns:p14="http://schemas.microsoft.com/office/powerpoint/2010/main" val="1656405391"/>
-              </p:ext>
-            </p:extLst>
-          </p:nvPr>
-        </p:nvGraphicFramePr>
-        <p:xfrm>
-          <a:off x="814388" y="3276600"/>
-          <a:ext cx="7378700" cy="1752600"/>
-        </p:xfrm>
-        <a:graphic>
-          <a:graphicData uri="http://schemas.openxmlformats.org/presentationml/2006/ole">
-            <mc:AlternateContent xmlns:mc="http://schemas.openxmlformats.org/markup-compatibility/2006">
-              <mc:Choice xmlns:v="urn:schemas-microsoft-com:vml" Requires="v">
-                <p:oleObj spid="_x0000_s4117" name="Equation" r:id="rId4" imgW="1816100" imgH="431800" progId="Equation.3">
-                  <p:embed/>
-                </p:oleObj>
-              </mc:Choice>
-              <mc:Fallback>
-                <p:oleObj name="Equation" r:id="rId4" imgW="1816100" imgH="431800" progId="Equation.3">
-                  <p:embed/>
-                  <p:pic>
-                    <p:nvPicPr>
-                      <p:cNvPr id="0" name="Picture 3"/>
-                      <p:cNvPicPr>
-                        <a:picLocks noChangeAspect="1" noChangeArrowheads="1"/>
-                      </p:cNvPicPr>
-                      <p:nvPr/>
-                    </p:nvPicPr>
-                    <p:blipFill>
-                      <a:blip r:embed="rId5"/>
-                      <a:srcRect/>
-                      <a:stretch>
-                        <a:fillRect/>
-                      </a:stretch>
-                    </p:blipFill>
-                    <p:spPr bwMode="auto">
-                      <a:xfrm>
-                        <a:off x="814388" y="3276600"/>
-                        <a:ext cx="7378700" cy="1752600"/>
-                      </a:xfrm>
-                      <a:prstGeom prst="rect">
-                        <a:avLst/>
-                      </a:prstGeom>
-                      <a:noFill/>
-                      <a:extLst>
-                        <a:ext uri="{909E8E84-426E-40dd-AFC4-6F175D3DCCD1}">
-                          <a14:hiddenFill xmlns:a14="http://schemas.microsoft.com/office/drawing/2010/main">
-                            <a:solidFill>
-                              <a:srgbClr val="FFFFFF"/>
-                            </a:solidFill>
-                          </a14:hiddenFill>
-                        </a:ext>
-                      </a:extLst>
-                    </p:spPr>
-                  </p:pic>
-                </p:oleObj>
-              </mc:Fallback>
-            </mc:AlternateContent>
-          </a:graphicData>
-        </a:graphic>
-      </p:graphicFrame>
-    </p:spTree>
-  </p:cSld>
-  <p:clrMapOvr>
-    <a:masterClrMapping/>
-  </p:clrMapOvr>
-  <p:transition xmlns:p14="http://schemas.microsoft.com/office/powerpoint/2010/main">
-    <p:fade thruBlk="1"/>
-  </p:transition>
-  <p:timing>
-    <p:tnLst>
-      <p:par>
-        <p:cTn xmlns:p14="http://schemas.microsoft.com/office/powerpoint/2010/main" id="1" dur="indefinite" restart="never" nodeType="tmRoot">
-          <p:childTnLst>
-            <p:seq concurrent="1" nextAc="seek">
-              <p:cTn id="2" dur="indefinite" nodeType="mainSeq">
-                <p:childTnLst>
-                  <p:par>
-                    <p:cTn id="3" fill="hold">
-                      <p:stCondLst>
-                        <p:cond delay="indefinite"/>
-                      </p:stCondLst>
-                      <p:childTnLst>
-                        <p:par>
-                          <p:cTn id="4" fill="hold">
-                            <p:stCondLst>
-                              <p:cond delay="0"/>
-                            </p:stCondLst>
-                            <p:childTnLst>
-                              <p:par>
-                                <p:cTn id="5" presetID="22" presetClass="entr" presetSubtype="8" fill="hold" nodeType="clickEffect">
-                                  <p:stCondLst>
-                                    <p:cond delay="0"/>
-                                  </p:stCondLst>
-                                  <p:childTnLst>
-                                    <p:set>
-                                      <p:cBhvr>
-                                        <p:cTn id="6" dur="1" fill="hold">
-                                          <p:stCondLst>
-                                            <p:cond delay="0"/>
-                                          </p:stCondLst>
-                                        </p:cTn>
-                                        <p:tgtEl>
-                                          <p:spTgt spid="2"/>
-                                        </p:tgtEl>
-                                        <p:attrNameLst>
-                                          <p:attrName>style.visibility</p:attrName>
-                                        </p:attrNameLst>
-                                      </p:cBhvr>
-                                      <p:to>
-                                        <p:strVal val="visible"/>
-                                      </p:to>
-                                    </p:set>
-                                    <p:animEffect transition="in" filter="wipe(left)">
-                                      <p:cBhvr>
-                                        <p:cTn id="7" dur="500"/>
-                                        <p:tgtEl>
-                                          <p:spTgt spid="2"/>
-                                        </p:tgtEl>
-                                      </p:cBhvr>
-                                    </p:animEffect>
-                                  </p:childTnLst>
-                                </p:cTn>
-                              </p:par>
-                            </p:childTnLst>
-                          </p:cTn>
-                        </p:par>
-                      </p:childTnLst>
-                    </p:cTn>
-                  </p:par>
-                </p:childTnLst>
-              </p:cTn>
-              <p:prevCondLst>
-                <p:cond evt="onPrev" delay="0">
-                  <p:tgtEl>
-                    <p:sldTgt/>
-                  </p:tgtEl>
-                </p:cond>
-              </p:prevCondLst>
-              <p:nextCondLst>
-                <p:cond evt="onNext" delay="0">
-                  <p:tgtEl>
-                    <p:sldTgt/>
-                  </p:tgtEl>
-                </p:cond>
-              </p:nextCondLst>
-            </p:seq>
-          </p:childTnLst>
-        </p:cTn>
-      </p:par>
-    </p:tnLst>
   </p:timing>
 </p:sld>
 </file>

--- a/spring12/slidesS12/induction.pptx
+++ b/spring12/slidesS12/induction.pptx
@@ -236,7 +236,7 @@
             <a:fld id="{D875CB5D-1501-4E8C-8449-8F562B53033D}" type="datetimeFigureOut">
               <a:rPr lang="en-US" smtClean="0"/>
               <a:pPr/>
-              <a:t>2/22/12</a:t>
+              <a:t>2/23/12</a:t>
             </a:fld>
             <a:endParaRPr lang="en-US"/>
           </a:p>
@@ -403,7 +403,7 @@
             <a:fld id="{2E64E5CB-D4EF-403A-9BB6-139C52688DF7}" type="datetimeFigureOut">
               <a:rPr lang="en-US" smtClean="0"/>
               <a:pPr/>
-              <a:t>2/22/12</a:t>
+              <a:t>2/23/12</a:t>
             </a:fld>
             <a:endParaRPr lang="en-US"/>
           </a:p>
@@ -5647,7 +5647,7 @@
           <a:graphicData uri="http://schemas.openxmlformats.org/presentationml/2006/ole">
             <mc:AlternateContent xmlns:mc="http://schemas.openxmlformats.org/markup-compatibility/2006">
               <mc:Choice xmlns:v="urn:schemas-microsoft-com:vml" Requires="v">
-                <p:oleObj spid="_x0000_s4120" name="Equation" r:id="rId4" imgW="1816100" imgH="431800" progId="Equation.3">
+                <p:oleObj spid="_x0000_s4124" name="Equation" r:id="rId4" imgW="1816100" imgH="431800" progId="Equation.3">
                   <p:embed/>
                 </p:oleObj>
               </mc:Choice>
@@ -5918,7 +5918,7 @@
           <a:graphicData uri="http://schemas.openxmlformats.org/presentationml/2006/ole">
             <mc:AlternateContent xmlns:mc="http://schemas.openxmlformats.org/markup-compatibility/2006">
               <mc:Choice xmlns:v="urn:schemas-microsoft-com:vml" Requires="v">
-                <p:oleObj spid="_x0000_s5145" name="Equation" r:id="rId4" imgW="1574800" imgH="431800" progId="Equation.3">
+                <p:oleObj spid="_x0000_s5149" name="Equation" r:id="rId4" imgW="1574800" imgH="431800" progId="Equation.3">
                   <p:embed/>
                 </p:oleObj>
               </mc:Choice>
@@ -6323,7 +6323,7 @@
           <a:graphicData uri="http://schemas.openxmlformats.org/presentationml/2006/ole">
             <mc:AlternateContent xmlns:mc="http://schemas.openxmlformats.org/markup-compatibility/2006">
               <mc:Choice xmlns:v="urn:schemas-microsoft-com:vml" Requires="v">
-                <p:oleObj spid="_x0000_s6183" name="Equation" r:id="rId4" imgW="1218960" imgH="863280" progId="Equation.DSMT4">
+                <p:oleObj spid="_x0000_s6190" name="Equation" r:id="rId4" imgW="1218960" imgH="863280" progId="Equation.DSMT4">
                   <p:embed/>
                 </p:oleObj>
               </mc:Choice>
@@ -6399,7 +6399,7 @@
           <a:graphicData uri="http://schemas.openxmlformats.org/presentationml/2006/ole">
             <mc:AlternateContent xmlns:mc="http://schemas.openxmlformats.org/markup-compatibility/2006">
               <mc:Choice xmlns:v="urn:schemas-microsoft-com:vml" Requires="v">
-                <p:oleObj spid="_x0000_s6184" name="Equation" r:id="rId6" imgW="2501900" imgH="495300" progId="Equation.3">
+                <p:oleObj spid="_x0000_s6191" name="Equation" r:id="rId6" imgW="2501900" imgH="495300" progId="Equation.3">
                   <p:embed/>
                 </p:oleObj>
               </mc:Choice>
@@ -7162,7 +7162,7 @@
           <a:graphicData uri="http://schemas.openxmlformats.org/presentationml/2006/ole">
             <mc:AlternateContent xmlns:mc="http://schemas.openxmlformats.org/markup-compatibility/2006">
               <mc:Choice xmlns:v="urn:schemas-microsoft-com:vml" Requires="v">
-                <p:oleObj spid="_x0000_s8231" name="Equation" r:id="rId4" imgW="431640" imgH="431640" progId="Equation.DSMT4">
+                <p:oleObj spid="_x0000_s8238" name="Equation" r:id="rId4" imgW="431640" imgH="431640" progId="Equation.DSMT4">
                   <p:embed/>
                 </p:oleObj>
               </mc:Choice>
@@ -7238,7 +7238,7 @@
           <a:graphicData uri="http://schemas.openxmlformats.org/presentationml/2006/ole">
             <mc:AlternateContent xmlns:mc="http://schemas.openxmlformats.org/markup-compatibility/2006">
               <mc:Choice xmlns:v="urn:schemas-microsoft-com:vml" Requires="v">
-                <p:oleObj spid="_x0000_s8232" name="Equation" r:id="rId6" imgW="1041400" imgH="215900" progId="Equation.DSMT4">
+                <p:oleObj spid="_x0000_s8239" name="Equation" r:id="rId6" imgW="1041400" imgH="215900" progId="Equation.DSMT4">
                   <p:embed/>
                 </p:oleObj>
               </mc:Choice>
@@ -8532,7 +8532,7 @@
                   <a:graphicData uri="http://schemas.openxmlformats.org/presentationml/2006/ole">
                     <mc:AlternateContent xmlns:mc="http://schemas.openxmlformats.org/markup-compatibility/2006">
                       <mc:Choice xmlns:v="urn:schemas-microsoft-com:vml" Requires="v">
-                        <p:oleObj spid="_x0000_s9256" name="Equation" r:id="rId4" imgW="177800" imgH="215900" progId="Equation.DSMT4">
+                        <p:oleObj spid="_x0000_s9263" name="Equation" r:id="rId4" imgW="177800" imgH="215900" progId="Equation.DSMT4">
                           <p:embed/>
                         </p:oleObj>
                       </mc:Choice>
@@ -8602,7 +8602,7 @@
                   <a:graphicData uri="http://schemas.openxmlformats.org/presentationml/2006/ole">
                     <mc:AlternateContent xmlns:mc="http://schemas.openxmlformats.org/markup-compatibility/2006">
                       <mc:Choice xmlns:v="urn:schemas-microsoft-com:vml" Requires="v">
-                        <p:oleObj spid="_x0000_s9257" name="Equation" r:id="rId6" imgW="177800" imgH="215900" progId="Equation.DSMT4">
+                        <p:oleObj spid="_x0000_s9264" name="Equation" r:id="rId6" imgW="177800" imgH="215900" progId="Equation.DSMT4">
                           <p:embed/>
                         </p:oleObj>
                       </mc:Choice>
@@ -13053,7 +13053,7 @@
             <a:graphicData uri="http://schemas.openxmlformats.org/presentationml/2006/ole">
               <mc:AlternateContent xmlns:mc="http://schemas.openxmlformats.org/markup-compatibility/2006">
                 <mc:Choice xmlns:v="urn:schemas-microsoft-com:vml" Requires="v">
-                  <p:oleObj spid="_x0000_s10272" name="Equation" r:id="rId4" imgW="177800" imgH="215900" progId="Equation.DSMT4">
+                  <p:oleObj spid="_x0000_s10279" name="Equation" r:id="rId4" imgW="177800" imgH="215900" progId="Equation.DSMT4">
                     <p:embed/>
                   </p:oleObj>
                 </mc:Choice>
@@ -14177,7 +14177,7 @@
             <a:graphicData uri="http://schemas.openxmlformats.org/presentationml/2006/ole">
               <mc:AlternateContent xmlns:mc="http://schemas.openxmlformats.org/markup-compatibility/2006">
                 <mc:Choice xmlns:v="urn:schemas-microsoft-com:vml" Requires="v">
-                  <p:oleObj spid="_x0000_s10273" name="Equation" r:id="rId7" imgW="279400" imgH="215900" progId="Equation.DSMT4">
+                  <p:oleObj spid="_x0000_s10280" name="Equation" r:id="rId7" imgW="279400" imgH="215900" progId="Equation.DSMT4">
                     <p:embed/>
                   </p:oleObj>
                 </mc:Choice>
@@ -15123,7 +15123,7 @@
             <a:graphicData uri="http://schemas.openxmlformats.org/presentationml/2006/ole">
               <mc:AlternateContent xmlns:mc="http://schemas.openxmlformats.org/markup-compatibility/2006">
                 <mc:Choice xmlns:v="urn:schemas-microsoft-com:vml" Requires="v">
-                  <p:oleObj spid="_x0000_s418829" name="Equation" r:id="rId4" imgW="177800" imgH="215900" progId="Equation.DSMT4">
+                  <p:oleObj spid="_x0000_s418836" name="Equation" r:id="rId4" imgW="177800" imgH="215900" progId="Equation.DSMT4">
                     <p:embed/>
                   </p:oleObj>
                 </mc:Choice>
@@ -16100,7 +16100,7 @@
             <a:graphicData uri="http://schemas.openxmlformats.org/presentationml/2006/ole">
               <mc:AlternateContent xmlns:mc="http://schemas.openxmlformats.org/markup-compatibility/2006">
                 <mc:Choice xmlns:v="urn:schemas-microsoft-com:vml" Requires="v">
-                  <p:oleObj spid="_x0000_s418830" name="Equation" r:id="rId7" imgW="279400" imgH="215900" progId="Equation.DSMT4">
+                  <p:oleObj spid="_x0000_s418837" name="Equation" r:id="rId7" imgW="279400" imgH="215900" progId="Equation.DSMT4">
                     <p:embed/>
                   </p:oleObj>
                 </mc:Choice>
@@ -16209,171 +16209,7 @@
   <p:timing>
     <p:tnLst>
       <p:par>
-        <p:cTn xmlns:p14="http://schemas.microsoft.com/office/powerpoint/2010/main" id="1" dur="indefinite" restart="never" nodeType="tmRoot">
-          <p:childTnLst>
-            <p:seq concurrent="1" nextAc="seek">
-              <p:cTn id="2" dur="indefinite" nodeType="mainSeq">
-                <p:childTnLst>
-                  <p:par>
-                    <p:cTn id="3" fill="hold">
-                      <p:stCondLst>
-                        <p:cond delay="indefinite"/>
-                      </p:stCondLst>
-                      <p:childTnLst>
-                        <p:par>
-                          <p:cTn id="4" fill="hold">
-                            <p:stCondLst>
-                              <p:cond delay="0"/>
-                            </p:stCondLst>
-                            <p:childTnLst>
-                              <p:par>
-                                <p:cTn id="5" presetID="9" presetClass="entr" presetSubtype="0" fill="hold" nodeType="clickEffect">
-                                  <p:stCondLst>
-                                    <p:cond delay="0"/>
-                                  </p:stCondLst>
-                                  <p:childTnLst>
-                                    <p:set>
-                                      <p:cBhvr>
-                                        <p:cTn id="6" dur="1" fill="hold">
-                                          <p:stCondLst>
-                                            <p:cond delay="0"/>
-                                          </p:stCondLst>
-                                        </p:cTn>
-                                        <p:tgtEl>
-                                          <p:spTgt spid="2"/>
-                                        </p:tgtEl>
-                                        <p:attrNameLst>
-                                          <p:attrName>style.visibility</p:attrName>
-                                        </p:attrNameLst>
-                                      </p:cBhvr>
-                                      <p:to>
-                                        <p:strVal val="visible"/>
-                                      </p:to>
-                                    </p:set>
-                                    <p:animEffect transition="in" filter="dissolve">
-                                      <p:cBhvr>
-                                        <p:cTn id="7" dur="500"/>
-                                        <p:tgtEl>
-                                          <p:spTgt spid="2"/>
-                                        </p:tgtEl>
-                                      </p:cBhvr>
-                                    </p:animEffect>
-                                  </p:childTnLst>
-                                </p:cTn>
-                              </p:par>
-                              <p:par>
-                                <p:cTn id="8" presetID="9" presetClass="entr" presetSubtype="0" fill="hold" nodeType="withEffect">
-                                  <p:stCondLst>
-                                    <p:cond delay="0"/>
-                                  </p:stCondLst>
-                                  <p:childTnLst>
-                                    <p:set>
-                                      <p:cBhvr>
-                                        <p:cTn id="9" dur="1" fill="hold">
-                                          <p:stCondLst>
-                                            <p:cond delay="0"/>
-                                          </p:stCondLst>
-                                        </p:cTn>
-                                        <p:tgtEl>
-                                          <p:spTgt spid="4"/>
-                                        </p:tgtEl>
-                                        <p:attrNameLst>
-                                          <p:attrName>style.visibility</p:attrName>
-                                        </p:attrNameLst>
-                                      </p:cBhvr>
-                                      <p:to>
-                                        <p:strVal val="visible"/>
-                                      </p:to>
-                                    </p:set>
-                                    <p:animEffect transition="in" filter="dissolve">
-                                      <p:cBhvr>
-                                        <p:cTn id="10" dur="500"/>
-                                        <p:tgtEl>
-                                          <p:spTgt spid="4"/>
-                                        </p:tgtEl>
-                                      </p:cBhvr>
-                                    </p:animEffect>
-                                  </p:childTnLst>
-                                </p:cTn>
-                              </p:par>
-                            </p:childTnLst>
-                          </p:cTn>
-                        </p:par>
-                      </p:childTnLst>
-                    </p:cTn>
-                  </p:par>
-                  <p:par>
-                    <p:cTn id="11" fill="hold">
-                      <p:stCondLst>
-                        <p:cond delay="indefinite"/>
-                      </p:stCondLst>
-                      <p:childTnLst>
-                        <p:par>
-                          <p:cTn id="12" fill="hold">
-                            <p:stCondLst>
-                              <p:cond delay="0"/>
-                            </p:stCondLst>
-                            <p:childTnLst>
-                              <p:par>
-                                <p:cTn id="13" presetID="9" presetClass="entr" presetSubtype="0" fill="hold" nodeType="clickEffect">
-                                  <p:stCondLst>
-                                    <p:cond delay="0"/>
-                                  </p:stCondLst>
-                                  <p:childTnLst>
-                                    <p:set>
-                                      <p:cBhvr>
-                                        <p:cTn id="14" dur="1" fill="hold">
-                                          <p:stCondLst>
-                                            <p:cond delay="0"/>
-                                          </p:stCondLst>
-                                        </p:cTn>
-                                        <p:tgtEl>
-                                          <p:spTgt spid="5"/>
-                                        </p:tgtEl>
-                                        <p:attrNameLst>
-                                          <p:attrName>style.visibility</p:attrName>
-                                        </p:attrNameLst>
-                                      </p:cBhvr>
-                                      <p:to>
-                                        <p:strVal val="visible"/>
-                                      </p:to>
-                                    </p:set>
-                                    <p:animEffect transition="in" filter="dissolve">
-                                      <p:cBhvr>
-                                        <p:cTn id="15" dur="500"/>
-                                        <p:tgtEl>
-                                          <p:spTgt spid="5"/>
-                                        </p:tgtEl>
-                                      </p:cBhvr>
-                                    </p:animEffect>
-                                  </p:childTnLst>
-                                </p:cTn>
-                              </p:par>
-                            </p:childTnLst>
-                          </p:cTn>
-                        </p:par>
-                      </p:childTnLst>
-                    </p:cTn>
-                  </p:par>
-                </p:childTnLst>
-              </p:cTn>
-              <p:prevCondLst>
-                <p:cond evt="onPrev" delay="0">
-                  <p:tgtEl>
-                    <p:sldTgt/>
-                  </p:tgtEl>
-                </p:cond>
-              </p:prevCondLst>
-              <p:nextCondLst>
-                <p:cond evt="onNext" delay="0">
-                  <p:tgtEl>
-                    <p:sldTgt/>
-                  </p:tgtEl>
-                </p:cond>
-              </p:nextCondLst>
-            </p:seq>
-          </p:childTnLst>
-        </p:cTn>
+        <p:cTn xmlns:p14="http://schemas.microsoft.com/office/powerpoint/2010/main" id="1" dur="indefinite" restart="never" nodeType="tmRoot"/>
       </p:par>
     </p:tnLst>
   </p:timing>
@@ -16648,7 +16484,18 @@
   <p:clrMapOvr>
     <a:masterClrMapping/>
   </p:clrMapOvr>
-  <p:transition xmlns:p14="http://schemas.microsoft.com/office/powerpoint/2010/main"/>
+  <mc:AlternateContent xmlns:mc="http://schemas.openxmlformats.org/markup-compatibility/2006">
+    <mc:Choice xmlns:p14="http://schemas.microsoft.com/office/powerpoint/2010/main" Requires="p14">
+      <p:transition spd="slow" p14:dur="800">
+        <p:fade thruBlk="1"/>
+      </p:transition>
+    </mc:Choice>
+    <mc:Fallback>
+      <p:transition xmlns:p14="http://schemas.microsoft.com/office/powerpoint/2010/main" spd="slow">
+        <p:fade thruBlk="1"/>
+      </p:transition>
+    </mc:Fallback>
+  </mc:AlternateContent>
   <p:timing>
     <p:tnLst>
       <p:par>
@@ -16773,33 +16620,15 @@
                                   </p:childTnLst>
                                 </p:cTn>
                               </p:par>
-                            </p:childTnLst>
-                          </p:cTn>
-                        </p:par>
-                      </p:childTnLst>
-                    </p:cTn>
-                  </p:par>
-                  <p:par>
-                    <p:cTn id="13" fill="hold">
-                      <p:stCondLst>
-                        <p:cond delay="indefinite"/>
-                      </p:stCondLst>
-                      <p:childTnLst>
-                        <p:par>
-                          <p:cTn id="14" fill="hold">
-                            <p:stCondLst>
-                              <p:cond delay="0"/>
-                            </p:stCondLst>
-                            <p:childTnLst>
                               <p:par>
-                                <p:cTn id="15" presetID="9" presetClass="entr" presetSubtype="0" fill="hold" grpId="0" nodeType="clickEffect">
+                                <p:cTn id="13" presetID="9" presetClass="entr" presetSubtype="0" fill="hold" grpId="0" nodeType="withEffect">
                                   <p:stCondLst>
                                     <p:cond delay="0"/>
                                   </p:stCondLst>
                                   <p:childTnLst>
                                     <p:set>
                                       <p:cBhvr>
-                                        <p:cTn id="16" dur="1" fill="hold">
+                                        <p:cTn id="14" dur="1" fill="hold">
                                           <p:stCondLst>
                                             <p:cond delay="0"/>
                                           </p:stCondLst>
@@ -16821,7 +16650,7 @@
                                     </p:set>
                                     <p:animEffect transition="in" filter="dissolve">
                                       <p:cBhvr>
-                                        <p:cTn id="17" dur="500"/>
+                                        <p:cTn id="15" dur="500"/>
                                         <p:tgtEl>
                                           <p:spTgt spid="23557">
                                             <p:txEl>
@@ -17623,6 +17452,42 @@
       </p:grpSpPr>
       <p:sp>
         <p:nvSpPr>
+          <p:cNvPr id="81925" name="Rectangle 5"/>
+          <p:cNvSpPr>
+            <a:spLocks noChangeArrowheads="1"/>
+          </p:cNvSpPr>
+          <p:nvPr/>
+        </p:nvSpPr>
+        <p:spPr bwMode="auto">
+          <a:xfrm>
+            <a:off x="4876800" y="2743200"/>
+            <a:ext cx="1828800" cy="1752600"/>
+          </a:xfrm>
+          <a:prstGeom prst="rect">
+            <a:avLst/>
+          </a:prstGeom>
+          <a:solidFill>
+            <a:srgbClr val="CC99FF"/>
+          </a:solidFill>
+          <a:ln w="9525">
+            <a:solidFill>
+              <a:schemeClr val="tx1"/>
+            </a:solidFill>
+            <a:miter lim="800000"/>
+            <a:headEnd/>
+            <a:tailEnd type="none" w="lg" len="lg"/>
+          </a:ln>
+        </p:spPr>
+        <p:txBody>
+          <a:bodyPr wrap="none" anchor="ctr"/>
+          <a:lstStyle/>
+          <a:p>
+            <a:endParaRPr lang="en-US"/>
+          </a:p>
+        </p:txBody>
+      </p:sp>
+      <p:sp>
+        <p:nvSpPr>
           <p:cNvPr id="81923" name="Text Box 3"/>
           <p:cNvSpPr txBox="1">
             <a:spLocks noChangeArrowheads="1"/>
@@ -17655,15 +17520,39 @@
               <a:rPr lang="en-US" sz="2800" dirty="0" smtClean="0">
                 <a:latin typeface="Comic Sans MS" pitchFamily="66" charset="0"/>
               </a:rPr>
-              <a:t>           Induction </a:t>
+              <a:t>          </a:t>
+            </a:r>
+            <a:r>
+              <a:rPr lang="en-US" sz="2800" dirty="0" smtClean="0">
+                <a:solidFill>
+                  <a:srgbClr val="FF33CC"/>
+                </a:solidFill>
+                <a:latin typeface="Comic Sans MS" pitchFamily="66" charset="0"/>
+              </a:rPr>
+              <a:t> </a:t>
+            </a:r>
+            <a:r>
+              <a:rPr lang="en-US" sz="2800" dirty="0" smtClean="0">
+                <a:solidFill>
+                  <a:srgbClr val="FF33CC"/>
+                </a:solidFill>
+                <a:latin typeface="Comic Sans MS" pitchFamily="66" charset="0"/>
+              </a:rPr>
+              <a:t>Inductive </a:t>
             </a:r>
             <a:r>
               <a:rPr lang="en-US" sz="2800" dirty="0">
+                <a:solidFill>
+                  <a:srgbClr val="FF33CC"/>
+                </a:solidFill>
                 <a:latin typeface="Comic Sans MS" pitchFamily="66" charset="0"/>
               </a:rPr>
               <a:t>step:</a:t>
             </a:r>
             <a:endParaRPr lang="en-US" sz="900" dirty="0">
+              <a:solidFill>
+                <a:srgbClr val="FF33CC"/>
+              </a:solidFill>
               <a:latin typeface="Comic Sans MS" pitchFamily="66" charset="0"/>
             </a:endParaRPr>
           </a:p>
@@ -17857,42 +17746,6 @@
           </a:prstGeom>
           <a:solidFill>
             <a:srgbClr val="99CCFF"/>
-          </a:solidFill>
-          <a:ln w="9525">
-            <a:solidFill>
-              <a:schemeClr val="tx1"/>
-            </a:solidFill>
-            <a:miter lim="800000"/>
-            <a:headEnd/>
-            <a:tailEnd type="none" w="lg" len="lg"/>
-          </a:ln>
-        </p:spPr>
-        <p:txBody>
-          <a:bodyPr wrap="none" anchor="ctr"/>
-          <a:lstStyle/>
-          <a:p>
-            <a:endParaRPr lang="en-US"/>
-          </a:p>
-        </p:txBody>
-      </p:sp>
-      <p:sp>
-        <p:nvSpPr>
-          <p:cNvPr id="81925" name="Rectangle 5"/>
-          <p:cNvSpPr>
-            <a:spLocks noChangeArrowheads="1"/>
-          </p:cNvSpPr>
-          <p:nvPr/>
-        </p:nvSpPr>
-        <p:spPr bwMode="auto">
-          <a:xfrm>
-            <a:off x="4876800" y="2743200"/>
-            <a:ext cx="1828800" cy="1752600"/>
-          </a:xfrm>
-          <a:prstGeom prst="rect">
-            <a:avLst/>
-          </a:prstGeom>
-          <a:solidFill>
-            <a:srgbClr val="CC99FF"/>
           </a:solidFill>
           <a:ln w="9525">
             <a:solidFill>
@@ -18161,7 +18014,7 @@
               <a:graphicData uri="http://schemas.openxmlformats.org/presentationml/2006/ole">
                 <mc:AlternateContent xmlns:mc="http://schemas.openxmlformats.org/markup-compatibility/2006">
                   <mc:Choice xmlns:v="urn:schemas-microsoft-com:vml" Requires="v">
-                    <p:oleObj spid="_x0000_s166950" name="Equation" r:id="rId5" imgW="177800" imgH="215900" progId="Equation.DSMT4">
+                    <p:oleObj spid="_x0000_s166961" name="Equation" r:id="rId5" imgW="177800" imgH="215900" progId="Equation.DSMT4">
                       <p:embed/>
                     </p:oleObj>
                   </mc:Choice>
@@ -18369,7 +18222,7 @@
           <a:graphicData uri="http://schemas.openxmlformats.org/presentationml/2006/ole">
             <mc:AlternateContent xmlns:mc="http://schemas.openxmlformats.org/markup-compatibility/2006">
               <mc:Choice xmlns:v="urn:schemas-microsoft-com:vml" Requires="v">
-                <p:oleObj spid="_x0000_s166951" name="Equation" r:id="rId7" imgW="177800" imgH="215900" progId="Equation.DSMT4">
+                <p:oleObj spid="_x0000_s166962" name="Equation" r:id="rId7" imgW="177800" imgH="215900" progId="Equation.DSMT4">
                   <p:embed/>
                 </p:oleObj>
               </mc:Choice>
@@ -18587,26 +18440,29 @@
       </p:sp>
       <p:cxnSp>
         <p:nvCxnSpPr>
-          <p:cNvPr id="25" name="Curved Connector 24"/>
-          <p:cNvCxnSpPr/>
+          <p:cNvPr id="5" name="Curved Connector 4"/>
+          <p:cNvCxnSpPr>
+            <a:endCxn id="81928" idx="2"/>
+          </p:cNvCxnSpPr>
           <p:nvPr/>
         </p:nvCxnSpPr>
         <p:spPr>
-          <a:xfrm rot="5400000">
-            <a:off x="5715000" y="2514600"/>
-            <a:ext cx="838200" cy="228600"/>
+          <a:xfrm rot="16200000" flipH="1">
+            <a:off x="5180012" y="2668587"/>
+            <a:ext cx="844550" cy="841375"/>
           </a:xfrm>
           <a:prstGeom prst="curvedConnector3">
             <a:avLst>
-              <a:gd name="adj1" fmla="val 50000"/>
+              <a:gd name="adj1" fmla="val 127068"/>
             </a:avLst>
           </a:prstGeom>
-          <a:ln w="34925">
+          <a:ln w="31750">
             <a:solidFill>
               <a:srgbClr val="0000FF"/>
             </a:solidFill>
-            <a:tailEnd type="stealth" w="lg" len="lg"/>
+            <a:tailEnd type="stealth"/>
           </a:ln>
+          <a:effectLst/>
         </p:spPr>
         <p:style>
           <a:lnRef idx="2">
@@ -18661,7 +18517,7 @@
                             </p:stCondLst>
                             <p:childTnLst>
                               <p:par>
-                                <p:cTn id="5" presetID="1" presetClass="entr" presetSubtype="0" fill="hold" grpId="0" nodeType="clickEffect">
+                                <p:cTn id="5" presetID="9" presetClass="entr" presetSubtype="0" fill="hold" grpId="0" nodeType="clickEffect">
                                   <p:stCondLst>
                                     <p:cond delay="0"/>
                                   </p:stCondLst>
@@ -18669,6 +18525,58 @@
                                     <p:set>
                                       <p:cBhvr>
                                         <p:cTn id="6" dur="1" fill="hold">
+                                          <p:stCondLst>
+                                            <p:cond delay="0"/>
+                                          </p:stCondLst>
+                                        </p:cTn>
+                                        <p:tgtEl>
+                                          <p:spTgt spid="81923">
+                                            <p:txEl>
+                                              <p:pRg st="1" end="1"/>
+                                            </p:txEl>
+                                          </p:spTgt>
+                                        </p:tgtEl>
+                                        <p:attrNameLst>
+                                          <p:attrName>style.visibility</p:attrName>
+                                        </p:attrNameLst>
+                                      </p:cBhvr>
+                                      <p:to>
+                                        <p:strVal val="visible"/>
+                                      </p:to>
+                                    </p:set>
+                                    <p:animEffect transition="in" filter="dissolve">
+                                      <p:cBhvr>
+                                        <p:cTn id="7" dur="500"/>
+                                        <p:tgtEl>
+                                          <p:spTgt spid="81923">
+                                            <p:txEl>
+                                              <p:pRg st="1" end="1"/>
+                                            </p:txEl>
+                                          </p:spTgt>
+                                        </p:tgtEl>
+                                      </p:cBhvr>
+                                    </p:animEffect>
+                                  </p:childTnLst>
+                                </p:cTn>
+                              </p:par>
+                            </p:childTnLst>
+                          </p:cTn>
+                        </p:par>
+                        <p:par>
+                          <p:cTn id="8" fill="hold">
+                            <p:stCondLst>
+                              <p:cond delay="500"/>
+                            </p:stCondLst>
+                            <p:childTnLst>
+                              <p:par>
+                                <p:cTn id="9" presetID="9" presetClass="entr" presetSubtype="0" fill="hold" grpId="0" nodeType="afterEffect">
+                                  <p:stCondLst>
+                                    <p:cond delay="0"/>
+                                  </p:stCondLst>
+                                  <p:childTnLst>
+                                    <p:set>
+                                      <p:cBhvr>
+                                        <p:cTn id="10" dur="1" fill="hold">
                                           <p:stCondLst>
                                             <p:cond delay="0"/>
                                           </p:stCondLst>
@@ -18684,45 +18592,35 @@
                                         <p:strVal val="visible"/>
                                       </p:to>
                                     </p:set>
+                                    <p:animEffect transition="in" filter="dissolve">
+                                      <p:cBhvr>
+                                        <p:cTn id="11" dur="500"/>
+                                        <p:tgtEl>
+                                          <p:spTgt spid="81925"/>
+                                        </p:tgtEl>
+                                      </p:cBhvr>
+                                    </p:animEffect>
                                   </p:childTnLst>
                                 </p:cTn>
                               </p:par>
+                            </p:childTnLst>
+                          </p:cTn>
+                        </p:par>
+                        <p:par>
+                          <p:cTn id="12" fill="hold">
+                            <p:stCondLst>
+                              <p:cond delay="1000"/>
+                            </p:stCondLst>
+                            <p:childTnLst>
                               <p:par>
-                                <p:cTn id="7" presetID="1" presetClass="entr" presetSubtype="0" fill="hold" nodeType="withEffect">
+                                <p:cTn id="13" presetID="1" presetClass="entr" presetSubtype="0" fill="hold" nodeType="afterEffect">
                                   <p:stCondLst>
                                     <p:cond delay="0"/>
                                   </p:stCondLst>
                                   <p:childTnLst>
                                     <p:set>
                                       <p:cBhvr>
-                                        <p:cTn id="8" dur="1" fill="hold">
-                                          <p:stCondLst>
-                                            <p:cond delay="0"/>
-                                          </p:stCondLst>
-                                        </p:cTn>
-                                        <p:tgtEl>
-                                          <p:spTgt spid="81928"/>
-                                        </p:tgtEl>
-                                        <p:attrNameLst>
-                                          <p:attrName>style.visibility</p:attrName>
-                                        </p:attrNameLst>
-                                      </p:cBhvr>
-                                      <p:to>
-                                        <p:strVal val="visible"/>
-                                      </p:to>
-                                    </p:set>
-                                  </p:childTnLst>
-                                </p:cTn>
-                              </p:par>
-                              <p:par>
-                                <p:cTn id="9" presetID="9" presetClass="entr" presetSubtype="0" fill="hold" nodeType="withEffect">
-                                  <p:stCondLst>
-                                    <p:cond delay="0"/>
-                                  </p:stCondLst>
-                                  <p:childTnLst>
-                                    <p:set>
-                                      <p:cBhvr>
-                                        <p:cTn id="10" dur="1" fill="hold">
+                                        <p:cTn id="14" dur="1" fill="hold">
                                           <p:stCondLst>
                                             <p:cond delay="0"/>
                                           </p:stCondLst>
@@ -18738,58 +18636,6 @@
                                         <p:strVal val="visible"/>
                                       </p:to>
                                     </p:set>
-                                    <p:animEffect transition="in" filter="dissolve">
-                                      <p:cBhvr>
-                                        <p:cTn id="11" dur="500"/>
-                                        <p:tgtEl>
-                                          <p:spTgt spid="2"/>
-                                        </p:tgtEl>
-                                      </p:cBhvr>
-                                    </p:animEffect>
-                                  </p:childTnLst>
-                                </p:cTn>
-                              </p:par>
-                            </p:childTnLst>
-                          </p:cTn>
-                        </p:par>
-                        <p:par>
-                          <p:cTn id="12" fill="hold">
-                            <p:stCondLst>
-                              <p:cond delay="500"/>
-                            </p:stCondLst>
-                            <p:childTnLst>
-                              <p:par>
-                                <p:cTn id="13" presetID="22" presetClass="entr" presetSubtype="1" fill="hold" nodeType="afterEffect">
-                                  <p:stCondLst>
-                                    <p:cond delay="0"/>
-                                  </p:stCondLst>
-                                  <p:childTnLst>
-                                    <p:set>
-                                      <p:cBhvr>
-                                        <p:cTn id="14" dur="1" fill="hold">
-                                          <p:stCondLst>
-                                            <p:cond delay="0"/>
-                                          </p:stCondLst>
-                                        </p:cTn>
-                                        <p:tgtEl>
-                                          <p:spTgt spid="25"/>
-                                        </p:tgtEl>
-                                        <p:attrNameLst>
-                                          <p:attrName>style.visibility</p:attrName>
-                                        </p:attrNameLst>
-                                      </p:cBhvr>
-                                      <p:to>
-                                        <p:strVal val="visible"/>
-                                      </p:to>
-                                    </p:set>
-                                    <p:animEffect transition="in" filter="wipe(up)">
-                                      <p:cBhvr>
-                                        <p:cTn id="15" dur="1000"/>
-                                        <p:tgtEl>
-                                          <p:spTgt spid="25"/>
-                                        </p:tgtEl>
-                                      </p:cBhvr>
-                                    </p:animEffect>
                                   </p:childTnLst>
                                 </p:cTn>
                               </p:par>
@@ -18800,26 +18646,26 @@
                     </p:cTn>
                   </p:par>
                   <p:par>
-                    <p:cTn id="16" fill="hold">
+                    <p:cTn id="15" fill="hold">
                       <p:stCondLst>
                         <p:cond delay="indefinite"/>
                       </p:stCondLst>
                       <p:childTnLst>
                         <p:par>
-                          <p:cTn id="17" fill="hold">
+                          <p:cTn id="16" fill="hold">
                             <p:stCondLst>
                               <p:cond delay="0"/>
                             </p:stCondLst>
                             <p:childTnLst>
                               <p:par>
-                                <p:cTn id="18" presetID="1" presetClass="entr" presetSubtype="0" fill="hold" nodeType="clickEffect">
+                                <p:cTn id="17" presetID="9" presetClass="entr" presetSubtype="0" fill="hold" grpId="0" nodeType="clickEffect">
                                   <p:stCondLst>
                                     <p:cond delay="0"/>
                                   </p:stCondLst>
                                   <p:childTnLst>
                                     <p:set>
                                       <p:cBhvr>
-                                        <p:cTn id="19" dur="1" fill="hold">
+                                        <p:cTn id="18" dur="1" fill="hold">
                                           <p:stCondLst>
                                             <p:cond delay="0"/>
                                           </p:stCondLst>
@@ -18839,36 +18685,39 @@
                                         <p:strVal val="visible"/>
                                       </p:to>
                                     </p:set>
+                                    <p:animEffect transition="in" filter="dissolve">
+                                      <p:cBhvr>
+                                        <p:cTn id="19" dur="500"/>
+                                        <p:tgtEl>
+                                          <p:spTgt spid="81923">
+                                            <p:txEl>
+                                              <p:pRg st="2" end="2"/>
+                                            </p:txEl>
+                                          </p:spTgt>
+                                        </p:tgtEl>
+                                      </p:cBhvr>
+                                    </p:animEffect>
                                   </p:childTnLst>
                                 </p:cTn>
                               </p:par>
                             </p:childTnLst>
                           </p:cTn>
                         </p:par>
-                      </p:childTnLst>
-                    </p:cTn>
-                  </p:par>
-                  <p:par>
-                    <p:cTn id="20" fill="hold">
-                      <p:stCondLst>
-                        <p:cond delay="indefinite"/>
-                      </p:stCondLst>
-                      <p:childTnLst>
                         <p:par>
-                          <p:cTn id="21" fill="hold">
+                          <p:cTn id="20" fill="hold">
                             <p:stCondLst>
-                              <p:cond delay="0"/>
+                              <p:cond delay="500"/>
                             </p:stCondLst>
                             <p:childTnLst>
                               <p:par>
-                                <p:cTn id="22" presetID="9" presetClass="entr" presetSubtype="0" fill="hold" grpId="0" nodeType="clickEffect">
+                                <p:cTn id="21" presetID="9" presetClass="entr" presetSubtype="0" fill="hold" grpId="0" nodeType="afterEffect">
                                   <p:stCondLst>
                                     <p:cond delay="0"/>
                                   </p:stCondLst>
                                   <p:childTnLst>
                                     <p:set>
                                       <p:cBhvr>
-                                        <p:cTn id="23" dur="1" fill="hold">
+                                        <p:cTn id="22" dur="1" fill="hold">
                                           <p:stCondLst>
                                             <p:cond delay="0"/>
                                           </p:stCondLst>
@@ -18886,7 +18735,7 @@
                                     </p:set>
                                     <p:animEffect transition="in" filter="dissolve">
                                       <p:cBhvr>
-                                        <p:cTn id="24" dur="500"/>
+                                        <p:cTn id="23" dur="500"/>
                                         <p:tgtEl>
                                           <p:spTgt spid="81926"/>
                                         </p:tgtEl>
@@ -18896,14 +18745,14 @@
                                 </p:cTn>
                               </p:par>
                               <p:par>
-                                <p:cTn id="25" presetID="9" presetClass="entr" presetSubtype="0" fill="hold" grpId="0" nodeType="withEffect">
+                                <p:cTn id="24" presetID="9" presetClass="entr" presetSubtype="0" fill="hold" grpId="0" nodeType="withEffect">
                                   <p:stCondLst>
                                     <p:cond delay="0"/>
                                   </p:stCondLst>
                                   <p:childTnLst>
                                     <p:set>
                                       <p:cBhvr>
-                                        <p:cTn id="26" dur="1" fill="hold">
+                                        <p:cTn id="25" dur="1" fill="hold">
                                           <p:stCondLst>
                                             <p:cond delay="0"/>
                                           </p:stCondLst>
@@ -18921,7 +18770,7 @@
                                     </p:set>
                                     <p:animEffect transition="in" filter="dissolve">
                                       <p:cBhvr>
-                                        <p:cTn id="27" dur="500"/>
+                                        <p:cTn id="26" dur="500"/>
                                         <p:tgtEl>
                                           <p:spTgt spid="81924"/>
                                         </p:tgtEl>
@@ -18931,14 +18780,14 @@
                                 </p:cTn>
                               </p:par>
                               <p:par>
-                                <p:cTn id="28" presetID="9" presetClass="entr" presetSubtype="0" fill="hold" grpId="0" nodeType="withEffect">
+                                <p:cTn id="27" presetID="9" presetClass="entr" presetSubtype="0" fill="hold" grpId="0" nodeType="withEffect">
                                   <p:stCondLst>
                                     <p:cond delay="0"/>
                                   </p:stCondLst>
                                   <p:childTnLst>
                                     <p:set>
                                       <p:cBhvr>
-                                        <p:cTn id="29" dur="1" fill="hold">
+                                        <p:cTn id="28" dur="1" fill="hold">
                                           <p:stCondLst>
                                             <p:cond delay="0"/>
                                           </p:stCondLst>
@@ -18956,7 +18805,7 @@
                                     </p:set>
                                     <p:animEffect transition="in" filter="dissolve">
                                       <p:cBhvr>
-                                        <p:cTn id="30" dur="500"/>
+                                        <p:cTn id="29" dur="500"/>
                                         <p:tgtEl>
                                           <p:spTgt spid="81930"/>
                                         </p:tgtEl>
@@ -18966,14 +18815,14 @@
                                 </p:cTn>
                               </p:par>
                               <p:par>
-                                <p:cTn id="31" presetID="9" presetClass="entr" presetSubtype="0" fill="hold" nodeType="withEffect">
+                                <p:cTn id="30" presetID="9" presetClass="entr" presetSubtype="0" fill="hold" nodeType="withEffect">
                                   <p:stCondLst>
                                     <p:cond delay="0"/>
                                   </p:stCondLst>
                                   <p:childTnLst>
                                     <p:set>
                                       <p:cBhvr>
-                                        <p:cTn id="32" dur="1" fill="hold">
+                                        <p:cTn id="31" dur="1" fill="hold">
                                           <p:stCondLst>
                                             <p:cond delay="0"/>
                                           </p:stCondLst>
@@ -18991,7 +18840,7 @@
                                     </p:set>
                                     <p:animEffect transition="in" filter="dissolve">
                                       <p:cBhvr>
-                                        <p:cTn id="33" dur="500"/>
+                                        <p:cTn id="32" dur="500"/>
                                         <p:tgtEl>
                                           <p:spTgt spid="81937"/>
                                         </p:tgtEl>
@@ -19001,14 +18850,14 @@
                                 </p:cTn>
                               </p:par>
                               <p:par>
-                                <p:cTn id="34" presetID="9" presetClass="entr" presetSubtype="0" fill="hold" grpId="0" nodeType="withEffect">
+                                <p:cTn id="33" presetID="9" presetClass="entr" presetSubtype="0" fill="hold" grpId="0" nodeType="withEffect">
                                   <p:stCondLst>
                                     <p:cond delay="0"/>
                                   </p:stCondLst>
                                   <p:childTnLst>
                                     <p:set>
                                       <p:cBhvr>
-                                        <p:cTn id="35" dur="1" fill="hold">
+                                        <p:cTn id="34" dur="1" fill="hold">
                                           <p:stCondLst>
                                             <p:cond delay="0"/>
                                           </p:stCondLst>
@@ -19026,7 +18875,7 @@
                                     </p:set>
                                     <p:animEffect transition="in" filter="dissolve">
                                       <p:cBhvr>
-                                        <p:cTn id="36" dur="500"/>
+                                        <p:cTn id="35" dur="500"/>
                                         <p:tgtEl>
                                           <p:spTgt spid="81938"/>
                                         </p:tgtEl>
@@ -19036,14 +18885,14 @@
                                 </p:cTn>
                               </p:par>
                               <p:par>
-                                <p:cTn id="37" presetID="9" presetClass="entr" presetSubtype="0" fill="hold" grpId="0" nodeType="withEffect">
+                                <p:cTn id="36" presetID="9" presetClass="entr" presetSubtype="0" fill="hold" grpId="0" nodeType="withEffect">
                                   <p:stCondLst>
                                     <p:cond delay="0"/>
                                   </p:stCondLst>
                                   <p:childTnLst>
                                     <p:set>
                                       <p:cBhvr>
-                                        <p:cTn id="38" dur="1" fill="hold">
+                                        <p:cTn id="37" dur="1" fill="hold">
                                           <p:stCondLst>
                                             <p:cond delay="0"/>
                                           </p:stCondLst>
@@ -19061,7 +18910,7 @@
                                     </p:set>
                                     <p:animEffect transition="in" filter="dissolve">
                                       <p:cBhvr>
-                                        <p:cTn id="39" dur="500"/>
+                                        <p:cTn id="38" dur="500"/>
                                         <p:tgtEl>
                                           <p:spTgt spid="81939"/>
                                         </p:tgtEl>
@@ -19071,14 +18920,14 @@
                                 </p:cTn>
                               </p:par>
                               <p:par>
-                                <p:cTn id="40" presetID="9" presetClass="entr" presetSubtype="0" fill="hold" grpId="0" nodeType="withEffect">
+                                <p:cTn id="39" presetID="9" presetClass="entr" presetSubtype="0" fill="hold" grpId="0" nodeType="withEffect">
                                   <p:stCondLst>
                                     <p:cond delay="0"/>
                                   </p:stCondLst>
                                   <p:childTnLst>
                                     <p:set>
                                       <p:cBhvr>
-                                        <p:cTn id="41" dur="1" fill="hold">
+                                        <p:cTn id="40" dur="1" fill="hold">
                                           <p:stCondLst>
                                             <p:cond delay="0"/>
                                           </p:stCondLst>
@@ -19096,7 +18945,7 @@
                                     </p:set>
                                     <p:animEffect transition="in" filter="dissolve">
                                       <p:cBhvr>
-                                        <p:cTn id="42" dur="500"/>
+                                        <p:cTn id="41" dur="500"/>
                                         <p:tgtEl>
                                           <p:spTgt spid="81940"/>
                                         </p:tgtEl>
@@ -19106,14 +18955,14 @@
                                 </p:cTn>
                               </p:par>
                               <p:par>
-                                <p:cTn id="43" presetID="9" presetClass="entr" presetSubtype="0" fill="hold" grpId="0" nodeType="withEffect">
+                                <p:cTn id="42" presetID="9" presetClass="entr" presetSubtype="0" fill="hold" grpId="0" nodeType="withEffect">
                                   <p:stCondLst>
                                     <p:cond delay="0"/>
                                   </p:stCondLst>
                                   <p:childTnLst>
                                     <p:set>
                                       <p:cBhvr>
-                                        <p:cTn id="44" dur="1" fill="hold">
+                                        <p:cTn id="43" dur="1" fill="hold">
                                           <p:stCondLst>
                                             <p:cond delay="0"/>
                                           </p:stCondLst>
@@ -19131,7 +18980,7 @@
                                     </p:set>
                                     <p:animEffect transition="in" filter="dissolve">
                                       <p:cBhvr>
-                                        <p:cTn id="45" dur="500"/>
+                                        <p:cTn id="44" dur="500"/>
                                         <p:tgtEl>
                                           <p:spTgt spid="81941"/>
                                         </p:tgtEl>
@@ -19147,26 +18996,115 @@
                     </p:cTn>
                   </p:par>
                   <p:par>
-                    <p:cTn id="46" fill="hold">
+                    <p:cTn id="45" fill="hold">
                       <p:stCondLst>
                         <p:cond delay="indefinite"/>
                       </p:stCondLst>
                       <p:childTnLst>
                         <p:par>
-                          <p:cTn id="47" fill="hold">
+                          <p:cTn id="46" fill="hold">
                             <p:stCondLst>
                               <p:cond delay="0"/>
                             </p:stCondLst>
                             <p:childTnLst>
                               <p:par>
-                                <p:cTn id="48" presetID="9" presetClass="entr" presetSubtype="0" fill="hold" nodeType="clickEffect">
+                                <p:cTn id="47" presetID="22" presetClass="entr" presetSubtype="1" fill="hold" nodeType="clickEffect">
                                   <p:stCondLst>
                                     <p:cond delay="0"/>
                                   </p:stCondLst>
                                   <p:childTnLst>
                                     <p:set>
                                       <p:cBhvr>
-                                        <p:cTn id="49" dur="1" fill="hold">
+                                        <p:cTn id="48" dur="1" fill="hold">
+                                          <p:stCondLst>
+                                            <p:cond delay="0"/>
+                                          </p:stCondLst>
+                                        </p:cTn>
+                                        <p:tgtEl>
+                                          <p:spTgt spid="5"/>
+                                        </p:tgtEl>
+                                        <p:attrNameLst>
+                                          <p:attrName>style.visibility</p:attrName>
+                                        </p:attrNameLst>
+                                      </p:cBhvr>
+                                      <p:to>
+                                        <p:strVal val="visible"/>
+                                      </p:to>
+                                    </p:set>
+                                    <p:animEffect transition="in" filter="wipe(up)">
+                                      <p:cBhvr>
+                                        <p:cTn id="49" dur="1000"/>
+                                        <p:tgtEl>
+                                          <p:spTgt spid="5"/>
+                                        </p:tgtEl>
+                                      </p:cBhvr>
+                                    </p:animEffect>
+                                  </p:childTnLst>
+                                </p:cTn>
+                              </p:par>
+                            </p:childTnLst>
+                          </p:cTn>
+                        </p:par>
+                        <p:par>
+                          <p:cTn id="50" fill="hold">
+                            <p:stCondLst>
+                              <p:cond delay="1000"/>
+                            </p:stCondLst>
+                            <p:childTnLst>
+                              <p:par>
+                                <p:cTn id="51" presetID="1" presetClass="entr" presetSubtype="0" fill="hold" nodeType="afterEffect">
+                                  <p:stCondLst>
+                                    <p:cond delay="0"/>
+                                  </p:stCondLst>
+                                  <p:childTnLst>
+                                    <p:set>
+                                      <p:cBhvr>
+                                        <p:cTn id="52" dur="1" fill="hold">
+                                          <p:stCondLst>
+                                            <p:cond delay="0"/>
+                                          </p:stCondLst>
+                                        </p:cTn>
+                                        <p:tgtEl>
+                                          <p:spTgt spid="81928"/>
+                                        </p:tgtEl>
+                                        <p:attrNameLst>
+                                          <p:attrName>style.visibility</p:attrName>
+                                        </p:attrNameLst>
+                                      </p:cBhvr>
+                                      <p:to>
+                                        <p:strVal val="visible"/>
+                                      </p:to>
+                                    </p:set>
+                                  </p:childTnLst>
+                                </p:cTn>
+                              </p:par>
+                            </p:childTnLst>
+                          </p:cTn>
+                        </p:par>
+                      </p:childTnLst>
+                    </p:cTn>
+                  </p:par>
+                  <p:par>
+                    <p:cTn id="53" fill="hold">
+                      <p:stCondLst>
+                        <p:cond delay="indefinite"/>
+                      </p:stCondLst>
+                      <p:childTnLst>
+                        <p:par>
+                          <p:cTn id="54" fill="hold">
+                            <p:stCondLst>
+                              <p:cond delay="0"/>
+                            </p:stCondLst>
+                            <p:childTnLst>
+                              <p:par>
+                                <p:cTn id="55" presetID="9" presetClass="entr" presetSubtype="0" fill="hold" nodeType="clickEffect">
+                                  <p:stCondLst>
+                                    <p:cond delay="0"/>
+                                  </p:stCondLst>
+                                  <p:childTnLst>
+                                    <p:set>
+                                      <p:cBhvr>
+                                        <p:cTn id="56" dur="1" fill="hold">
                                           <p:stCondLst>
                                             <p:cond delay="0"/>
                                           </p:stCondLst>
@@ -19184,7 +19122,7 @@
                                     </p:set>
                                     <p:animEffect transition="in" filter="dissolve">
                                       <p:cBhvr>
-                                        <p:cTn id="50" dur="500"/>
+                                        <p:cTn id="57" dur="500"/>
                                         <p:tgtEl>
                                           <p:spTgt spid="81927"/>
                                         </p:tgtEl>
@@ -19200,26 +19138,26 @@
                     </p:cTn>
                   </p:par>
                   <p:par>
-                    <p:cTn id="51" fill="hold">
+                    <p:cTn id="58" fill="hold">
                       <p:stCondLst>
                         <p:cond delay="indefinite"/>
                       </p:stCondLst>
                       <p:childTnLst>
                         <p:par>
-                          <p:cTn id="52" fill="hold">
+                          <p:cTn id="59" fill="hold">
                             <p:stCondLst>
                               <p:cond delay="0"/>
                             </p:stCondLst>
                             <p:childTnLst>
                               <p:par>
-                                <p:cTn id="53" presetID="9" presetClass="entr" presetSubtype="0" fill="hold" nodeType="clickEffect">
+                                <p:cTn id="60" presetID="9" presetClass="entr" presetSubtype="0" fill="hold" nodeType="clickEffect">
                                   <p:stCondLst>
                                     <p:cond delay="0"/>
                                   </p:stCondLst>
                                   <p:childTnLst>
                                     <p:set>
                                       <p:cBhvr>
-                                        <p:cTn id="54" dur="1" fill="hold">
+                                        <p:cTn id="61" dur="1" fill="hold">
                                           <p:stCondLst>
                                             <p:cond delay="0"/>
                                           </p:stCondLst>
@@ -19237,7 +19175,7 @@
                                     </p:set>
                                     <p:animEffect transition="in" filter="dissolve">
                                       <p:cBhvr>
-                                        <p:cTn id="55" dur="500"/>
+                                        <p:cTn id="62" dur="500"/>
                                         <p:tgtEl>
                                           <p:spTgt spid="81931"/>
                                         </p:tgtEl>
@@ -19250,20 +19188,20 @@
                           </p:cTn>
                         </p:par>
                         <p:par>
-                          <p:cTn id="56" fill="hold">
+                          <p:cTn id="63" fill="hold">
                             <p:stCondLst>
                               <p:cond delay="500"/>
                             </p:stCondLst>
                             <p:childTnLst>
                               <p:par>
-                                <p:cTn id="57" presetID="9" presetClass="entr" presetSubtype="0" fill="hold" nodeType="afterEffect">
+                                <p:cTn id="64" presetID="9" presetClass="entr" presetSubtype="0" fill="hold" nodeType="afterEffect">
                                   <p:stCondLst>
                                     <p:cond delay="0"/>
                                   </p:stCondLst>
                                   <p:childTnLst>
                                     <p:set>
                                       <p:cBhvr>
-                                        <p:cTn id="58" dur="1" fill="hold">
+                                        <p:cTn id="65" dur="1" fill="hold">
                                           <p:stCondLst>
                                             <p:cond delay="0"/>
                                           </p:stCondLst>
@@ -19281,7 +19219,7 @@
                                     </p:set>
                                     <p:animEffect transition="in" filter="dissolve">
                                       <p:cBhvr>
-                                        <p:cTn id="59" dur="500"/>
+                                        <p:cTn id="66" dur="500"/>
                                         <p:tgtEl>
                                           <p:spTgt spid="81929"/>
                                         </p:tgtEl>
@@ -19318,8 +19256,9 @@
       </p:par>
     </p:tnLst>
     <p:bldLst>
+      <p:bldP spid="81925" grpId="0" animBg="1"/>
+      <p:bldP spid="81923" grpId="0" uiExpand="1" build="p"/>
       <p:bldP spid="81924" grpId="0" animBg="1"/>
-      <p:bldP spid="81925" grpId="0" animBg="1"/>
       <p:bldP spid="81926" grpId="0" animBg="1"/>
       <p:bldP spid="81930" grpId="0" animBg="1"/>
       <p:bldP spid="81938" grpId="0" animBg="1"/>
@@ -20056,7 +19995,7 @@
                             </p:stCondLst>
                             <p:childTnLst>
                               <p:par>
-                                <p:cTn id="14" presetID="1" presetClass="entr" presetSubtype="0" fill="hold" nodeType="clickEffect">
+                                <p:cTn id="14" presetID="31" presetClass="entr" presetSubtype="0" fill="hold" nodeType="clickEffect">
                                   <p:stCondLst>
                                     <p:cond delay="0"/>
                                   </p:stCondLst>
@@ -20083,6 +20022,99 @@
                                         <p:strVal val="visible"/>
                                       </p:to>
                                     </p:set>
+                                    <p:anim calcmode="lin" valueType="num">
+                                      <p:cBhvr>
+                                        <p:cTn id="16" dur="500" fill="hold"/>
+                                        <p:tgtEl>
+                                          <p:spTgt spid="85008">
+                                            <p:txEl>
+                                              <p:pRg st="0" end="0"/>
+                                            </p:txEl>
+                                          </p:spTgt>
+                                        </p:tgtEl>
+                                        <p:attrNameLst>
+                                          <p:attrName>ppt_w</p:attrName>
+                                        </p:attrNameLst>
+                                      </p:cBhvr>
+                                      <p:tavLst>
+                                        <p:tav tm="0">
+                                          <p:val>
+                                            <p:fltVal val="0"/>
+                                          </p:val>
+                                        </p:tav>
+                                        <p:tav tm="100000">
+                                          <p:val>
+                                            <p:strVal val="#ppt_w"/>
+                                          </p:val>
+                                        </p:tav>
+                                      </p:tavLst>
+                                    </p:anim>
+                                    <p:anim calcmode="lin" valueType="num">
+                                      <p:cBhvr>
+                                        <p:cTn id="17" dur="500" fill="hold"/>
+                                        <p:tgtEl>
+                                          <p:spTgt spid="85008">
+                                            <p:txEl>
+                                              <p:pRg st="0" end="0"/>
+                                            </p:txEl>
+                                          </p:spTgt>
+                                        </p:tgtEl>
+                                        <p:attrNameLst>
+                                          <p:attrName>ppt_h</p:attrName>
+                                        </p:attrNameLst>
+                                      </p:cBhvr>
+                                      <p:tavLst>
+                                        <p:tav tm="0">
+                                          <p:val>
+                                            <p:fltVal val="0"/>
+                                          </p:val>
+                                        </p:tav>
+                                        <p:tav tm="100000">
+                                          <p:val>
+                                            <p:strVal val="#ppt_h"/>
+                                          </p:val>
+                                        </p:tav>
+                                      </p:tavLst>
+                                    </p:anim>
+                                    <p:anim calcmode="lin" valueType="num">
+                                      <p:cBhvr>
+                                        <p:cTn id="18" dur="500" fill="hold"/>
+                                        <p:tgtEl>
+                                          <p:spTgt spid="85008">
+                                            <p:txEl>
+                                              <p:pRg st="0" end="0"/>
+                                            </p:txEl>
+                                          </p:spTgt>
+                                        </p:tgtEl>
+                                        <p:attrNameLst>
+                                          <p:attrName>style.rotation</p:attrName>
+                                        </p:attrNameLst>
+                                      </p:cBhvr>
+                                      <p:tavLst>
+                                        <p:tav tm="0">
+                                          <p:val>
+                                            <p:fltVal val="90"/>
+                                          </p:val>
+                                        </p:tav>
+                                        <p:tav tm="100000">
+                                          <p:val>
+                                            <p:fltVal val="0"/>
+                                          </p:val>
+                                        </p:tav>
+                                      </p:tavLst>
+                                    </p:anim>
+                                    <p:animEffect transition="in" filter="fade">
+                                      <p:cBhvr>
+                                        <p:cTn id="19" dur="500"/>
+                                        <p:tgtEl>
+                                          <p:spTgt spid="85008">
+                                            <p:txEl>
+                                              <p:pRg st="0" end="0"/>
+                                            </p:txEl>
+                                          </p:spTgt>
+                                        </p:tgtEl>
+                                      </p:cBhvr>
+                                    </p:animEffect>
                                   </p:childTnLst>
                                 </p:cTn>
                               </p:par>
@@ -20237,8 +20269,8 @@
   <p:clrMapOvr>
     <a:masterClrMapping/>
   </p:clrMapOvr>
-  <p:transition xmlns:p14="http://schemas.microsoft.com/office/powerpoint/2010/main">
-    <p:fade/>
+  <p:transition xmlns:p14="http://schemas.microsoft.com/office/powerpoint/2010/main" spd="slow">
+    <p:fade thruBlk="1"/>
   </p:transition>
   <p:timing>
     <p:tnLst>
@@ -25157,7 +25189,7 @@
               <a:graphicData uri="http://schemas.openxmlformats.org/presentationml/2006/ole">
                 <mc:AlternateContent xmlns:mc="http://schemas.openxmlformats.org/markup-compatibility/2006">
                   <mc:Choice xmlns:v="urn:schemas-microsoft-com:vml" Requires="v">
-                    <p:oleObj spid="_x0000_s341028" name="Equation" r:id="rId5" imgW="177480" imgH="190440" progId="Equation.3">
+                    <p:oleObj spid="_x0000_s341035" name="Equation" r:id="rId5" imgW="177480" imgH="190440" progId="Equation.3">
                       <p:embed/>
                     </p:oleObj>
                   </mc:Choice>
@@ -25365,7 +25397,7 @@
           <a:graphicData uri="http://schemas.openxmlformats.org/presentationml/2006/ole">
             <mc:AlternateContent xmlns:mc="http://schemas.openxmlformats.org/markup-compatibility/2006">
               <mc:Choice xmlns:v="urn:schemas-microsoft-com:vml" Requires="v">
-                <p:oleObj spid="_x0000_s341029" name="Equation" r:id="rId7" imgW="177480" imgH="190440" progId="Equation.DSMT4">
+                <p:oleObj spid="_x0000_s341036" name="Equation" r:id="rId7" imgW="177480" imgH="190440" progId="Equation.DSMT4">
                   <p:embed/>
                 </p:oleObj>
               </mc:Choice>
@@ -28720,7 +28752,7 @@
           <a:graphicData uri="http://schemas.openxmlformats.org/presentationml/2006/ole">
             <mc:AlternateContent xmlns:mc="http://schemas.openxmlformats.org/markup-compatibility/2006">
               <mc:Choice xmlns:v="urn:schemas-microsoft-com:vml" Requires="v">
-                <p:oleObj spid="_x0000_s150594" name="Equation" r:id="rId4" imgW="3098800" imgH="457200" progId="Equation.DSMT4">
+                <p:oleObj spid="_x0000_s150601" name="Equation" r:id="rId4" imgW="3098800" imgH="457200" progId="Equation.DSMT4">
                   <p:embed/>
                 </p:oleObj>
               </mc:Choice>
@@ -28781,7 +28813,7 @@
           <a:graphicData uri="http://schemas.openxmlformats.org/presentationml/2006/ole">
             <mc:AlternateContent xmlns:mc="http://schemas.openxmlformats.org/markup-compatibility/2006">
               <mc:Choice xmlns:v="urn:schemas-microsoft-com:vml" Requires="v">
-                <p:oleObj spid="_x0000_s150595" name="Equation" r:id="rId6" imgW="1778000" imgH="304800" progId="Equation.DSMT4">
+                <p:oleObj spid="_x0000_s150602" name="Equation" r:id="rId6" imgW="1778000" imgH="304800" progId="Equation.DSMT4">
                   <p:embed/>
                 </p:oleObj>
               </mc:Choice>
@@ -29043,7 +29075,7 @@
           <a:graphicData uri="http://schemas.openxmlformats.org/presentationml/2006/ole">
             <mc:AlternateContent xmlns:mc="http://schemas.openxmlformats.org/markup-compatibility/2006">
               <mc:Choice xmlns:v="urn:schemas-microsoft-com:vml" Requires="v">
-                <p:oleObj spid="_x0000_s421893" name="Equation" r:id="rId4" imgW="3098800" imgH="457200" progId="Equation.DSMT4">
+                <p:oleObj spid="_x0000_s421906" name="Equation" r:id="rId4" imgW="3098800" imgH="457200" progId="Equation.DSMT4">
                   <p:embed/>
                 </p:oleObj>
               </mc:Choice>
@@ -29104,7 +29136,7 @@
           <a:graphicData uri="http://schemas.openxmlformats.org/presentationml/2006/ole">
             <mc:AlternateContent xmlns:mc="http://schemas.openxmlformats.org/markup-compatibility/2006">
               <mc:Choice xmlns:v="urn:schemas-microsoft-com:vml" Requires="v">
-                <p:oleObj spid="_x0000_s421894" name="Equation" r:id="rId6" imgW="1778000" imgH="304800" progId="Equation.DSMT4">
+                <p:oleObj spid="_x0000_s421907" name="Equation" r:id="rId6" imgW="1778000" imgH="304800" progId="Equation.DSMT4">
                   <p:embed/>
                 </p:oleObj>
               </mc:Choice>
@@ -29227,7 +29259,7 @@
           <a:graphicData uri="http://schemas.openxmlformats.org/presentationml/2006/ole">
             <mc:AlternateContent xmlns:mc="http://schemas.openxmlformats.org/markup-compatibility/2006">
               <mc:Choice xmlns:v="urn:schemas-microsoft-com:vml" Requires="v">
-                <p:oleObj spid="_x0000_s421895" name="Equation" r:id="rId8" imgW="1917700" imgH="228600" progId="Equation.3">
+                <p:oleObj spid="_x0000_s421908" name="Equation" r:id="rId8" imgW="1917700" imgH="228600" progId="Equation.3">
                   <p:embed/>
                 </p:oleObj>
               </mc:Choice>
@@ -29284,7 +29316,7 @@
           <a:graphicData uri="http://schemas.openxmlformats.org/presentationml/2006/ole">
             <mc:AlternateContent xmlns:mc="http://schemas.openxmlformats.org/markup-compatibility/2006">
               <mc:Choice xmlns:v="urn:schemas-microsoft-com:vml" Requires="v">
-                <p:oleObj spid="_x0000_s421896" name="Equation" r:id="rId10" imgW="1397000" imgH="228600" progId="Equation.DSMT4">
+                <p:oleObj spid="_x0000_s421909" name="Equation" r:id="rId10" imgW="1397000" imgH="228600" progId="Equation.DSMT4">
                   <p:embed/>
                 </p:oleObj>
               </mc:Choice>
@@ -29741,7 +29773,7 @@
           <a:graphicData uri="http://schemas.openxmlformats.org/presentationml/2006/ole">
             <mc:AlternateContent xmlns:mc="http://schemas.openxmlformats.org/markup-compatibility/2006">
               <mc:Choice xmlns:v="urn:schemas-microsoft-com:vml" Requires="v">
-                <p:oleObj spid="_x0000_s33831" name="Equation" r:id="rId4" imgW="3022600" imgH="787400" progId="Equation.3">
+                <p:oleObj spid="_x0000_s33838" name="Equation" r:id="rId4" imgW="3022600" imgH="787400" progId="Equation.3">
                   <p:embed/>
                 </p:oleObj>
               </mc:Choice>
@@ -29828,7 +29860,7 @@
           <a:graphicData uri="http://schemas.openxmlformats.org/presentationml/2006/ole">
             <mc:AlternateContent xmlns:mc="http://schemas.openxmlformats.org/markup-compatibility/2006">
               <mc:Choice xmlns:v="urn:schemas-microsoft-com:vml" Requires="v">
-                <p:oleObj spid="_x0000_s33832" name="Equation" r:id="rId6" imgW="114300" imgH="165100" progId="Equation.DSMT4">
+                <p:oleObj spid="_x0000_s33839" name="Equation" r:id="rId6" imgW="114300" imgH="165100" progId="Equation.DSMT4">
                   <p:embed/>
                 </p:oleObj>
               </mc:Choice>
@@ -30309,7 +30341,7 @@
           <a:graphicData uri="http://schemas.openxmlformats.org/presentationml/2006/ole">
             <mc:AlternateContent xmlns:mc="http://schemas.openxmlformats.org/markup-compatibility/2006">
               <mc:Choice xmlns:v="urn:schemas-microsoft-com:vml" Requires="v">
-                <p:oleObj spid="_x0000_s1062" name="Equation" r:id="rId4" imgW="914400" imgH="198720" progId="Equation.DSMT4">
+                <p:oleObj spid="_x0000_s1069" name="Equation" r:id="rId4" imgW="914400" imgH="198720" progId="Equation.DSMT4">
                   <p:embed/>
                 </p:oleObj>
               </mc:Choice>
@@ -30415,7 +30447,7 @@
           <a:graphicData uri="http://schemas.openxmlformats.org/presentationml/2006/ole">
             <mc:AlternateContent xmlns:mc="http://schemas.openxmlformats.org/markup-compatibility/2006">
               <mc:Choice xmlns:v="urn:schemas-microsoft-com:vml" Requires="v">
-                <p:oleObj spid="_x0000_s1063" name="Equation" r:id="rId6" imgW="3022600" imgH="787400" progId="Equation.3">
+                <p:oleObj spid="_x0000_s1070" name="Equation" r:id="rId6" imgW="3022600" imgH="787400" progId="Equation.3">
                   <p:embed/>
                 </p:oleObj>
               </mc:Choice>
@@ -30864,7 +30896,7 @@
           <a:graphicData uri="http://schemas.openxmlformats.org/presentationml/2006/ole">
             <mc:AlternateContent xmlns:mc="http://schemas.openxmlformats.org/markup-compatibility/2006">
               <mc:Choice xmlns:v="urn:schemas-microsoft-com:vml" Requires="v">
-                <p:oleObj spid="_x0000_s2086" name="Equation" r:id="rId4" imgW="609480" imgH="393480" progId="Equation.DSMT4">
+                <p:oleObj spid="_x0000_s2093" name="Equation" r:id="rId4" imgW="609480" imgH="393480" progId="Equation.DSMT4">
                   <p:embed/>
                 </p:oleObj>
               </mc:Choice>
@@ -30940,7 +30972,7 @@
           <a:graphicData uri="http://schemas.openxmlformats.org/presentationml/2006/ole">
             <mc:AlternateContent xmlns:mc="http://schemas.openxmlformats.org/markup-compatibility/2006">
               <mc:Choice xmlns:v="urn:schemas-microsoft-com:vml" Requires="v">
-                <p:oleObj spid="_x0000_s2087" name="Equation" r:id="rId6" imgW="1689100" imgH="495300" progId="Equation.3">
+                <p:oleObj spid="_x0000_s2094" name="Equation" r:id="rId6" imgW="1689100" imgH="495300" progId="Equation.3">
                   <p:embed/>
                 </p:oleObj>
               </mc:Choice>
